--- a/build/01-introduction.pptx
+++ b/build/01-introduction.pptx
@@ -119,6 +119,7 @@
     <p:sldId id="367" r:id="rId113"/>
     <p:sldId id="368" r:id="rId114"/>
     <p:sldId id="369" r:id="rId115"/>
+    <p:sldId id="370" r:id="rId116"/>
   </p:sldIdLst>
   <p:sldSz cx="12192000" cy="6858000"/>
   <p:notesSz cx="6858000" cy="9144000"/>
@@ -4990,6 +4991,116 @@
           </a:p>
         </p:txBody>
       </p:sp>
+    </p:spTree>
+  </p:cSld>
+</p:sld>
+</file>
+
+<file path=ppt/slides/slide115.xml><?xml version="1.0" encoding="utf-8"?>
+<p:sld xmlns:a="http://schemas.openxmlformats.org/drawingml/2006/main" xmlns:r="http://schemas.openxmlformats.org/officeDocument/2006/relationships" xmlns:p="http://schemas.openxmlformats.org/presentationml/2006/main">
+  <p:cSld>
+    <p:spTree>
+      <p:nvGrpSpPr>
+        <p:cNvPr id="1" name=""/>
+        <p:cNvGrpSpPr/>
+        <p:nvPr/>
+      </p:nvGrpSpPr>
+      <p:grpSpPr>
+        <a:xfrm>
+          <a:off x="0" y="0"/>
+          <a:ext cx="0" cy="0"/>
+          <a:chOff x="0" y="0"/>
+          <a:chExt cx="0" cy="0"/>
+        </a:xfrm>
+      </p:grpSpPr>
+      <p:sp>
+        <p:nvSpPr>
+          <p:cNvPr id="2" name="Title 1"/>
+          <p:cNvSpPr>
+            <a:spLocks noGrp="1"/>
+          </p:cNvSpPr>
+          <p:nvPr>
+            <p:ph type="title"/>
+          </p:nvPr>
+        </p:nvSpPr>
+        <p:spPr>
+          <a:xfrm>
+            <a:off x="609601" y="273050"/>
+            <a:ext cx="4011084" cy="1162050"/>
+          </a:xfrm>
+        </p:spPr>
+        <p:txBody>
+          <a:bodyPr/>
+          <a:lstStyle/>
+          <a:p>
+            <a:pPr lvl="0" indent="0" marL="0">
+              <a:buNone/>
+            </a:pPr>
+            <a:r>
+              <a:rPr/>
+              <a:t>Additional Diagrams</a:t>
+            </a:r>
+          </a:p>
+        </p:txBody>
+      </p:sp>
+      <p:sp>
+        <p:nvSpPr>
+          <p:cNvPr id="4" name="Text Placeholder 3"/>
+          <p:cNvSpPr>
+            <a:spLocks noGrp="1"/>
+          </p:cNvSpPr>
+          <p:nvPr>
+            <p:ph idx="2" sz="half" type="body"/>
+          </p:nvPr>
+        </p:nvSpPr>
+        <p:spPr/>
+        <p:txBody>
+          <a:bodyPr/>
+          <a:lstStyle/>
+          <a:p>
+            <a:pPr lvl="0" indent="0" marL="0">
+              <a:spcBef>
+                <a:spcPts val="3000"/>
+              </a:spcBef>
+              <a:buNone/>
+            </a:pPr>
+            <a:r>
+              <a:rPr b="1"/>
+              <a:t>Practice: Architecture</a:t>
+            </a:r>
+          </a:p>
+        </p:txBody>
+      </p:sp>
+      <p:pic>
+        <p:nvPicPr>
+          <p:cNvPr descr="../../diagrams/week01/week1_practice_slide15_architecture.png" id="0" name="Picture 1"/>
+          <p:cNvPicPr>
+            <a:picLocks noGrp="1" noChangeAspect="1"/>
+          </p:cNvPicPr>
+          <p:nvPr/>
+        </p:nvPicPr>
+        <p:blipFill>
+          <a:blip r:embed="rId2"/>
+          <a:stretch>
+            <a:fillRect/>
+          </a:stretch>
+        </p:blipFill>
+        <p:spPr bwMode="auto">
+          <a:xfrm>
+            <a:off x="4762500" y="3022600"/>
+            <a:ext cx="6807200" cy="330200"/>
+          </a:xfrm>
+          <a:prstGeom prst="rect">
+            <a:avLst/>
+          </a:prstGeom>
+          <a:noFill/>
+          <a:ln w="9525">
+            <a:noFill/>
+            <a:headEnd/>
+            <a:tailEnd/>
+          </a:ln>
+        </p:spPr>
+      </p:pic>
     </p:spTree>
   </p:cSld>
 </p:sld>

--- a/build/01-introduction.pptx
+++ b/build/01-introduction.pptx
@@ -408,9 +408,9 @@
           <a:bodyPr/>
           <a:lstStyle/>
           <a:p>
-            <a:fld id="{5BCAD085-E8A6-8845-BD4E-CB4CCA059FC4}" type="datetimeFigureOut">
-              <a:rPr lang="en-US" smtClean="0"/>
-              <a:t>1/29/26</a:t>
+            <a:fld id="{A3964B5F-BAD9-9946-9D71-AB5C763DA70C}" type="datetime9">
+              <a:rPr lang="he-IL" smtClean="0"/>
+              <a:t>31 ינואר, 2026</a:t>
             </a:fld>
             <a:endParaRPr lang="en-US"/>
           </a:p>
@@ -431,7 +431,10 @@
           <a:bodyPr/>
           <a:lstStyle/>
           <a:p>
-            <a:endParaRPr lang="en-US"/>
+            <a:r>
+              <a:rPr lang="en-US"/>
+              <a:t>Or Peretz</a:t>
+            </a:r>
           </a:p>
         </p:txBody>
       </p:sp>
@@ -576,9 +579,9 @@
           <a:bodyPr/>
           <a:lstStyle/>
           <a:p>
-            <a:fld id="{5BCAD085-E8A6-8845-BD4E-CB4CCA059FC4}" type="datetimeFigureOut">
-              <a:rPr lang="en-US" smtClean="0"/>
-              <a:t>1/29/26</a:t>
+            <a:fld id="{6A744ED6-1944-D14D-91B5-FC6036DE393D}" type="datetime9">
+              <a:rPr lang="he-IL" smtClean="0"/>
+              <a:t>31 ינואר, 2026</a:t>
             </a:fld>
             <a:endParaRPr lang="en-US"/>
           </a:p>
@@ -599,7 +602,10 @@
           <a:bodyPr/>
           <a:lstStyle/>
           <a:p>
-            <a:endParaRPr lang="en-US"/>
+            <a:r>
+              <a:rPr lang="en-US"/>
+              <a:t>Or Peretz</a:t>
+            </a:r>
           </a:p>
         </p:txBody>
       </p:sp>
@@ -754,9 +760,9 @@
           <a:bodyPr/>
           <a:lstStyle/>
           <a:p>
-            <a:fld id="{5BCAD085-E8A6-8845-BD4E-CB4CCA059FC4}" type="datetimeFigureOut">
-              <a:rPr lang="en-US" smtClean="0"/>
-              <a:t>1/29/26</a:t>
+            <a:fld id="{37268E4D-FFEC-474C-BD1C-299FD021CBA4}" type="datetime9">
+              <a:rPr lang="he-IL" smtClean="0"/>
+              <a:t>31 ינואר, 2026</a:t>
             </a:fld>
             <a:endParaRPr lang="en-US"/>
           </a:p>
@@ -777,7 +783,10 @@
           <a:bodyPr/>
           <a:lstStyle/>
           <a:p>
-            <a:endParaRPr lang="en-US"/>
+            <a:r>
+              <a:rPr lang="en-US"/>
+              <a:t>Or Peretz</a:t>
+            </a:r>
           </a:p>
         </p:txBody>
       </p:sp>
@@ -944,9 +953,9 @@
           <a:bodyPr/>
           <a:lstStyle/>
           <a:p>
-            <a:fld id="{5BCAD085-E8A6-8845-BD4E-CB4CCA059FC4}" type="datetimeFigureOut">
-              <a:rPr lang="en-US" smtClean="0"/>
-              <a:t>1/29/26</a:t>
+            <a:fld id="{29E1EEA0-9609-584F-90F2-46E4F93E52CD}" type="datetime9">
+              <a:rPr lang="he-IL" smtClean="0"/>
+              <a:t>31 ינואר, 2026</a:t>
             </a:fld>
             <a:endParaRPr lang="en-US"/>
           </a:p>
@@ -967,7 +976,10 @@
           <a:bodyPr/>
           <a:lstStyle/>
           <a:p>
-            <a:endParaRPr lang="en-US"/>
+            <a:r>
+              <a:rPr lang="en-US"/>
+              <a:t>Or Peretz</a:t>
+            </a:r>
           </a:p>
         </p:txBody>
       </p:sp>
@@ -1039,9 +1051,9 @@
           <a:bodyPr/>
           <a:lstStyle/>
           <a:p>
-            <a:fld id="{5BCAD085-E8A6-8845-BD4E-CB4CCA059FC4}" type="datetimeFigureOut">
-              <a:rPr lang="en-US" smtClean="0"/>
-              <a:t>1/29/26</a:t>
+            <a:fld id="{BDCA6A5E-CA21-6B4F-9DE7-1A275F321E49}" type="datetime9">
+              <a:rPr lang="he-IL" smtClean="0"/>
+              <a:t>31 ינואר, 2026</a:t>
             </a:fld>
             <a:endParaRPr lang="en-US"/>
           </a:p>
@@ -1062,7 +1074,10 @@
           <a:bodyPr/>
           <a:lstStyle/>
           <a:p>
-            <a:endParaRPr lang="en-US"/>
+            <a:r>
+              <a:rPr lang="en-US"/>
+              <a:t>Or Peretz</a:t>
+            </a:r>
           </a:p>
         </p:txBody>
       </p:sp>
@@ -1361,9 +1376,9 @@
           <a:bodyPr/>
           <a:lstStyle/>
           <a:p>
-            <a:fld id="{5BCAD085-E8A6-8845-BD4E-CB4CCA059FC4}" type="datetimeFigureOut">
-              <a:rPr lang="en-US" smtClean="0"/>
-              <a:t>1/29/26</a:t>
+            <a:fld id="{AE3C6960-90E0-EA41-937B-E68D4C6A0841}" type="datetime9">
+              <a:rPr lang="he-IL" smtClean="0"/>
+              <a:t>31 ינואר, 2026</a:t>
             </a:fld>
             <a:endParaRPr lang="en-US"/>
           </a:p>
@@ -1384,7 +1399,10 @@
           <a:bodyPr/>
           <a:lstStyle/>
           <a:p>
-            <a:endParaRPr lang="en-US"/>
+            <a:r>
+              <a:rPr lang="en-US"/>
+              <a:t>Or Peretz</a:t>
+            </a:r>
           </a:p>
         </p:txBody>
       </p:sp>
@@ -1780,9 +1798,9 @@
           <a:bodyPr/>
           <a:lstStyle/>
           <a:p>
-            <a:fld id="{5BCAD085-E8A6-8845-BD4E-CB4CCA059FC4}" type="datetimeFigureOut">
-              <a:rPr lang="en-US" smtClean="0"/>
-              <a:t>1/29/26</a:t>
+            <a:fld id="{38CAE1C8-A9FA-924F-80DA-3B96C0343AF4}" type="datetime9">
+              <a:rPr lang="he-IL" smtClean="0"/>
+              <a:t>31 ינואר, 2026</a:t>
             </a:fld>
             <a:endParaRPr lang="en-US"/>
           </a:p>
@@ -1803,7 +1821,10 @@
           <a:bodyPr/>
           <a:lstStyle/>
           <a:p>
-            <a:endParaRPr lang="en-US"/>
+            <a:r>
+              <a:rPr lang="en-US"/>
+              <a:t>Or Peretz</a:t>
+            </a:r>
           </a:p>
         </p:txBody>
       </p:sp>
@@ -1897,9 +1918,9 @@
           <a:bodyPr/>
           <a:lstStyle/>
           <a:p>
-            <a:fld id="{5BCAD085-E8A6-8845-BD4E-CB4CCA059FC4}" type="datetimeFigureOut">
-              <a:rPr lang="en-US" smtClean="0"/>
-              <a:t>1/29/26</a:t>
+            <a:fld id="{3DC92AE4-510D-3C40-B9B0-AA6693EED883}" type="datetime9">
+              <a:rPr lang="he-IL" smtClean="0"/>
+              <a:t>31 ינואר, 2026</a:t>
             </a:fld>
             <a:endParaRPr lang="en-US"/>
           </a:p>
@@ -1920,7 +1941,10 @@
           <a:bodyPr/>
           <a:lstStyle/>
           <a:p>
-            <a:endParaRPr lang="en-US"/>
+            <a:r>
+              <a:rPr lang="en-US"/>
+              <a:t>Or Peretz</a:t>
+            </a:r>
           </a:p>
         </p:txBody>
       </p:sp>
@@ -1992,9 +2016,9 @@
           <a:bodyPr/>
           <a:lstStyle/>
           <a:p>
-            <a:fld id="{5BCAD085-E8A6-8845-BD4E-CB4CCA059FC4}" type="datetimeFigureOut">
-              <a:rPr lang="en-US" smtClean="0"/>
-              <a:t>1/29/26</a:t>
+            <a:fld id="{E2C5D179-4B48-7641-AFA1-4656153FFCB8}" type="datetime9">
+              <a:rPr lang="he-IL" smtClean="0"/>
+              <a:t>31 ינואר, 2026</a:t>
             </a:fld>
             <a:endParaRPr lang="en-US"/>
           </a:p>
@@ -2015,7 +2039,10 @@
           <a:bodyPr/>
           <a:lstStyle/>
           <a:p>
-            <a:endParaRPr lang="en-US"/>
+            <a:r>
+              <a:rPr lang="en-US"/>
+              <a:t>Or Peretz</a:t>
+            </a:r>
           </a:p>
         </p:txBody>
       </p:sp>
@@ -2056,7 +2083,7 @@
 </file>
 
 <file path=ppt/slideLayouts/slideLayout8.xml><?xml version="1.0" encoding="utf-8"?>
-<p:sldLayout xmlns:a="http://schemas.openxmlformats.org/drawingml/2006/main" xmlns:r="http://schemas.openxmlformats.org/officeDocument/2006/relationships" xmlns:p="http://schemas.openxmlformats.org/presentationml/2006/main" type="objTx" preserve="1">
+<p:sldLayout xmlns:a="http://schemas.openxmlformats.org/drawingml/2006/main" xmlns:r="http://schemas.openxmlformats.org/officeDocument/2006/relationships" xmlns:p="http://schemas.openxmlformats.org/presentationml/2006/main" preserve="1" userDrawn="1">
   <p:cSld name="Content with Caption">
     <p:spTree>
       <p:nvGrpSpPr>
@@ -2074,49 +2101,18 @@
       </p:grpSpPr>
       <p:sp>
         <p:nvSpPr>
-          <p:cNvPr id="2" name="Title 1"/>
-          <p:cNvSpPr>
-            <a:spLocks noGrp="1"/>
-          </p:cNvSpPr>
-          <p:nvPr>
-            <p:ph type="title"/>
+          <p:cNvPr id="3" name="Content Placeholder 2"/>
+          <p:cNvSpPr>
+            <a:spLocks noGrp="1"/>
+          </p:cNvSpPr>
+          <p:nvPr>
+            <p:ph idx="1"/>
           </p:nvPr>
         </p:nvSpPr>
         <p:spPr>
           <a:xfrm>
-            <a:off x="609601" y="273050"/>
-            <a:ext cx="4011084" cy="1162050"/>
-          </a:xfrm>
-        </p:spPr>
-        <p:txBody>
-          <a:bodyPr anchor="b"/>
-          <a:lstStyle>
-            <a:lvl1pPr algn="l">
-              <a:defRPr sz="2000" b="1"/>
-            </a:lvl1pPr>
-          </a:lstStyle>
-          <a:p>
-            <a:r>
-              <a:rPr lang="en-US"/>
-              <a:t>Click to edit Master title style</a:t>
-            </a:r>
-          </a:p>
-        </p:txBody>
-      </p:sp>
-      <p:sp>
-        <p:nvSpPr>
-          <p:cNvPr id="3" name="Content Placeholder 2"/>
-          <p:cNvSpPr>
-            <a:spLocks noGrp="1"/>
-          </p:cNvSpPr>
-          <p:nvPr>
-            <p:ph idx="1"/>
-          </p:nvPr>
-        </p:nvSpPr>
-        <p:spPr>
-          <a:xfrm>
-            <a:off x="4766733" y="273051"/>
-            <a:ext cx="6815667" cy="5853113"/>
+            <a:off x="5769621" y="1546412"/>
+            <a:ext cx="6338761" cy="4579752"/>
           </a:xfrm>
         </p:spPr>
         <p:txBody>
@@ -2153,35 +2149,35 @@
           <a:p>
             <a:pPr lvl="0"/>
             <a:r>
-              <a:rPr lang="en-US"/>
+              <a:rPr lang="en-US" dirty="0"/>
               <a:t>Click to edit Master text styles</a:t>
             </a:r>
           </a:p>
           <a:p>
             <a:pPr lvl="1"/>
             <a:r>
-              <a:rPr lang="en-US"/>
+              <a:rPr lang="en-US" dirty="0"/>
               <a:t>Second level</a:t>
             </a:r>
           </a:p>
           <a:p>
             <a:pPr lvl="2"/>
             <a:r>
-              <a:rPr lang="en-US"/>
+              <a:rPr lang="en-US" dirty="0"/>
               <a:t>Third level</a:t>
             </a:r>
           </a:p>
           <a:p>
             <a:pPr lvl="3"/>
             <a:r>
-              <a:rPr lang="en-US"/>
+              <a:rPr lang="en-US" dirty="0"/>
               <a:t>Fourth level</a:t>
             </a:r>
           </a:p>
           <a:p>
             <a:pPr lvl="4"/>
             <a:r>
-              <a:rPr lang="en-US"/>
+              <a:rPr lang="en-US" dirty="0"/>
               <a:t>Fifth level</a:t>
             </a:r>
           </a:p>
@@ -2194,13 +2190,304 @@
             <a:spLocks noGrp="1"/>
           </p:cNvSpPr>
           <p:nvPr>
-            <p:ph type="body" sz="half" idx="2"/>
+            <p:ph type="body" sz="half" idx="2" hasCustomPrompt="1"/>
           </p:nvPr>
         </p:nvSpPr>
         <p:spPr>
           <a:xfrm>
-            <a:off x="609601" y="1435101"/>
-            <a:ext cx="4011084" cy="4691063"/>
+            <a:off x="609601" y="1546412"/>
+            <a:ext cx="5030548" cy="4579752"/>
+          </a:xfrm>
+        </p:spPr>
+        <p:txBody>
+          <a:bodyPr/>
+          <a:lstStyle>
+            <a:lvl1pPr marL="0" indent="0">
+              <a:lnSpc>
+                <a:spcPct val="150000"/>
+              </a:lnSpc>
+              <a:buNone/>
+              <a:defRPr sz="2200"/>
+            </a:lvl1pPr>
+            <a:lvl2pPr marL="457200" indent="0">
+              <a:buNone/>
+              <a:defRPr sz="1200"/>
+            </a:lvl2pPr>
+            <a:lvl3pPr marL="914400" indent="0">
+              <a:buNone/>
+              <a:defRPr sz="1000"/>
+            </a:lvl3pPr>
+            <a:lvl4pPr marL="1371600" indent="0">
+              <a:buNone/>
+              <a:defRPr sz="900"/>
+            </a:lvl4pPr>
+            <a:lvl5pPr marL="1828800" indent="0">
+              <a:buNone/>
+              <a:defRPr sz="900"/>
+            </a:lvl5pPr>
+            <a:lvl6pPr marL="2286000" indent="0">
+              <a:buNone/>
+              <a:defRPr sz="900"/>
+            </a:lvl6pPr>
+            <a:lvl7pPr marL="2743200" indent="0">
+              <a:buNone/>
+              <a:defRPr sz="900"/>
+            </a:lvl7pPr>
+            <a:lvl8pPr marL="3200400" indent="0">
+              <a:buNone/>
+              <a:defRPr sz="900"/>
+            </a:lvl8pPr>
+            <a:lvl9pPr marL="3657600" indent="0">
+              <a:buNone/>
+              <a:defRPr sz="900"/>
+            </a:lvl9pPr>
+          </a:lstStyle>
+          <a:p>
+            <a:pPr lvl="0"/>
+            <a:r>
+              <a:rPr lang="en-US" dirty="0"/>
+              <a:t>Click to edit Master text styles</a:t>
+            </a:r>
+          </a:p>
+        </p:txBody>
+      </p:sp>
+      <p:sp>
+        <p:nvSpPr>
+          <p:cNvPr id="5" name="Date Placeholder 4"/>
+          <p:cNvSpPr>
+            <a:spLocks noGrp="1"/>
+          </p:cNvSpPr>
+          <p:nvPr>
+            <p:ph type="dt" sz="half" idx="10"/>
+          </p:nvPr>
+        </p:nvSpPr>
+        <p:spPr/>
+        <p:txBody>
+          <a:bodyPr/>
+          <a:lstStyle/>
+          <a:p>
+            <a:fld id="{B2D96A8D-C7E4-194A-BF0A-D552B24EBF94}" type="datetime9">
+              <a:rPr lang="he-IL" smtClean="0"/>
+              <a:t>31 ינואר, 2026</a:t>
+            </a:fld>
+            <a:endParaRPr lang="en-US"/>
+          </a:p>
+        </p:txBody>
+      </p:sp>
+      <p:sp>
+        <p:nvSpPr>
+          <p:cNvPr id="6" name="Footer Placeholder 5"/>
+          <p:cNvSpPr>
+            <a:spLocks noGrp="1"/>
+          </p:cNvSpPr>
+          <p:nvPr>
+            <p:ph type="ftr" sz="quarter" idx="11"/>
+          </p:nvPr>
+        </p:nvSpPr>
+        <p:spPr/>
+        <p:txBody>
+          <a:bodyPr/>
+          <a:lstStyle/>
+          <a:p>
+            <a:r>
+              <a:rPr lang="en-US"/>
+              <a:t>Or Peretz</a:t>
+            </a:r>
+          </a:p>
+        </p:txBody>
+      </p:sp>
+      <p:sp>
+        <p:nvSpPr>
+          <p:cNvPr id="7" name="Slide Number Placeholder 6"/>
+          <p:cNvSpPr>
+            <a:spLocks noGrp="1"/>
+          </p:cNvSpPr>
+          <p:nvPr>
+            <p:ph type="sldNum" sz="quarter" idx="12"/>
+          </p:nvPr>
+        </p:nvSpPr>
+        <p:spPr/>
+        <p:txBody>
+          <a:bodyPr/>
+          <a:lstStyle/>
+          <a:p>
+            <a:fld id="{C1FF6DA9-008F-8B48-92A6-B652298478BF}" type="slidenum">
+              <a:rPr lang="en-US" smtClean="0"/>
+              <a:t>‹#›</a:t>
+            </a:fld>
+            <a:endParaRPr lang="en-US"/>
+          </a:p>
+        </p:txBody>
+      </p:sp>
+      <p:sp>
+        <p:nvSpPr>
+          <p:cNvPr id="9" name="Title 1">
+            <a:extLst>
+              <a:ext uri="{FF2B5EF4-FFF2-40B4-BE49-F238E27FC236}">
+                <a16:creationId xmlns:a16="http://schemas.microsoft.com/office/drawing/2014/main" id="{7F24627C-5938-5D06-969C-341161F72C9C}"/>
+              </a:ext>
+            </a:extLst>
+          </p:cNvPr>
+          <p:cNvSpPr>
+            <a:spLocks noGrp="1"/>
+          </p:cNvSpPr>
+          <p:nvPr>
+            <p:ph type="title"/>
+          </p:nvPr>
+        </p:nvSpPr>
+        <p:spPr>
+          <a:xfrm>
+            <a:off x="609600" y="274638"/>
+            <a:ext cx="10972800" cy="1143000"/>
+          </a:xfrm>
+        </p:spPr>
+        <p:txBody>
+          <a:bodyPr/>
+          <a:lstStyle/>
+          <a:p>
+            <a:r>
+              <a:rPr lang="en-US"/>
+              <a:t>Click to edit Master title style</a:t>
+            </a:r>
+          </a:p>
+        </p:txBody>
+      </p:sp>
+    </p:spTree>
+    <p:extLst>
+      <p:ext uri="{BB962C8B-B14F-4D97-AF65-F5344CB8AC3E}">
+        <p14:creationId xmlns:p14="http://schemas.microsoft.com/office/powerpoint/2010/main" val="1840726560"/>
+      </p:ext>
+    </p:extLst>
+  </p:cSld>
+  <p:clrMapOvr>
+    <a:masterClrMapping/>
+  </p:clrMapOvr>
+</p:sldLayout>
+</file>
+
+<file path=ppt/slideLayouts/slideLayout9.xml><?xml version="1.0" encoding="utf-8"?>
+<p:sldLayout xmlns:a="http://schemas.openxmlformats.org/drawingml/2006/main" xmlns:r="http://schemas.openxmlformats.org/officeDocument/2006/relationships" xmlns:p="http://schemas.openxmlformats.org/presentationml/2006/main" type="picTx" preserve="1">
+  <p:cSld name="Picture with Caption">
+    <p:spTree>
+      <p:nvGrpSpPr>
+        <p:cNvPr id="1" name=""/>
+        <p:cNvGrpSpPr/>
+        <p:nvPr/>
+      </p:nvGrpSpPr>
+      <p:grpSpPr>
+        <a:xfrm>
+          <a:off x="0" y="0"/>
+          <a:ext cx="0" cy="0"/>
+          <a:chOff x="0" y="0"/>
+          <a:chExt cx="0" cy="0"/>
+        </a:xfrm>
+      </p:grpSpPr>
+      <p:sp>
+        <p:nvSpPr>
+          <p:cNvPr id="2" name="Title 1"/>
+          <p:cNvSpPr>
+            <a:spLocks noGrp="1"/>
+          </p:cNvSpPr>
+          <p:nvPr>
+            <p:ph type="title"/>
+          </p:nvPr>
+        </p:nvSpPr>
+        <p:spPr>
+          <a:xfrm>
+            <a:off x="2389717" y="4800600"/>
+            <a:ext cx="7315200" cy="566738"/>
+          </a:xfrm>
+        </p:spPr>
+        <p:txBody>
+          <a:bodyPr anchor="b"/>
+          <a:lstStyle>
+            <a:lvl1pPr algn="l">
+              <a:defRPr sz="2000" b="1"/>
+            </a:lvl1pPr>
+          </a:lstStyle>
+          <a:p>
+            <a:r>
+              <a:rPr lang="en-US"/>
+              <a:t>Click to edit Master title style</a:t>
+            </a:r>
+          </a:p>
+        </p:txBody>
+      </p:sp>
+      <p:sp>
+        <p:nvSpPr>
+          <p:cNvPr id="3" name="Picture Placeholder 2"/>
+          <p:cNvSpPr>
+            <a:spLocks noGrp="1"/>
+          </p:cNvSpPr>
+          <p:nvPr>
+            <p:ph type="pic" idx="1"/>
+          </p:nvPr>
+        </p:nvSpPr>
+        <p:spPr>
+          <a:xfrm>
+            <a:off x="2389717" y="612775"/>
+            <a:ext cx="7315200" cy="4114800"/>
+          </a:xfrm>
+        </p:spPr>
+        <p:txBody>
+          <a:bodyPr/>
+          <a:lstStyle>
+            <a:lvl1pPr marL="0" indent="0">
+              <a:buNone/>
+              <a:defRPr sz="3200"/>
+            </a:lvl1pPr>
+            <a:lvl2pPr marL="457200" indent="0">
+              <a:buNone/>
+              <a:defRPr sz="2800"/>
+            </a:lvl2pPr>
+            <a:lvl3pPr marL="914400" indent="0">
+              <a:buNone/>
+              <a:defRPr sz="2400"/>
+            </a:lvl3pPr>
+            <a:lvl4pPr marL="1371600" indent="0">
+              <a:buNone/>
+              <a:defRPr sz="2000"/>
+            </a:lvl4pPr>
+            <a:lvl5pPr marL="1828800" indent="0">
+              <a:buNone/>
+              <a:defRPr sz="2000"/>
+            </a:lvl5pPr>
+            <a:lvl6pPr marL="2286000" indent="0">
+              <a:buNone/>
+              <a:defRPr sz="2000"/>
+            </a:lvl6pPr>
+            <a:lvl7pPr marL="2743200" indent="0">
+              <a:buNone/>
+              <a:defRPr sz="2000"/>
+            </a:lvl7pPr>
+            <a:lvl8pPr marL="3200400" indent="0">
+              <a:buNone/>
+              <a:defRPr sz="2000"/>
+            </a:lvl8pPr>
+            <a:lvl9pPr marL="3657600" indent="0">
+              <a:buNone/>
+              <a:defRPr sz="2000"/>
+            </a:lvl9pPr>
+          </a:lstStyle>
+          <a:p>
+            <a:endParaRPr lang="en-US"/>
+          </a:p>
+        </p:txBody>
+      </p:sp>
+      <p:sp>
+        <p:nvSpPr>
+          <p:cNvPr id="4" name="Text Placeholder 3"/>
+          <p:cNvSpPr>
+            <a:spLocks noGrp="1"/>
+          </p:cNvSpPr>
+          <p:nvPr>
+            <p:ph type="body" sz="half" idx="2"/>
+          </p:nvPr>
+        </p:nvSpPr>
+        <p:spPr>
+          <a:xfrm>
+            <a:off x="2389717" y="5367338"/>
+            <a:ext cx="7315200" cy="804862"/>
           </a:xfrm>
         </p:spPr>
         <p:txBody>
@@ -2267,9 +2554,9 @@
           <a:bodyPr/>
           <a:lstStyle/>
           <a:p>
-            <a:fld id="{5BCAD085-E8A6-8845-BD4E-CB4CCA059FC4}" type="datetimeFigureOut">
-              <a:rPr lang="en-US" smtClean="0"/>
-              <a:t>1/29/26</a:t>
+            <a:fld id="{A12B2D52-0D9F-F345-8384-0DCA30BF1F04}" type="datetime9">
+              <a:rPr lang="he-IL" smtClean="0"/>
+              <a:t>31 ינואר, 2026</a:t>
             </a:fld>
             <a:endParaRPr lang="en-US"/>
           </a:p>
@@ -2290,259 +2577,10 @@
           <a:bodyPr/>
           <a:lstStyle/>
           <a:p>
-            <a:endParaRPr lang="en-US"/>
-          </a:p>
-        </p:txBody>
-      </p:sp>
-      <p:sp>
-        <p:nvSpPr>
-          <p:cNvPr id="7" name="Slide Number Placeholder 6"/>
-          <p:cNvSpPr>
-            <a:spLocks noGrp="1"/>
-          </p:cNvSpPr>
-          <p:nvPr>
-            <p:ph type="sldNum" sz="quarter" idx="12"/>
-          </p:nvPr>
-        </p:nvSpPr>
-        <p:spPr/>
-        <p:txBody>
-          <a:bodyPr/>
-          <a:lstStyle/>
-          <a:p>
-            <a:fld id="{C1FF6DA9-008F-8B48-92A6-B652298478BF}" type="slidenum">
-              <a:rPr lang="en-US" smtClean="0"/>
-              <a:t>‹#›</a:t>
-            </a:fld>
-            <a:endParaRPr lang="en-US"/>
-          </a:p>
-        </p:txBody>
-      </p:sp>
-    </p:spTree>
-    <p:extLst>
-      <p:ext uri="{BB962C8B-B14F-4D97-AF65-F5344CB8AC3E}">
-        <p14:creationId xmlns:p14="http://schemas.microsoft.com/office/powerpoint/2010/main" val="1840726560"/>
-      </p:ext>
-    </p:extLst>
-  </p:cSld>
-  <p:clrMapOvr>
-    <a:masterClrMapping/>
-  </p:clrMapOvr>
-</p:sldLayout>
-</file>
-
-<file path=ppt/slideLayouts/slideLayout9.xml><?xml version="1.0" encoding="utf-8"?>
-<p:sldLayout xmlns:a="http://schemas.openxmlformats.org/drawingml/2006/main" xmlns:r="http://schemas.openxmlformats.org/officeDocument/2006/relationships" xmlns:p="http://schemas.openxmlformats.org/presentationml/2006/main" type="picTx" preserve="1">
-  <p:cSld name="Picture with Caption">
-    <p:spTree>
-      <p:nvGrpSpPr>
-        <p:cNvPr id="1" name=""/>
-        <p:cNvGrpSpPr/>
-        <p:nvPr/>
-      </p:nvGrpSpPr>
-      <p:grpSpPr>
-        <a:xfrm>
-          <a:off x="0" y="0"/>
-          <a:ext cx="0" cy="0"/>
-          <a:chOff x="0" y="0"/>
-          <a:chExt cx="0" cy="0"/>
-        </a:xfrm>
-      </p:grpSpPr>
-      <p:sp>
-        <p:nvSpPr>
-          <p:cNvPr id="2" name="Title 1"/>
-          <p:cNvSpPr>
-            <a:spLocks noGrp="1"/>
-          </p:cNvSpPr>
-          <p:nvPr>
-            <p:ph type="title"/>
-          </p:nvPr>
-        </p:nvSpPr>
-        <p:spPr>
-          <a:xfrm>
-            <a:off x="2389717" y="4800600"/>
-            <a:ext cx="7315200" cy="566738"/>
-          </a:xfrm>
-        </p:spPr>
-        <p:txBody>
-          <a:bodyPr anchor="b"/>
-          <a:lstStyle>
-            <a:lvl1pPr algn="l">
-              <a:defRPr sz="2000" b="1"/>
-            </a:lvl1pPr>
-          </a:lstStyle>
-          <a:p>
             <a:r>
               <a:rPr lang="en-US"/>
-              <a:t>Click to edit Master title style</a:t>
-            </a:r>
-          </a:p>
-        </p:txBody>
-      </p:sp>
-      <p:sp>
-        <p:nvSpPr>
-          <p:cNvPr id="3" name="Picture Placeholder 2"/>
-          <p:cNvSpPr>
-            <a:spLocks noGrp="1"/>
-          </p:cNvSpPr>
-          <p:nvPr>
-            <p:ph type="pic" idx="1"/>
-          </p:nvPr>
-        </p:nvSpPr>
-        <p:spPr>
-          <a:xfrm>
-            <a:off x="2389717" y="612775"/>
-            <a:ext cx="7315200" cy="4114800"/>
-          </a:xfrm>
-        </p:spPr>
-        <p:txBody>
-          <a:bodyPr/>
-          <a:lstStyle>
-            <a:lvl1pPr marL="0" indent="0">
-              <a:buNone/>
-              <a:defRPr sz="3200"/>
-            </a:lvl1pPr>
-            <a:lvl2pPr marL="457200" indent="0">
-              <a:buNone/>
-              <a:defRPr sz="2800"/>
-            </a:lvl2pPr>
-            <a:lvl3pPr marL="914400" indent="0">
-              <a:buNone/>
-              <a:defRPr sz="2400"/>
-            </a:lvl3pPr>
-            <a:lvl4pPr marL="1371600" indent="0">
-              <a:buNone/>
-              <a:defRPr sz="2000"/>
-            </a:lvl4pPr>
-            <a:lvl5pPr marL="1828800" indent="0">
-              <a:buNone/>
-              <a:defRPr sz="2000"/>
-            </a:lvl5pPr>
-            <a:lvl6pPr marL="2286000" indent="0">
-              <a:buNone/>
-              <a:defRPr sz="2000"/>
-            </a:lvl6pPr>
-            <a:lvl7pPr marL="2743200" indent="0">
-              <a:buNone/>
-              <a:defRPr sz="2000"/>
-            </a:lvl7pPr>
-            <a:lvl8pPr marL="3200400" indent="0">
-              <a:buNone/>
-              <a:defRPr sz="2000"/>
-            </a:lvl8pPr>
-            <a:lvl9pPr marL="3657600" indent="0">
-              <a:buNone/>
-              <a:defRPr sz="2000"/>
-            </a:lvl9pPr>
-          </a:lstStyle>
-          <a:p>
-            <a:endParaRPr lang="en-US"/>
-          </a:p>
-        </p:txBody>
-      </p:sp>
-      <p:sp>
-        <p:nvSpPr>
-          <p:cNvPr id="4" name="Text Placeholder 3"/>
-          <p:cNvSpPr>
-            <a:spLocks noGrp="1"/>
-          </p:cNvSpPr>
-          <p:nvPr>
-            <p:ph type="body" sz="half" idx="2"/>
-          </p:nvPr>
-        </p:nvSpPr>
-        <p:spPr>
-          <a:xfrm>
-            <a:off x="2389717" y="5367338"/>
-            <a:ext cx="7315200" cy="804862"/>
-          </a:xfrm>
-        </p:spPr>
-        <p:txBody>
-          <a:bodyPr/>
-          <a:lstStyle>
-            <a:lvl1pPr marL="0" indent="0">
-              <a:buNone/>
-              <a:defRPr sz="1400"/>
-            </a:lvl1pPr>
-            <a:lvl2pPr marL="457200" indent="0">
-              <a:buNone/>
-              <a:defRPr sz="1200"/>
-            </a:lvl2pPr>
-            <a:lvl3pPr marL="914400" indent="0">
-              <a:buNone/>
-              <a:defRPr sz="1000"/>
-            </a:lvl3pPr>
-            <a:lvl4pPr marL="1371600" indent="0">
-              <a:buNone/>
-              <a:defRPr sz="900"/>
-            </a:lvl4pPr>
-            <a:lvl5pPr marL="1828800" indent="0">
-              <a:buNone/>
-              <a:defRPr sz="900"/>
-            </a:lvl5pPr>
-            <a:lvl6pPr marL="2286000" indent="0">
-              <a:buNone/>
-              <a:defRPr sz="900"/>
-            </a:lvl6pPr>
-            <a:lvl7pPr marL="2743200" indent="0">
-              <a:buNone/>
-              <a:defRPr sz="900"/>
-            </a:lvl7pPr>
-            <a:lvl8pPr marL="3200400" indent="0">
-              <a:buNone/>
-              <a:defRPr sz="900"/>
-            </a:lvl8pPr>
-            <a:lvl9pPr marL="3657600" indent="0">
-              <a:buNone/>
-              <a:defRPr sz="900"/>
-            </a:lvl9pPr>
-          </a:lstStyle>
-          <a:p>
-            <a:pPr lvl="0"/>
-            <a:r>
-              <a:rPr lang="en-US"/>
-              <a:t>Click to edit Master text styles</a:t>
-            </a:r>
-          </a:p>
-        </p:txBody>
-      </p:sp>
-      <p:sp>
-        <p:nvSpPr>
-          <p:cNvPr id="5" name="Date Placeholder 4"/>
-          <p:cNvSpPr>
-            <a:spLocks noGrp="1"/>
-          </p:cNvSpPr>
-          <p:nvPr>
-            <p:ph type="dt" sz="half" idx="10"/>
-          </p:nvPr>
-        </p:nvSpPr>
-        <p:spPr/>
-        <p:txBody>
-          <a:bodyPr/>
-          <a:lstStyle/>
-          <a:p>
-            <a:fld id="{5BCAD085-E8A6-8845-BD4E-CB4CCA059FC4}" type="datetimeFigureOut">
-              <a:rPr lang="en-US" smtClean="0"/>
-              <a:t>1/29/26</a:t>
-            </a:fld>
-            <a:endParaRPr lang="en-US"/>
-          </a:p>
-        </p:txBody>
-      </p:sp>
-      <p:sp>
-        <p:nvSpPr>
-          <p:cNvPr id="6" name="Footer Placeholder 5"/>
-          <p:cNvSpPr>
-            <a:spLocks noGrp="1"/>
-          </p:cNvSpPr>
-          <p:nvPr>
-            <p:ph type="ftr" sz="quarter" idx="11"/>
-          </p:nvPr>
-        </p:nvSpPr>
-        <p:spPr/>
-        <p:txBody>
-          <a:bodyPr/>
-          <a:lstStyle/>
-          <a:p>
-            <a:endParaRPr lang="en-US"/>
+              <a:t>Or Peretz</a:t>
+            </a:r>
           </a:p>
         </p:txBody>
       </p:sp>
@@ -2846,9 +2884,9 @@
             </a:lvl1pPr>
           </a:lstStyle>
           <a:p>
-            <a:fld id="{5BCAD085-E8A6-8845-BD4E-CB4CCA059FC4}" type="datetimeFigureOut">
-              <a:rPr lang="en-US" smtClean="0"/>
-              <a:t>1/29/26</a:t>
+            <a:fld id="{3AA9E24A-D52C-CB4E-85D6-C52415601A2A}" type="datetime9">
+              <a:rPr lang="he-IL" smtClean="0"/>
+              <a:t>31 ינואר, 2026</a:t>
             </a:fld>
             <a:endParaRPr lang="en-US"/>
           </a:p>
@@ -2887,7 +2925,10 @@
             </a:lvl1pPr>
           </a:lstStyle>
           <a:p>
-            <a:endParaRPr lang="en-US"/>
+            <a:r>
+              <a:rPr lang="en-US"/>
+              <a:t>Or Peretz</a:t>
+            </a:r>
           </a:p>
         </p:txBody>
       </p:sp>
@@ -3021,7 +3062,7 @@
         </p:nvSpPr>
         <p:spPr>
           <a:xfrm>
-            <a:off x="-6457700" y="-1088358"/>
+            <a:off x="-6457700" y="-1080266"/>
             <a:ext cx="7329616" cy="7329616"/>
           </a:xfrm>
           <a:custGeom>
@@ -3103,6 +3144,7 @@
     <p:sldLayoutId id="2147483658" r:id="rId10"/>
     <p:sldLayoutId id="2147483659" r:id="rId11"/>
   </p:sldLayoutIdLst>
+  <p:hf dt="0" hdr="0"/>
   <p:txStyles>
     <p:titleStyle>
       <a:lvl1pPr algn="ctr" defTabSz="457200" eaLnBrk="1" hangingPunct="1" latinLnBrk="0" rtl="0">
@@ -3424,6 +3466,51 @@
           </a:p>
         </p:txBody>
       </p:sp>
+      <p:sp>
+        <p:nvSpPr>
+          <p:cNvPr id="5" name="Footer Placeholder 4"/>
+          <p:cNvSpPr>
+            <a:spLocks noGrp="1"/>
+          </p:cNvSpPr>
+          <p:nvPr>
+            <p:ph idx="11" sz="quarter" type="ftr"/>
+          </p:nvPr>
+        </p:nvSpPr>
+        <p:spPr/>
+        <p:txBody>
+          <a:bodyPr/>
+          <a:lstStyle/>
+          <a:p>
+            <a:r>
+              <a:rPr lang="en-US"/>
+              <a:t>Or Peretz</a:t>
+            </a:r>
+          </a:p>
+        </p:txBody>
+      </p:sp>
+      <p:sp>
+        <p:nvSpPr>
+          <p:cNvPr id="6" name="Slide Number Placeholder 5"/>
+          <p:cNvSpPr>
+            <a:spLocks noGrp="1"/>
+          </p:cNvSpPr>
+          <p:nvPr>
+            <p:ph idx="12" sz="quarter" type="sldNum"/>
+          </p:nvPr>
+        </p:nvSpPr>
+        <p:spPr/>
+        <p:txBody>
+          <a:bodyPr/>
+          <a:lstStyle/>
+          <a:p>
+            <a:fld id="{C1FF6DA9-008F-8B48-92A6-B652298478BF}" type="slidenum">
+              <a:rPr lang="en-US" smtClean="0"/>
+              <a:t>‹#›</a:t>
+            </a:fld>
+            <a:endParaRPr lang="en-US"/>
+          </a:p>
+        </p:txBody>
+      </p:sp>
     </p:spTree>
   </p:cSld>
 </p:sld>
@@ -3466,27 +3553,8 @@
             </a:pPr>
             <a:r>
               <a:rPr/>
-              <a:t>What is Business Intelligence? (2/2)</a:t>
-            </a:r>
-          </a:p>
-        </p:txBody>
-      </p:sp>
-      <p:sp>
-        <p:nvSpPr>
-          <p:cNvPr id="3" name="Content Placeholder 2"/>
-          <p:cNvSpPr>
-            <a:spLocks noGrp="1"/>
-          </p:cNvSpPr>
-          <p:nvPr>
-            <p:ph hasCustomPrompt="1" idx="1"/>
-          </p:nvPr>
-        </p:nvSpPr>
-        <p:spPr/>
-        <p:txBody>
-          <a:bodyPr/>
-          <a:lstStyle/>
-          <a:p>
-            <a:pPr lvl="0"/>
+              <a:t>What is Business Intelligence?- </a:t>
+            </a:r>
             <a:r>
               <a:rPr b="1"/>
               <a:t>Benefits:</a:t>
@@ -3496,6 +3564,22 @@
               <a:t> handle large amounts of data efficiently</a:t>
             </a:r>
           </a:p>
+        </p:txBody>
+      </p:sp>
+      <p:sp>
+        <p:nvSpPr>
+          <p:cNvPr id="3" name="Content Placeholder 2"/>
+          <p:cNvSpPr>
+            <a:spLocks noGrp="1"/>
+          </p:cNvSpPr>
+          <p:nvPr>
+            <p:ph hasCustomPrompt="1" idx="1"/>
+          </p:nvPr>
+        </p:nvSpPr>
+        <p:spPr/>
+        <p:txBody>
+          <a:bodyPr/>
+          <a:lstStyle/>
           <a:p>
             <a:pPr lvl="0"/>
             <a:r>
@@ -3516,6 +3600,51 @@
               <a:rPr/>
               <a:t>Enable data-driven decision making</a:t>
             </a:r>
+          </a:p>
+        </p:txBody>
+      </p:sp>
+      <p:sp>
+        <p:nvSpPr>
+          <p:cNvPr id="5" name="Footer Placeholder 4"/>
+          <p:cNvSpPr>
+            <a:spLocks noGrp="1"/>
+          </p:cNvSpPr>
+          <p:nvPr>
+            <p:ph idx="11" sz="quarter" type="ftr"/>
+          </p:nvPr>
+        </p:nvSpPr>
+        <p:spPr/>
+        <p:txBody>
+          <a:bodyPr/>
+          <a:lstStyle/>
+          <a:p>
+            <a:r>
+              <a:rPr lang="en-US"/>
+              <a:t>Or Peretz</a:t>
+            </a:r>
+          </a:p>
+        </p:txBody>
+      </p:sp>
+      <p:sp>
+        <p:nvSpPr>
+          <p:cNvPr id="6" name="Slide Number Placeholder 5"/>
+          <p:cNvSpPr>
+            <a:spLocks noGrp="1"/>
+          </p:cNvSpPr>
+          <p:nvPr>
+            <p:ph idx="12" sz="quarter" type="sldNum"/>
+          </p:nvPr>
+        </p:nvSpPr>
+        <p:spPr/>
+        <p:txBody>
+          <a:bodyPr/>
+          <a:lstStyle/>
+          <a:p>
+            <a:fld id="{C1FF6DA9-008F-8B48-92A6-B652298478BF}" type="slidenum">
+              <a:rPr lang="en-US" smtClean="0"/>
+              <a:t>‹#›</a:t>
+            </a:fld>
+            <a:endParaRPr lang="en-US"/>
           </a:p>
         </p:txBody>
       </p:sp>
@@ -3610,6 +3739,51 @@
           </a:p>
         </p:txBody>
       </p:sp>
+      <p:sp>
+        <p:nvSpPr>
+          <p:cNvPr id="5" name="Footer Placeholder 4"/>
+          <p:cNvSpPr>
+            <a:spLocks noGrp="1"/>
+          </p:cNvSpPr>
+          <p:nvPr>
+            <p:ph idx="11" sz="quarter" type="ftr"/>
+          </p:nvPr>
+        </p:nvSpPr>
+        <p:spPr/>
+        <p:txBody>
+          <a:bodyPr/>
+          <a:lstStyle/>
+          <a:p>
+            <a:r>
+              <a:rPr lang="en-US"/>
+              <a:t>Or Peretz</a:t>
+            </a:r>
+          </a:p>
+        </p:txBody>
+      </p:sp>
+      <p:sp>
+        <p:nvSpPr>
+          <p:cNvPr id="6" name="Slide Number Placeholder 5"/>
+          <p:cNvSpPr>
+            <a:spLocks noGrp="1"/>
+          </p:cNvSpPr>
+          <p:nvPr>
+            <p:ph idx="12" sz="quarter" type="sldNum"/>
+          </p:nvPr>
+        </p:nvSpPr>
+        <p:spPr/>
+        <p:txBody>
+          <a:bodyPr/>
+          <a:lstStyle/>
+          <a:p>
+            <a:fld id="{C1FF6DA9-008F-8B48-92A6-B652298478BF}" type="slidenum">
+              <a:rPr lang="en-US" smtClean="0"/>
+              <a:t>‹#›</a:t>
+            </a:fld>
+            <a:endParaRPr lang="en-US"/>
+          </a:p>
+        </p:txBody>
+      </p:sp>
     </p:spTree>
   </p:cSld>
 </p:sld>
@@ -3708,6 +3882,51 @@
           </a:p>
         </p:txBody>
       </p:sp>
+      <p:sp>
+        <p:nvSpPr>
+          <p:cNvPr id="5" name="Footer Placeholder 4"/>
+          <p:cNvSpPr>
+            <a:spLocks noGrp="1"/>
+          </p:cNvSpPr>
+          <p:nvPr>
+            <p:ph idx="11" sz="quarter" type="ftr"/>
+          </p:nvPr>
+        </p:nvSpPr>
+        <p:spPr/>
+        <p:txBody>
+          <a:bodyPr/>
+          <a:lstStyle/>
+          <a:p>
+            <a:r>
+              <a:rPr lang="en-US"/>
+              <a:t>Or Peretz</a:t>
+            </a:r>
+          </a:p>
+        </p:txBody>
+      </p:sp>
+      <p:sp>
+        <p:nvSpPr>
+          <p:cNvPr id="6" name="Slide Number Placeholder 5"/>
+          <p:cNvSpPr>
+            <a:spLocks noGrp="1"/>
+          </p:cNvSpPr>
+          <p:nvPr>
+            <p:ph idx="12" sz="quarter" type="sldNum"/>
+          </p:nvPr>
+        </p:nvSpPr>
+        <p:spPr/>
+        <p:txBody>
+          <a:bodyPr/>
+          <a:lstStyle/>
+          <a:p>
+            <a:fld id="{C1FF6DA9-008F-8B48-92A6-B652298478BF}" type="slidenum">
+              <a:rPr lang="en-US" smtClean="0"/>
+              <a:t>‹#›</a:t>
+            </a:fld>
+            <a:endParaRPr lang="en-US"/>
+          </a:p>
+        </p:txBody>
+      </p:sp>
     </p:spTree>
   </p:cSld>
 </p:sld>
@@ -3732,7 +3951,13 @@
       </p:grpSpPr>
       <p:sp>
         <p:nvSpPr>
-          <p:cNvPr id="2" name="Title 1"/>
+          <p:cNvPr id="9" name="Title 1">
+            <a:extLst>
+              <a:ext uri="{FF2B5EF4-FFF2-40B4-BE49-F238E27FC236}">
+                <a16:creationId xmlns:a16="http://schemas.microsoft.com/office/drawing/2014/main" id="{7F24627C-5938-5D06-969C-341161F72C9C}"/>
+              </a:ext>
+            </a:extLst>
+          </p:cNvPr>
           <p:cNvSpPr>
             <a:spLocks noGrp="1"/>
           </p:cNvSpPr>
@@ -3742,8 +3967,8 @@
         </p:nvSpPr>
         <p:spPr>
           <a:xfrm>
-            <a:off x="609601" y="273050"/>
-            <a:ext cx="4011084" cy="1162050"/>
+            <a:off x="609600" y="274638"/>
+            <a:ext cx="10972800" cy="1143000"/>
           </a:xfrm>
         </p:spPr>
         <p:txBody>
@@ -3767,7 +3992,7 @@
             <a:spLocks noGrp="1"/>
           </p:cNvSpPr>
           <p:nvPr>
-            <p:ph idx="2" sz="half" type="body"/>
+            <p:ph hasCustomPrompt="1" idx="2" sz="half" type="body"/>
           </p:nvPr>
         </p:nvSpPr>
         <p:spPr/>
@@ -3804,8 +4029,8 @@
         </p:blipFill>
         <p:spPr bwMode="auto">
           <a:xfrm>
-            <a:off x="4762500" y="571500"/>
-            <a:ext cx="6807200" cy="5219700"/>
+            <a:off x="5816600" y="1536700"/>
+            <a:ext cx="6248400" cy="4572000"/>
           </a:xfrm>
           <a:prstGeom prst="rect">
             <a:avLst/>
@@ -3818,6 +4043,51 @@
           </a:ln>
         </p:spPr>
       </p:pic>
+      <p:sp>
+        <p:nvSpPr>
+          <p:cNvPr id="6" name="Footer Placeholder 5"/>
+          <p:cNvSpPr>
+            <a:spLocks noGrp="1"/>
+          </p:cNvSpPr>
+          <p:nvPr>
+            <p:ph idx="11" sz="quarter" type="ftr"/>
+          </p:nvPr>
+        </p:nvSpPr>
+        <p:spPr/>
+        <p:txBody>
+          <a:bodyPr/>
+          <a:lstStyle/>
+          <a:p>
+            <a:r>
+              <a:rPr lang="en-US"/>
+              <a:t>Or Peretz</a:t>
+            </a:r>
+          </a:p>
+        </p:txBody>
+      </p:sp>
+      <p:sp>
+        <p:nvSpPr>
+          <p:cNvPr id="7" name="Slide Number Placeholder 6"/>
+          <p:cNvSpPr>
+            <a:spLocks noGrp="1"/>
+          </p:cNvSpPr>
+          <p:nvPr>
+            <p:ph idx="12" sz="quarter" type="sldNum"/>
+          </p:nvPr>
+        </p:nvSpPr>
+        <p:spPr/>
+        <p:txBody>
+          <a:bodyPr/>
+          <a:lstStyle/>
+          <a:p>
+            <a:fld id="{C1FF6DA9-008F-8B48-92A6-B652298478BF}" type="slidenum">
+              <a:rPr lang="en-US" smtClean="0"/>
+              <a:t>‹#›</a:t>
+            </a:fld>
+            <a:endParaRPr lang="en-US"/>
+          </a:p>
+        </p:txBody>
+      </p:sp>
     </p:spTree>
   </p:cSld>
 </p:sld>
@@ -3860,7 +4130,7 @@
             </a:pPr>
             <a:r>
               <a:rPr/>
-              <a:t>Data to Wisdom Pyramid (1/2)</a:t>
+              <a:t>Data to Wisdom Pyramid</a:t>
             </a:r>
           </a:p>
         </p:txBody>
@@ -3881,8 +4151,8 @@
         </p:blipFill>
         <p:spPr bwMode="auto">
           <a:xfrm>
-            <a:off x="3429000" y="1600200"/>
-            <a:ext cx="5321300" cy="4521200"/>
+            <a:off x="5384800" y="1600200"/>
+            <a:ext cx="1435100" cy="4521200"/>
           </a:xfrm>
           <a:prstGeom prst="rect">
             <a:avLst/>
@@ -3895,6 +4165,51 @@
           </a:ln>
         </p:spPr>
       </p:pic>
+      <p:sp>
+        <p:nvSpPr>
+          <p:cNvPr id="5" name="Footer Placeholder 4"/>
+          <p:cNvSpPr>
+            <a:spLocks noGrp="1"/>
+          </p:cNvSpPr>
+          <p:nvPr>
+            <p:ph idx="11" sz="quarter" type="ftr"/>
+          </p:nvPr>
+        </p:nvSpPr>
+        <p:spPr/>
+        <p:txBody>
+          <a:bodyPr/>
+          <a:lstStyle/>
+          <a:p>
+            <a:r>
+              <a:rPr lang="en-US"/>
+              <a:t>Or Peretz</a:t>
+            </a:r>
+          </a:p>
+        </p:txBody>
+      </p:sp>
+      <p:sp>
+        <p:nvSpPr>
+          <p:cNvPr id="6" name="Slide Number Placeholder 5"/>
+          <p:cNvSpPr>
+            <a:spLocks noGrp="1"/>
+          </p:cNvSpPr>
+          <p:nvPr>
+            <p:ph idx="12" sz="quarter" type="sldNum"/>
+          </p:nvPr>
+        </p:nvSpPr>
+        <p:spPr/>
+        <p:txBody>
+          <a:bodyPr/>
+          <a:lstStyle/>
+          <a:p>
+            <a:fld id="{C1FF6DA9-008F-8B48-92A6-B652298478BF}" type="slidenum">
+              <a:rPr lang="en-US" smtClean="0"/>
+              <a:t>‹#›</a:t>
+            </a:fld>
+            <a:endParaRPr lang="en-US"/>
+          </a:p>
+        </p:txBody>
+      </p:sp>
     </p:spTree>
   </p:cSld>
 </p:sld>
@@ -3958,6 +4273,51 @@
           </a:p>
         </p:txBody>
       </p:sp>
+      <p:sp>
+        <p:nvSpPr>
+          <p:cNvPr id="5" name="Footer Placeholder 4"/>
+          <p:cNvSpPr>
+            <a:spLocks noGrp="1"/>
+          </p:cNvSpPr>
+          <p:nvPr>
+            <p:ph idx="11" sz="quarter" type="ftr"/>
+          </p:nvPr>
+        </p:nvSpPr>
+        <p:spPr/>
+        <p:txBody>
+          <a:bodyPr/>
+          <a:lstStyle/>
+          <a:p>
+            <a:r>
+              <a:rPr lang="en-US"/>
+              <a:t>Or Peretz</a:t>
+            </a:r>
+          </a:p>
+        </p:txBody>
+      </p:sp>
+      <p:sp>
+        <p:nvSpPr>
+          <p:cNvPr id="6" name="Slide Number Placeholder 5"/>
+          <p:cNvSpPr>
+            <a:spLocks noGrp="1"/>
+          </p:cNvSpPr>
+          <p:nvPr>
+            <p:ph idx="12" sz="quarter" type="sldNum"/>
+          </p:nvPr>
+        </p:nvSpPr>
+        <p:spPr/>
+        <p:txBody>
+          <a:bodyPr/>
+          <a:lstStyle/>
+          <a:p>
+            <a:fld id="{C1FF6DA9-008F-8B48-92A6-B652298478BF}" type="slidenum">
+              <a:rPr lang="en-US" smtClean="0"/>
+              <a:t>‹#›</a:t>
+            </a:fld>
+            <a:endParaRPr lang="en-US"/>
+          </a:p>
+        </p:txBody>
+      </p:sp>
     </p:spTree>
   </p:cSld>
 </p:sld>
@@ -4000,27 +4360,8 @@
             </a:pPr>
             <a:r>
               <a:rPr/>
-              <a:t>Data to Wisdom Pyramid (2/2)</a:t>
-            </a:r>
-          </a:p>
-        </p:txBody>
-      </p:sp>
-      <p:sp>
-        <p:nvSpPr>
-          <p:cNvPr id="3" name="Content Placeholder 2"/>
-          <p:cNvSpPr>
-            <a:spLocks noGrp="1"/>
-          </p:cNvSpPr>
-          <p:nvPr>
-            <p:ph hasCustomPrompt="1" idx="1"/>
-          </p:nvPr>
-        </p:nvSpPr>
-        <p:spPr/>
-        <p:txBody>
-          <a:bodyPr/>
-          <a:lstStyle/>
-          <a:p>
-            <a:pPr lvl="0"/>
+              <a:t>Data to Wisdom Pyramid- </a:t>
+            </a:r>
             <a:r>
               <a:rPr b="1"/>
               <a:t>Knowledge:</a:t>
@@ -4030,6 +4371,22 @@
               <a:t> skills and experience coupled with information</a:t>
             </a:r>
           </a:p>
+        </p:txBody>
+      </p:sp>
+      <p:sp>
+        <p:nvSpPr>
+          <p:cNvPr id="3" name="Content Placeholder 2"/>
+          <p:cNvSpPr>
+            <a:spLocks noGrp="1"/>
+          </p:cNvSpPr>
+          <p:nvPr>
+            <p:ph hasCustomPrompt="1" idx="1"/>
+          </p:nvPr>
+        </p:nvSpPr>
+        <p:spPr/>
+        <p:txBody>
+          <a:bodyPr/>
+          <a:lstStyle/>
           <a:p>
             <a:pPr lvl="0"/>
             <a:r>
@@ -4065,6 +4422,51 @@
               <a:rPr/>
               <a:t> pipeline from raw data to information</a:t>
             </a:r>
+          </a:p>
+        </p:txBody>
+      </p:sp>
+      <p:sp>
+        <p:nvSpPr>
+          <p:cNvPr id="5" name="Footer Placeholder 4"/>
+          <p:cNvSpPr>
+            <a:spLocks noGrp="1"/>
+          </p:cNvSpPr>
+          <p:nvPr>
+            <p:ph idx="11" sz="quarter" type="ftr"/>
+          </p:nvPr>
+        </p:nvSpPr>
+        <p:spPr/>
+        <p:txBody>
+          <a:bodyPr/>
+          <a:lstStyle/>
+          <a:p>
+            <a:r>
+              <a:rPr lang="en-US"/>
+              <a:t>Or Peretz</a:t>
+            </a:r>
+          </a:p>
+        </p:txBody>
+      </p:sp>
+      <p:sp>
+        <p:nvSpPr>
+          <p:cNvPr id="6" name="Slide Number Placeholder 5"/>
+          <p:cNvSpPr>
+            <a:spLocks noGrp="1"/>
+          </p:cNvSpPr>
+          <p:nvPr>
+            <p:ph idx="12" sz="quarter" type="sldNum"/>
+          </p:nvPr>
+        </p:nvSpPr>
+        <p:spPr/>
+        <p:txBody>
+          <a:bodyPr/>
+          <a:lstStyle/>
+          <a:p>
+            <a:fld id="{C1FF6DA9-008F-8B48-92A6-B652298478BF}" type="slidenum">
+              <a:rPr lang="en-US" smtClean="0"/>
+              <a:t>‹#›</a:t>
+            </a:fld>
+            <a:endParaRPr lang="en-US"/>
           </a:p>
         </p:txBody>
       </p:sp>
@@ -4110,27 +4512,8 @@
             </a:pPr>
             <a:r>
               <a:rPr/>
-              <a:t>Data Mining in Data Engineering (1/2)</a:t>
-            </a:r>
-          </a:p>
-        </p:txBody>
-      </p:sp>
-      <p:sp>
-        <p:nvSpPr>
-          <p:cNvPr id="3" name="Content Placeholder 2"/>
-          <p:cNvSpPr>
-            <a:spLocks noGrp="1"/>
-          </p:cNvSpPr>
-          <p:nvPr>
-            <p:ph hasCustomPrompt="1" idx="1"/>
-          </p:nvPr>
-        </p:nvSpPr>
-        <p:spPr/>
-        <p:txBody>
-          <a:bodyPr/>
-          <a:lstStyle/>
-          <a:p>
-            <a:pPr lvl="0"/>
+              <a:t>Data Mining in Data Engineering- </a:t>
+            </a:r>
             <a:r>
               <a:rPr b="1"/>
               <a:t>Definition:</a:t>
@@ -4140,6 +4523,22 @@
               <a:t> computational process discovering patterns in data</a:t>
             </a:r>
           </a:p>
+        </p:txBody>
+      </p:sp>
+      <p:sp>
+        <p:nvSpPr>
+          <p:cNvPr id="3" name="Content Placeholder 2"/>
+          <p:cNvSpPr>
+            <a:spLocks noGrp="1"/>
+          </p:cNvSpPr>
+          <p:nvPr>
+            <p:ph hasCustomPrompt="1" idx="1"/>
+          </p:nvPr>
+        </p:nvSpPr>
+        <p:spPr/>
+        <p:txBody>
+          <a:bodyPr/>
+          <a:lstStyle/>
           <a:p>
             <a:pPr lvl="0"/>
             <a:r>
@@ -4153,6 +4552,51 @@
               <a:rPr/>
               <a:t>Operates on large data sets</a:t>
             </a:r>
+          </a:p>
+        </p:txBody>
+      </p:sp>
+      <p:sp>
+        <p:nvSpPr>
+          <p:cNvPr id="5" name="Footer Placeholder 4"/>
+          <p:cNvSpPr>
+            <a:spLocks noGrp="1"/>
+          </p:cNvSpPr>
+          <p:nvPr>
+            <p:ph idx="11" sz="quarter" type="ftr"/>
+          </p:nvPr>
+        </p:nvSpPr>
+        <p:spPr/>
+        <p:txBody>
+          <a:bodyPr/>
+          <a:lstStyle/>
+          <a:p>
+            <a:r>
+              <a:rPr lang="en-US"/>
+              <a:t>Or Peretz</a:t>
+            </a:r>
+          </a:p>
+        </p:txBody>
+      </p:sp>
+      <p:sp>
+        <p:nvSpPr>
+          <p:cNvPr id="6" name="Slide Number Placeholder 5"/>
+          <p:cNvSpPr>
+            <a:spLocks noGrp="1"/>
+          </p:cNvSpPr>
+          <p:nvPr>
+            <p:ph idx="12" sz="quarter" type="sldNum"/>
+          </p:nvPr>
+        </p:nvSpPr>
+        <p:spPr/>
+        <p:txBody>
+          <a:bodyPr/>
+          <a:lstStyle/>
+          <a:p>
+            <a:fld id="{C1FF6DA9-008F-8B48-92A6-B652298478BF}" type="slidenum">
+              <a:rPr lang="en-US" smtClean="0"/>
+              <a:t>‹#›</a:t>
+            </a:fld>
+            <a:endParaRPr lang="en-US"/>
           </a:p>
         </p:txBody>
       </p:sp>
@@ -4198,27 +4642,8 @@
             </a:pPr>
             <a:r>
               <a:rPr/>
-              <a:t>Data Mining in Data Engineering (2/2)</a:t>
-            </a:r>
-          </a:p>
-        </p:txBody>
-      </p:sp>
-      <p:sp>
-        <p:nvSpPr>
-          <p:cNvPr id="3" name="Content Placeholder 2"/>
-          <p:cNvSpPr>
-            <a:spLocks noGrp="1"/>
-          </p:cNvSpPr>
-          <p:nvPr>
-            <p:ph hasCustomPrompt="1" idx="1"/>
-          </p:nvPr>
-        </p:nvSpPr>
-        <p:spPr/>
-        <p:txBody>
-          <a:bodyPr/>
-          <a:lstStyle/>
-          <a:p>
-            <a:pPr lvl="0"/>
+              <a:t>Data Mining in Data Engineering- </a:t>
+            </a:r>
             <a:r>
               <a:rPr b="1"/>
               <a:t>Tasks:</a:t>
@@ -4228,6 +4653,22 @@
               <a:t> classification, estimation, prediction</a:t>
             </a:r>
           </a:p>
+        </p:txBody>
+      </p:sp>
+      <p:sp>
+        <p:nvSpPr>
+          <p:cNvPr id="3" name="Content Placeholder 2"/>
+          <p:cNvSpPr>
+            <a:spLocks noGrp="1"/>
+          </p:cNvSpPr>
+          <p:nvPr>
+            <p:ph hasCustomPrompt="1" idx="1"/>
+          </p:nvPr>
+        </p:nvSpPr>
+        <p:spPr/>
+        <p:txBody>
+          <a:bodyPr/>
+          <a:lstStyle/>
           <a:p>
             <a:pPr lvl="0"/>
             <a:r>
@@ -4260,6 +4701,51 @@
               <a:rPr/>
               <a:t> provides clean data that mining consumes</a:t>
             </a:r>
+          </a:p>
+        </p:txBody>
+      </p:sp>
+      <p:sp>
+        <p:nvSpPr>
+          <p:cNvPr id="5" name="Footer Placeholder 4"/>
+          <p:cNvSpPr>
+            <a:spLocks noGrp="1"/>
+          </p:cNvSpPr>
+          <p:nvPr>
+            <p:ph idx="11" sz="quarter" type="ftr"/>
+          </p:nvPr>
+        </p:nvSpPr>
+        <p:spPr/>
+        <p:txBody>
+          <a:bodyPr/>
+          <a:lstStyle/>
+          <a:p>
+            <a:r>
+              <a:rPr lang="en-US"/>
+              <a:t>Or Peretz</a:t>
+            </a:r>
+          </a:p>
+        </p:txBody>
+      </p:sp>
+      <p:sp>
+        <p:nvSpPr>
+          <p:cNvPr id="6" name="Slide Number Placeholder 5"/>
+          <p:cNvSpPr>
+            <a:spLocks noGrp="1"/>
+          </p:cNvSpPr>
+          <p:nvPr>
+            <p:ph idx="12" sz="quarter" type="sldNum"/>
+          </p:nvPr>
+        </p:nvSpPr>
+        <p:spPr/>
+        <p:txBody>
+          <a:bodyPr/>
+          <a:lstStyle/>
+          <a:p>
+            <a:fld id="{C1FF6DA9-008F-8B48-92A6-B652298478BF}" type="slidenum">
+              <a:rPr lang="en-US" smtClean="0"/>
+              <a:t>‹#›</a:t>
+            </a:fld>
+            <a:endParaRPr lang="en-US"/>
           </a:p>
         </p:txBody>
       </p:sp>
@@ -4305,27 +4791,8 @@
             </a:pPr>
             <a:r>
               <a:rPr/>
-              <a:t>Knowledge Discovery in Databases (1/2)</a:t>
-            </a:r>
-          </a:p>
-        </p:txBody>
-      </p:sp>
-      <p:sp>
-        <p:nvSpPr>
-          <p:cNvPr id="3" name="Content Placeholder 2"/>
-          <p:cNvSpPr>
-            <a:spLocks noGrp="1"/>
-          </p:cNvSpPr>
-          <p:nvPr>
-            <p:ph hasCustomPrompt="1" idx="1"/>
-          </p:nvPr>
-        </p:nvSpPr>
-        <p:spPr/>
-        <p:txBody>
-          <a:bodyPr/>
-          <a:lstStyle/>
-          <a:p>
-            <a:pPr lvl="0"/>
+              <a:t>Knowledge Discovery in Databases- </a:t>
+            </a:r>
             <a:r>
               <a:rPr b="1"/>
               <a:t>Definition:</a:t>
@@ -4335,6 +4802,22 @@
               <a:t> automatic extraction of hidden knowledge</a:t>
             </a:r>
           </a:p>
+        </p:txBody>
+      </p:sp>
+      <p:sp>
+        <p:nvSpPr>
+          <p:cNvPr id="3" name="Content Placeholder 2"/>
+          <p:cNvSpPr>
+            <a:spLocks noGrp="1"/>
+          </p:cNvSpPr>
+          <p:nvPr>
+            <p:ph hasCustomPrompt="1" idx="1"/>
+          </p:nvPr>
+        </p:nvSpPr>
+        <p:spPr/>
+        <p:txBody>
+          <a:bodyPr/>
+          <a:lstStyle/>
           <a:p>
             <a:pPr lvl="0"/>
             <a:r>
@@ -4352,6 +4835,51 @@
               <a:rPr/>
               <a:t> Cleaning → Integration → Selection → Mining → Evaluation</a:t>
             </a:r>
+          </a:p>
+        </p:txBody>
+      </p:sp>
+      <p:sp>
+        <p:nvSpPr>
+          <p:cNvPr id="5" name="Footer Placeholder 4"/>
+          <p:cNvSpPr>
+            <a:spLocks noGrp="1"/>
+          </p:cNvSpPr>
+          <p:nvPr>
+            <p:ph idx="11" sz="quarter" type="ftr"/>
+          </p:nvPr>
+        </p:nvSpPr>
+        <p:spPr/>
+        <p:txBody>
+          <a:bodyPr/>
+          <a:lstStyle/>
+          <a:p>
+            <a:r>
+              <a:rPr lang="en-US"/>
+              <a:t>Or Peretz</a:t>
+            </a:r>
+          </a:p>
+        </p:txBody>
+      </p:sp>
+      <p:sp>
+        <p:nvSpPr>
+          <p:cNvPr id="6" name="Slide Number Placeholder 5"/>
+          <p:cNvSpPr>
+            <a:spLocks noGrp="1"/>
+          </p:cNvSpPr>
+          <p:nvPr>
+            <p:ph idx="12" sz="quarter" type="sldNum"/>
+          </p:nvPr>
+        </p:nvSpPr>
+        <p:spPr/>
+        <p:txBody>
+          <a:bodyPr/>
+          <a:lstStyle/>
+          <a:p>
+            <a:fld id="{C1FF6DA9-008F-8B48-92A6-B652298478BF}" type="slidenum">
+              <a:rPr lang="en-US" smtClean="0"/>
+              <a:t>‹#›</a:t>
+            </a:fld>
+            <a:endParaRPr lang="en-US"/>
           </a:p>
         </p:txBody>
       </p:sp>
@@ -4397,27 +4925,8 @@
             </a:pPr>
             <a:r>
               <a:rPr/>
-              <a:t>Knowledge Discovery in Databases (2/2)</a:t>
-            </a:r>
-          </a:p>
-        </p:txBody>
-      </p:sp>
-      <p:sp>
-        <p:nvSpPr>
-          <p:cNvPr id="3" name="Content Placeholder 2"/>
-          <p:cNvSpPr>
-            <a:spLocks noGrp="1"/>
-          </p:cNvSpPr>
-          <p:nvPr>
-            <p:ph hasCustomPrompt="1" idx="1"/>
-          </p:nvPr>
-        </p:nvSpPr>
-        <p:spPr/>
-        <p:txBody>
-          <a:bodyPr/>
-          <a:lstStyle/>
-          <a:p>
-            <a:pPr lvl="0"/>
+              <a:t>Knowledge Discovery in Databases- </a:t>
+            </a:r>
             <a:r>
               <a:rPr b="1"/>
               <a:t>Intersecting fields:</a:t>
@@ -4427,6 +4936,22 @@
               <a:t> databases, statistics, machine learning</a:t>
             </a:r>
           </a:p>
+        </p:txBody>
+      </p:sp>
+      <p:sp>
+        <p:nvSpPr>
+          <p:cNvPr id="3" name="Content Placeholder 2"/>
+          <p:cNvSpPr>
+            <a:spLocks noGrp="1"/>
+          </p:cNvSpPr>
+          <p:nvPr>
+            <p:ph hasCustomPrompt="1" idx="1"/>
+          </p:nvPr>
+        </p:nvSpPr>
+        <p:spPr/>
+        <p:txBody>
+          <a:bodyPr/>
+          <a:lstStyle/>
           <a:p>
             <a:pPr lvl="0"/>
             <a:r>
@@ -4458,6 +4983,51 @@
               <a:rPr/>
               <a:t> integrated data; OLAP enables KDD at scale</a:t>
             </a:r>
+          </a:p>
+        </p:txBody>
+      </p:sp>
+      <p:sp>
+        <p:nvSpPr>
+          <p:cNvPr id="5" name="Footer Placeholder 4"/>
+          <p:cNvSpPr>
+            <a:spLocks noGrp="1"/>
+          </p:cNvSpPr>
+          <p:nvPr>
+            <p:ph idx="11" sz="quarter" type="ftr"/>
+          </p:nvPr>
+        </p:nvSpPr>
+        <p:spPr/>
+        <p:txBody>
+          <a:bodyPr/>
+          <a:lstStyle/>
+          <a:p>
+            <a:r>
+              <a:rPr lang="en-US"/>
+              <a:t>Or Peretz</a:t>
+            </a:r>
+          </a:p>
+        </p:txBody>
+      </p:sp>
+      <p:sp>
+        <p:nvSpPr>
+          <p:cNvPr id="6" name="Slide Number Placeholder 5"/>
+          <p:cNvSpPr>
+            <a:spLocks noGrp="1"/>
+          </p:cNvSpPr>
+          <p:nvPr>
+            <p:ph idx="12" sz="quarter" type="sldNum"/>
+          </p:nvPr>
+        </p:nvSpPr>
+        <p:spPr/>
+        <p:txBody>
+          <a:bodyPr/>
+          <a:lstStyle/>
+          <a:p>
+            <a:fld id="{C1FF6DA9-008F-8B48-92A6-B652298478BF}" type="slidenum">
+              <a:rPr lang="en-US" smtClean="0"/>
+              <a:t>‹#›</a:t>
+            </a:fld>
+            <a:endParaRPr lang="en-US"/>
           </a:p>
         </p:txBody>
       </p:sp>
@@ -4524,8 +5094,8 @@
         </p:blipFill>
         <p:spPr bwMode="auto">
           <a:xfrm>
-            <a:off x="1803400" y="1600200"/>
-            <a:ext cx="8585200" cy="4521200"/>
+            <a:off x="4368800" y="1600200"/>
+            <a:ext cx="3467100" cy="4521200"/>
           </a:xfrm>
           <a:prstGeom prst="rect">
             <a:avLst/>
@@ -4538,6 +5108,51 @@
           </a:ln>
         </p:spPr>
       </p:pic>
+      <p:sp>
+        <p:nvSpPr>
+          <p:cNvPr id="5" name="Footer Placeholder 4"/>
+          <p:cNvSpPr>
+            <a:spLocks noGrp="1"/>
+          </p:cNvSpPr>
+          <p:nvPr>
+            <p:ph idx="11" sz="quarter" type="ftr"/>
+          </p:nvPr>
+        </p:nvSpPr>
+        <p:spPr/>
+        <p:txBody>
+          <a:bodyPr/>
+          <a:lstStyle/>
+          <a:p>
+            <a:r>
+              <a:rPr lang="en-US"/>
+              <a:t>Or Peretz</a:t>
+            </a:r>
+          </a:p>
+        </p:txBody>
+      </p:sp>
+      <p:sp>
+        <p:nvSpPr>
+          <p:cNvPr id="6" name="Slide Number Placeholder 5"/>
+          <p:cNvSpPr>
+            <a:spLocks noGrp="1"/>
+          </p:cNvSpPr>
+          <p:nvPr>
+            <p:ph idx="12" sz="quarter" type="sldNum"/>
+          </p:nvPr>
+        </p:nvSpPr>
+        <p:spPr/>
+        <p:txBody>
+          <a:bodyPr/>
+          <a:lstStyle/>
+          <a:p>
+            <a:fld id="{C1FF6DA9-008F-8B48-92A6-B652298478BF}" type="slidenum">
+              <a:rPr lang="en-US" smtClean="0"/>
+              <a:t>‹#›</a:t>
+            </a:fld>
+            <a:endParaRPr lang="en-US"/>
+          </a:p>
+        </p:txBody>
+      </p:sp>
     </p:spTree>
   </p:cSld>
 </p:sld>
@@ -4629,6 +5244,51 @@
           </a:p>
         </p:txBody>
       </p:sp>
+      <p:sp>
+        <p:nvSpPr>
+          <p:cNvPr id="5" name="Footer Placeholder 4"/>
+          <p:cNvSpPr>
+            <a:spLocks noGrp="1"/>
+          </p:cNvSpPr>
+          <p:nvPr>
+            <p:ph idx="11" sz="quarter" type="ftr"/>
+          </p:nvPr>
+        </p:nvSpPr>
+        <p:spPr/>
+        <p:txBody>
+          <a:bodyPr/>
+          <a:lstStyle/>
+          <a:p>
+            <a:r>
+              <a:rPr lang="en-US"/>
+              <a:t>Or Peretz</a:t>
+            </a:r>
+          </a:p>
+        </p:txBody>
+      </p:sp>
+      <p:sp>
+        <p:nvSpPr>
+          <p:cNvPr id="6" name="Slide Number Placeholder 5"/>
+          <p:cNvSpPr>
+            <a:spLocks noGrp="1"/>
+          </p:cNvSpPr>
+          <p:nvPr>
+            <p:ph idx="12" sz="quarter" type="sldNum"/>
+          </p:nvPr>
+        </p:nvSpPr>
+        <p:spPr/>
+        <p:txBody>
+          <a:bodyPr/>
+          <a:lstStyle/>
+          <a:p>
+            <a:fld id="{C1FF6DA9-008F-8B48-92A6-B652298478BF}" type="slidenum">
+              <a:rPr lang="en-US" smtClean="0"/>
+              <a:t>‹#›</a:t>
+            </a:fld>
+            <a:endParaRPr lang="en-US"/>
+          </a:p>
+        </p:txBody>
+      </p:sp>
     </p:spTree>
   </p:cSld>
 </p:sld>
@@ -4713,6 +5373,51 @@
           </a:p>
         </p:txBody>
       </p:sp>
+      <p:sp>
+        <p:nvSpPr>
+          <p:cNvPr id="5" name="Footer Placeholder 4"/>
+          <p:cNvSpPr>
+            <a:spLocks noGrp="1"/>
+          </p:cNvSpPr>
+          <p:nvPr>
+            <p:ph idx="11" sz="quarter" type="ftr"/>
+          </p:nvPr>
+        </p:nvSpPr>
+        <p:spPr/>
+        <p:txBody>
+          <a:bodyPr/>
+          <a:lstStyle/>
+          <a:p>
+            <a:r>
+              <a:rPr lang="en-US"/>
+              <a:t>Or Peretz</a:t>
+            </a:r>
+          </a:p>
+        </p:txBody>
+      </p:sp>
+      <p:sp>
+        <p:nvSpPr>
+          <p:cNvPr id="6" name="Slide Number Placeholder 5"/>
+          <p:cNvSpPr>
+            <a:spLocks noGrp="1"/>
+          </p:cNvSpPr>
+          <p:nvPr>
+            <p:ph idx="12" sz="quarter" type="sldNum"/>
+          </p:nvPr>
+        </p:nvSpPr>
+        <p:spPr/>
+        <p:txBody>
+          <a:bodyPr/>
+          <a:lstStyle/>
+          <a:p>
+            <a:fld id="{C1FF6DA9-008F-8B48-92A6-B652298478BF}" type="slidenum">
+              <a:rPr lang="en-US" smtClean="0"/>
+              <a:t>‹#›</a:t>
+            </a:fld>
+            <a:endParaRPr lang="en-US"/>
+          </a:p>
+        </p:txBody>
+      </p:sp>
     </p:spTree>
   </p:cSld>
 </p:sld>
@@ -4804,6 +5509,51 @@
           </a:p>
         </p:txBody>
       </p:sp>
+      <p:sp>
+        <p:nvSpPr>
+          <p:cNvPr id="5" name="Footer Placeholder 4"/>
+          <p:cNvSpPr>
+            <a:spLocks noGrp="1"/>
+          </p:cNvSpPr>
+          <p:nvPr>
+            <p:ph idx="11" sz="quarter" type="ftr"/>
+          </p:nvPr>
+        </p:nvSpPr>
+        <p:spPr/>
+        <p:txBody>
+          <a:bodyPr/>
+          <a:lstStyle/>
+          <a:p>
+            <a:r>
+              <a:rPr lang="en-US"/>
+              <a:t>Or Peretz</a:t>
+            </a:r>
+          </a:p>
+        </p:txBody>
+      </p:sp>
+      <p:sp>
+        <p:nvSpPr>
+          <p:cNvPr id="6" name="Slide Number Placeholder 5"/>
+          <p:cNvSpPr>
+            <a:spLocks noGrp="1"/>
+          </p:cNvSpPr>
+          <p:nvPr>
+            <p:ph idx="12" sz="quarter" type="sldNum"/>
+          </p:nvPr>
+        </p:nvSpPr>
+        <p:spPr/>
+        <p:txBody>
+          <a:bodyPr/>
+          <a:lstStyle/>
+          <a:p>
+            <a:fld id="{C1FF6DA9-008F-8B48-92A6-B652298478BF}" type="slidenum">
+              <a:rPr lang="en-US" smtClean="0"/>
+              <a:t>‹#›</a:t>
+            </a:fld>
+            <a:endParaRPr lang="en-US"/>
+          </a:p>
+        </p:txBody>
+      </p:sp>
     </p:spTree>
   </p:cSld>
 </p:sld>
@@ -4895,6 +5645,51 @@
           </a:p>
         </p:txBody>
       </p:sp>
+      <p:sp>
+        <p:nvSpPr>
+          <p:cNvPr id="5" name="Footer Placeholder 4"/>
+          <p:cNvSpPr>
+            <a:spLocks noGrp="1"/>
+          </p:cNvSpPr>
+          <p:nvPr>
+            <p:ph idx="11" sz="quarter" type="ftr"/>
+          </p:nvPr>
+        </p:nvSpPr>
+        <p:spPr/>
+        <p:txBody>
+          <a:bodyPr/>
+          <a:lstStyle/>
+          <a:p>
+            <a:r>
+              <a:rPr lang="en-US"/>
+              <a:t>Or Peretz</a:t>
+            </a:r>
+          </a:p>
+        </p:txBody>
+      </p:sp>
+      <p:sp>
+        <p:nvSpPr>
+          <p:cNvPr id="6" name="Slide Number Placeholder 5"/>
+          <p:cNvSpPr>
+            <a:spLocks noGrp="1"/>
+          </p:cNvSpPr>
+          <p:nvPr>
+            <p:ph idx="12" sz="quarter" type="sldNum"/>
+          </p:nvPr>
+        </p:nvSpPr>
+        <p:spPr/>
+        <p:txBody>
+          <a:bodyPr/>
+          <a:lstStyle/>
+          <a:p>
+            <a:fld id="{C1FF6DA9-008F-8B48-92A6-B652298478BF}" type="slidenum">
+              <a:rPr lang="en-US" smtClean="0"/>
+              <a:t>‹#›</a:t>
+            </a:fld>
+            <a:endParaRPr lang="en-US"/>
+          </a:p>
+        </p:txBody>
+      </p:sp>
     </p:spTree>
   </p:cSld>
 </p:sld>
@@ -4958,8 +5753,8 @@
         </p:blipFill>
         <p:spPr bwMode="auto">
           <a:xfrm>
-            <a:off x="3124200" y="1600200"/>
-            <a:ext cx="5943600" cy="4521200"/>
+            <a:off x="5422900" y="1600200"/>
+            <a:ext cx="1346200" cy="4521200"/>
           </a:xfrm>
           <a:prstGeom prst="rect">
             <a:avLst/>
@@ -4972,6 +5767,51 @@
           </a:ln>
         </p:spPr>
       </p:pic>
+      <p:sp>
+        <p:nvSpPr>
+          <p:cNvPr id="5" name="Footer Placeholder 4"/>
+          <p:cNvSpPr>
+            <a:spLocks noGrp="1"/>
+          </p:cNvSpPr>
+          <p:nvPr>
+            <p:ph idx="11" sz="quarter" type="ftr"/>
+          </p:nvPr>
+        </p:nvSpPr>
+        <p:spPr/>
+        <p:txBody>
+          <a:bodyPr/>
+          <a:lstStyle/>
+          <a:p>
+            <a:r>
+              <a:rPr lang="en-US"/>
+              <a:t>Or Peretz</a:t>
+            </a:r>
+          </a:p>
+        </p:txBody>
+      </p:sp>
+      <p:sp>
+        <p:nvSpPr>
+          <p:cNvPr id="6" name="Slide Number Placeholder 5"/>
+          <p:cNvSpPr>
+            <a:spLocks noGrp="1"/>
+          </p:cNvSpPr>
+          <p:nvPr>
+            <p:ph idx="12" sz="quarter" type="sldNum"/>
+          </p:nvPr>
+        </p:nvSpPr>
+        <p:spPr/>
+        <p:txBody>
+          <a:bodyPr/>
+          <a:lstStyle/>
+          <a:p>
+            <a:fld id="{C1FF6DA9-008F-8B48-92A6-B652298478BF}" type="slidenum">
+              <a:rPr lang="en-US" smtClean="0"/>
+              <a:t>‹#›</a:t>
+            </a:fld>
+            <a:endParaRPr lang="en-US"/>
+          </a:p>
+        </p:txBody>
+      </p:sp>
     </p:spTree>
   </p:cSld>
 </p:sld>
@@ -5063,6 +5903,51 @@
           </a:p>
         </p:txBody>
       </p:sp>
+      <p:sp>
+        <p:nvSpPr>
+          <p:cNvPr id="5" name="Footer Placeholder 4"/>
+          <p:cNvSpPr>
+            <a:spLocks noGrp="1"/>
+          </p:cNvSpPr>
+          <p:nvPr>
+            <p:ph idx="11" sz="quarter" type="ftr"/>
+          </p:nvPr>
+        </p:nvSpPr>
+        <p:spPr/>
+        <p:txBody>
+          <a:bodyPr/>
+          <a:lstStyle/>
+          <a:p>
+            <a:r>
+              <a:rPr lang="en-US"/>
+              <a:t>Or Peretz</a:t>
+            </a:r>
+          </a:p>
+        </p:txBody>
+      </p:sp>
+      <p:sp>
+        <p:nvSpPr>
+          <p:cNvPr id="6" name="Slide Number Placeholder 5"/>
+          <p:cNvSpPr>
+            <a:spLocks noGrp="1"/>
+          </p:cNvSpPr>
+          <p:nvPr>
+            <p:ph idx="12" sz="quarter" type="sldNum"/>
+          </p:nvPr>
+        </p:nvSpPr>
+        <p:spPr/>
+        <p:txBody>
+          <a:bodyPr/>
+          <a:lstStyle/>
+          <a:p>
+            <a:fld id="{C1FF6DA9-008F-8B48-92A6-B652298478BF}" type="slidenum">
+              <a:rPr lang="en-US" smtClean="0"/>
+              <a:t>‹#›</a:t>
+            </a:fld>
+            <a:endParaRPr lang="en-US"/>
+          </a:p>
+        </p:txBody>
+      </p:sp>
     </p:spTree>
   </p:cSld>
 </p:sld>
@@ -5154,6 +6039,51 @@
           </a:p>
         </p:txBody>
       </p:sp>
+      <p:sp>
+        <p:nvSpPr>
+          <p:cNvPr id="5" name="Footer Placeholder 4"/>
+          <p:cNvSpPr>
+            <a:spLocks noGrp="1"/>
+          </p:cNvSpPr>
+          <p:nvPr>
+            <p:ph idx="11" sz="quarter" type="ftr"/>
+          </p:nvPr>
+        </p:nvSpPr>
+        <p:spPr/>
+        <p:txBody>
+          <a:bodyPr/>
+          <a:lstStyle/>
+          <a:p>
+            <a:r>
+              <a:rPr lang="en-US"/>
+              <a:t>Or Peretz</a:t>
+            </a:r>
+          </a:p>
+        </p:txBody>
+      </p:sp>
+      <p:sp>
+        <p:nvSpPr>
+          <p:cNvPr id="6" name="Slide Number Placeholder 5"/>
+          <p:cNvSpPr>
+            <a:spLocks noGrp="1"/>
+          </p:cNvSpPr>
+          <p:nvPr>
+            <p:ph idx="12" sz="quarter" type="sldNum"/>
+          </p:nvPr>
+        </p:nvSpPr>
+        <p:spPr/>
+        <p:txBody>
+          <a:bodyPr/>
+          <a:lstStyle/>
+          <a:p>
+            <a:fld id="{C1FF6DA9-008F-8B48-92A6-B652298478BF}" type="slidenum">
+              <a:rPr lang="en-US" smtClean="0"/>
+              <a:t>‹#›</a:t>
+            </a:fld>
+            <a:endParaRPr lang="en-US"/>
+          </a:p>
+        </p:txBody>
+      </p:sp>
     </p:spTree>
   </p:cSld>
 </p:sld>
@@ -5245,6 +6175,51 @@
           </a:p>
         </p:txBody>
       </p:sp>
+      <p:sp>
+        <p:nvSpPr>
+          <p:cNvPr id="5" name="Footer Placeholder 4"/>
+          <p:cNvSpPr>
+            <a:spLocks noGrp="1"/>
+          </p:cNvSpPr>
+          <p:nvPr>
+            <p:ph idx="11" sz="quarter" type="ftr"/>
+          </p:nvPr>
+        </p:nvSpPr>
+        <p:spPr/>
+        <p:txBody>
+          <a:bodyPr/>
+          <a:lstStyle/>
+          <a:p>
+            <a:r>
+              <a:rPr lang="en-US"/>
+              <a:t>Or Peretz</a:t>
+            </a:r>
+          </a:p>
+        </p:txBody>
+      </p:sp>
+      <p:sp>
+        <p:nvSpPr>
+          <p:cNvPr id="6" name="Slide Number Placeholder 5"/>
+          <p:cNvSpPr>
+            <a:spLocks noGrp="1"/>
+          </p:cNvSpPr>
+          <p:nvPr>
+            <p:ph idx="12" sz="quarter" type="sldNum"/>
+          </p:nvPr>
+        </p:nvSpPr>
+        <p:spPr/>
+        <p:txBody>
+          <a:bodyPr/>
+          <a:lstStyle/>
+          <a:p>
+            <a:fld id="{C1FF6DA9-008F-8B48-92A6-B652298478BF}" type="slidenum">
+              <a:rPr lang="en-US" smtClean="0"/>
+              <a:t>‹#›</a:t>
+            </a:fld>
+            <a:endParaRPr lang="en-US"/>
+          </a:p>
+        </p:txBody>
+      </p:sp>
     </p:spTree>
   </p:cSld>
 </p:sld>
@@ -5308,8 +6283,8 @@
         </p:blipFill>
         <p:spPr bwMode="auto">
           <a:xfrm>
-            <a:off x="3352800" y="1600200"/>
-            <a:ext cx="5499100" cy="4521200"/>
+            <a:off x="4432300" y="1600200"/>
+            <a:ext cx="3327400" cy="4521200"/>
           </a:xfrm>
           <a:prstGeom prst="rect">
             <a:avLst/>
@@ -5322,6 +6297,51 @@
           </a:ln>
         </p:spPr>
       </p:pic>
+      <p:sp>
+        <p:nvSpPr>
+          <p:cNvPr id="5" name="Footer Placeholder 4"/>
+          <p:cNvSpPr>
+            <a:spLocks noGrp="1"/>
+          </p:cNvSpPr>
+          <p:nvPr>
+            <p:ph idx="11" sz="quarter" type="ftr"/>
+          </p:nvPr>
+        </p:nvSpPr>
+        <p:spPr/>
+        <p:txBody>
+          <a:bodyPr/>
+          <a:lstStyle/>
+          <a:p>
+            <a:r>
+              <a:rPr lang="en-US"/>
+              <a:t>Or Peretz</a:t>
+            </a:r>
+          </a:p>
+        </p:txBody>
+      </p:sp>
+      <p:sp>
+        <p:nvSpPr>
+          <p:cNvPr id="6" name="Slide Number Placeholder 5"/>
+          <p:cNvSpPr>
+            <a:spLocks noGrp="1"/>
+          </p:cNvSpPr>
+          <p:nvPr>
+            <p:ph idx="12" sz="quarter" type="sldNum"/>
+          </p:nvPr>
+        </p:nvSpPr>
+        <p:spPr/>
+        <p:txBody>
+          <a:bodyPr/>
+          <a:lstStyle/>
+          <a:p>
+            <a:fld id="{C1FF6DA9-008F-8B48-92A6-B652298478BF}" type="slidenum">
+              <a:rPr lang="en-US" smtClean="0"/>
+              <a:t>‹#›</a:t>
+            </a:fld>
+            <a:endParaRPr lang="en-US"/>
+          </a:p>
+        </p:txBody>
+      </p:sp>
     </p:spTree>
   </p:cSld>
 </p:sld>
@@ -5424,6 +6444,51 @@
           </a:p>
         </p:txBody>
       </p:sp>
+      <p:sp>
+        <p:nvSpPr>
+          <p:cNvPr id="5" name="Footer Placeholder 4"/>
+          <p:cNvSpPr>
+            <a:spLocks noGrp="1"/>
+          </p:cNvSpPr>
+          <p:nvPr>
+            <p:ph idx="11" sz="quarter" type="ftr"/>
+          </p:nvPr>
+        </p:nvSpPr>
+        <p:spPr/>
+        <p:txBody>
+          <a:bodyPr/>
+          <a:lstStyle/>
+          <a:p>
+            <a:r>
+              <a:rPr lang="en-US"/>
+              <a:t>Or Peretz</a:t>
+            </a:r>
+          </a:p>
+        </p:txBody>
+      </p:sp>
+      <p:sp>
+        <p:nvSpPr>
+          <p:cNvPr id="6" name="Slide Number Placeholder 5"/>
+          <p:cNvSpPr>
+            <a:spLocks noGrp="1"/>
+          </p:cNvSpPr>
+          <p:nvPr>
+            <p:ph idx="12" sz="quarter" type="sldNum"/>
+          </p:nvPr>
+        </p:nvSpPr>
+        <p:spPr/>
+        <p:txBody>
+          <a:bodyPr/>
+          <a:lstStyle/>
+          <a:p>
+            <a:fld id="{C1FF6DA9-008F-8B48-92A6-B652298478BF}" type="slidenum">
+              <a:rPr lang="en-US" smtClean="0"/>
+              <a:t>‹#›</a:t>
+            </a:fld>
+            <a:endParaRPr lang="en-US"/>
+          </a:p>
+        </p:txBody>
+      </p:sp>
     </p:spTree>
   </p:cSld>
 </p:sld>
@@ -5519,6 +6584,51 @@
           </a:p>
         </p:txBody>
       </p:sp>
+      <p:sp>
+        <p:nvSpPr>
+          <p:cNvPr id="5" name="Footer Placeholder 4"/>
+          <p:cNvSpPr>
+            <a:spLocks noGrp="1"/>
+          </p:cNvSpPr>
+          <p:nvPr>
+            <p:ph idx="11" sz="quarter" type="ftr"/>
+          </p:nvPr>
+        </p:nvSpPr>
+        <p:spPr/>
+        <p:txBody>
+          <a:bodyPr/>
+          <a:lstStyle/>
+          <a:p>
+            <a:r>
+              <a:rPr lang="en-US"/>
+              <a:t>Or Peretz</a:t>
+            </a:r>
+          </a:p>
+        </p:txBody>
+      </p:sp>
+      <p:sp>
+        <p:nvSpPr>
+          <p:cNvPr id="6" name="Slide Number Placeholder 5"/>
+          <p:cNvSpPr>
+            <a:spLocks noGrp="1"/>
+          </p:cNvSpPr>
+          <p:nvPr>
+            <p:ph idx="12" sz="quarter" type="sldNum"/>
+          </p:nvPr>
+        </p:nvSpPr>
+        <p:spPr/>
+        <p:txBody>
+          <a:bodyPr/>
+          <a:lstStyle/>
+          <a:p>
+            <a:fld id="{C1FF6DA9-008F-8B48-92A6-B652298478BF}" type="slidenum">
+              <a:rPr lang="en-US" smtClean="0"/>
+              <a:t>‹#›</a:t>
+            </a:fld>
+            <a:endParaRPr lang="en-US"/>
+          </a:p>
+        </p:txBody>
+      </p:sp>
     </p:spTree>
   </p:cSld>
 </p:sld>
@@ -5614,6 +6724,51 @@
           </a:p>
         </p:txBody>
       </p:sp>
+      <p:sp>
+        <p:nvSpPr>
+          <p:cNvPr id="5" name="Footer Placeholder 4"/>
+          <p:cNvSpPr>
+            <a:spLocks noGrp="1"/>
+          </p:cNvSpPr>
+          <p:nvPr>
+            <p:ph idx="11" sz="quarter" type="ftr"/>
+          </p:nvPr>
+        </p:nvSpPr>
+        <p:spPr/>
+        <p:txBody>
+          <a:bodyPr/>
+          <a:lstStyle/>
+          <a:p>
+            <a:r>
+              <a:rPr lang="en-US"/>
+              <a:t>Or Peretz</a:t>
+            </a:r>
+          </a:p>
+        </p:txBody>
+      </p:sp>
+      <p:sp>
+        <p:nvSpPr>
+          <p:cNvPr id="6" name="Slide Number Placeholder 5"/>
+          <p:cNvSpPr>
+            <a:spLocks noGrp="1"/>
+          </p:cNvSpPr>
+          <p:nvPr>
+            <p:ph idx="12" sz="quarter" type="sldNum"/>
+          </p:nvPr>
+        </p:nvSpPr>
+        <p:spPr/>
+        <p:txBody>
+          <a:bodyPr/>
+          <a:lstStyle/>
+          <a:p>
+            <a:fld id="{C1FF6DA9-008F-8B48-92A6-B652298478BF}" type="slidenum">
+              <a:rPr lang="en-US" smtClean="0"/>
+              <a:t>‹#›</a:t>
+            </a:fld>
+            <a:endParaRPr lang="en-US"/>
+          </a:p>
+        </p:txBody>
+      </p:sp>
     </p:spTree>
   </p:cSld>
 </p:sld>
@@ -5723,6 +6878,51 @@
           </a:p>
         </p:txBody>
       </p:sp>
+      <p:sp>
+        <p:nvSpPr>
+          <p:cNvPr id="5" name="Footer Placeholder 4"/>
+          <p:cNvSpPr>
+            <a:spLocks noGrp="1"/>
+          </p:cNvSpPr>
+          <p:nvPr>
+            <p:ph idx="11" sz="quarter" type="ftr"/>
+          </p:nvPr>
+        </p:nvSpPr>
+        <p:spPr/>
+        <p:txBody>
+          <a:bodyPr/>
+          <a:lstStyle/>
+          <a:p>
+            <a:r>
+              <a:rPr lang="en-US"/>
+              <a:t>Or Peretz</a:t>
+            </a:r>
+          </a:p>
+        </p:txBody>
+      </p:sp>
+      <p:sp>
+        <p:nvSpPr>
+          <p:cNvPr id="6" name="Slide Number Placeholder 5"/>
+          <p:cNvSpPr>
+            <a:spLocks noGrp="1"/>
+          </p:cNvSpPr>
+          <p:nvPr>
+            <p:ph idx="12" sz="quarter" type="sldNum"/>
+          </p:nvPr>
+        </p:nvSpPr>
+        <p:spPr/>
+        <p:txBody>
+          <a:bodyPr/>
+          <a:lstStyle/>
+          <a:p>
+            <a:fld id="{C1FF6DA9-008F-8B48-92A6-B652298478BF}" type="slidenum">
+              <a:rPr lang="en-US" smtClean="0"/>
+              <a:t>‹#›</a:t>
+            </a:fld>
+            <a:endParaRPr lang="en-US"/>
+          </a:p>
+        </p:txBody>
+      </p:sp>
     </p:spTree>
   </p:cSld>
 </p:sld>
@@ -5825,6 +7025,51 @@
           </a:p>
         </p:txBody>
       </p:sp>
+      <p:sp>
+        <p:nvSpPr>
+          <p:cNvPr id="5" name="Footer Placeholder 4"/>
+          <p:cNvSpPr>
+            <a:spLocks noGrp="1"/>
+          </p:cNvSpPr>
+          <p:nvPr>
+            <p:ph idx="11" sz="quarter" type="ftr"/>
+          </p:nvPr>
+        </p:nvSpPr>
+        <p:spPr/>
+        <p:txBody>
+          <a:bodyPr/>
+          <a:lstStyle/>
+          <a:p>
+            <a:r>
+              <a:rPr lang="en-US"/>
+              <a:t>Or Peretz</a:t>
+            </a:r>
+          </a:p>
+        </p:txBody>
+      </p:sp>
+      <p:sp>
+        <p:nvSpPr>
+          <p:cNvPr id="6" name="Slide Number Placeholder 5"/>
+          <p:cNvSpPr>
+            <a:spLocks noGrp="1"/>
+          </p:cNvSpPr>
+          <p:nvPr>
+            <p:ph idx="12" sz="quarter" type="sldNum"/>
+          </p:nvPr>
+        </p:nvSpPr>
+        <p:spPr/>
+        <p:txBody>
+          <a:bodyPr/>
+          <a:lstStyle/>
+          <a:p>
+            <a:fld id="{C1FF6DA9-008F-8B48-92A6-B652298478BF}" type="slidenum">
+              <a:rPr lang="en-US" smtClean="0"/>
+              <a:t>‹#›</a:t>
+            </a:fld>
+            <a:endParaRPr lang="en-US"/>
+          </a:p>
+        </p:txBody>
+      </p:sp>
     </p:spTree>
   </p:cSld>
 </p:sld>
@@ -5888,8 +7133,8 @@
         </p:blipFill>
         <p:spPr bwMode="auto">
           <a:xfrm>
-            <a:off x="609600" y="2603500"/>
-            <a:ext cx="10972800" cy="2514600"/>
+            <a:off x="609600" y="2959100"/>
+            <a:ext cx="10972800" cy="1790700"/>
           </a:xfrm>
           <a:prstGeom prst="rect">
             <a:avLst/>
@@ -5902,6 +7147,51 @@
           </a:ln>
         </p:spPr>
       </p:pic>
+      <p:sp>
+        <p:nvSpPr>
+          <p:cNvPr id="5" name="Footer Placeholder 4"/>
+          <p:cNvSpPr>
+            <a:spLocks noGrp="1"/>
+          </p:cNvSpPr>
+          <p:nvPr>
+            <p:ph idx="11" sz="quarter" type="ftr"/>
+          </p:nvPr>
+        </p:nvSpPr>
+        <p:spPr/>
+        <p:txBody>
+          <a:bodyPr/>
+          <a:lstStyle/>
+          <a:p>
+            <a:r>
+              <a:rPr lang="en-US"/>
+              <a:t>Or Peretz</a:t>
+            </a:r>
+          </a:p>
+        </p:txBody>
+      </p:sp>
+      <p:sp>
+        <p:nvSpPr>
+          <p:cNvPr id="6" name="Slide Number Placeholder 5"/>
+          <p:cNvSpPr>
+            <a:spLocks noGrp="1"/>
+          </p:cNvSpPr>
+          <p:nvPr>
+            <p:ph idx="12" sz="quarter" type="sldNum"/>
+          </p:nvPr>
+        </p:nvSpPr>
+        <p:spPr/>
+        <p:txBody>
+          <a:bodyPr/>
+          <a:lstStyle/>
+          <a:p>
+            <a:fld id="{C1FF6DA9-008F-8B48-92A6-B652298478BF}" type="slidenum">
+              <a:rPr lang="en-US" smtClean="0"/>
+              <a:t>‹#›</a:t>
+            </a:fld>
+            <a:endParaRPr lang="en-US"/>
+          </a:p>
+        </p:txBody>
+      </p:sp>
     </p:spTree>
   </p:cSld>
 </p:sld>
@@ -5993,6 +7283,51 @@
           </a:p>
         </p:txBody>
       </p:sp>
+      <p:sp>
+        <p:nvSpPr>
+          <p:cNvPr id="5" name="Footer Placeholder 4"/>
+          <p:cNvSpPr>
+            <a:spLocks noGrp="1"/>
+          </p:cNvSpPr>
+          <p:nvPr>
+            <p:ph idx="11" sz="quarter" type="ftr"/>
+          </p:nvPr>
+        </p:nvSpPr>
+        <p:spPr/>
+        <p:txBody>
+          <a:bodyPr/>
+          <a:lstStyle/>
+          <a:p>
+            <a:r>
+              <a:rPr lang="en-US"/>
+              <a:t>Or Peretz</a:t>
+            </a:r>
+          </a:p>
+        </p:txBody>
+      </p:sp>
+      <p:sp>
+        <p:nvSpPr>
+          <p:cNvPr id="6" name="Slide Number Placeholder 5"/>
+          <p:cNvSpPr>
+            <a:spLocks noGrp="1"/>
+          </p:cNvSpPr>
+          <p:nvPr>
+            <p:ph idx="12" sz="quarter" type="sldNum"/>
+          </p:nvPr>
+        </p:nvSpPr>
+        <p:spPr/>
+        <p:txBody>
+          <a:bodyPr/>
+          <a:lstStyle/>
+          <a:p>
+            <a:fld id="{C1FF6DA9-008F-8B48-92A6-B652298478BF}" type="slidenum">
+              <a:rPr lang="en-US" smtClean="0"/>
+              <a:t>‹#›</a:t>
+            </a:fld>
+            <a:endParaRPr lang="en-US"/>
+          </a:p>
+        </p:txBody>
+      </p:sp>
     </p:spTree>
   </p:cSld>
 </p:sld>
@@ -6084,6 +7419,51 @@
           </a:p>
         </p:txBody>
       </p:sp>
+      <p:sp>
+        <p:nvSpPr>
+          <p:cNvPr id="5" name="Footer Placeholder 4"/>
+          <p:cNvSpPr>
+            <a:spLocks noGrp="1"/>
+          </p:cNvSpPr>
+          <p:nvPr>
+            <p:ph idx="11" sz="quarter" type="ftr"/>
+          </p:nvPr>
+        </p:nvSpPr>
+        <p:spPr/>
+        <p:txBody>
+          <a:bodyPr/>
+          <a:lstStyle/>
+          <a:p>
+            <a:r>
+              <a:rPr lang="en-US"/>
+              <a:t>Or Peretz</a:t>
+            </a:r>
+          </a:p>
+        </p:txBody>
+      </p:sp>
+      <p:sp>
+        <p:nvSpPr>
+          <p:cNvPr id="6" name="Slide Number Placeholder 5"/>
+          <p:cNvSpPr>
+            <a:spLocks noGrp="1"/>
+          </p:cNvSpPr>
+          <p:nvPr>
+            <p:ph idx="12" sz="quarter" type="sldNum"/>
+          </p:nvPr>
+        </p:nvSpPr>
+        <p:spPr/>
+        <p:txBody>
+          <a:bodyPr/>
+          <a:lstStyle/>
+          <a:p>
+            <a:fld id="{C1FF6DA9-008F-8B48-92A6-B652298478BF}" type="slidenum">
+              <a:rPr lang="en-US" smtClean="0"/>
+              <a:t>‹#›</a:t>
+            </a:fld>
+            <a:endParaRPr lang="en-US"/>
+          </a:p>
+        </p:txBody>
+      </p:sp>
     </p:spTree>
   </p:cSld>
 </p:sld>
@@ -6189,6 +7569,51 @@
           </a:p>
         </p:txBody>
       </p:sp>
+      <p:sp>
+        <p:nvSpPr>
+          <p:cNvPr id="5" name="Footer Placeholder 4"/>
+          <p:cNvSpPr>
+            <a:spLocks noGrp="1"/>
+          </p:cNvSpPr>
+          <p:nvPr>
+            <p:ph idx="11" sz="quarter" type="ftr"/>
+          </p:nvPr>
+        </p:nvSpPr>
+        <p:spPr/>
+        <p:txBody>
+          <a:bodyPr/>
+          <a:lstStyle/>
+          <a:p>
+            <a:r>
+              <a:rPr lang="en-US"/>
+              <a:t>Or Peretz</a:t>
+            </a:r>
+          </a:p>
+        </p:txBody>
+      </p:sp>
+      <p:sp>
+        <p:nvSpPr>
+          <p:cNvPr id="6" name="Slide Number Placeholder 5"/>
+          <p:cNvSpPr>
+            <a:spLocks noGrp="1"/>
+          </p:cNvSpPr>
+          <p:nvPr>
+            <p:ph idx="12" sz="quarter" type="sldNum"/>
+          </p:nvPr>
+        </p:nvSpPr>
+        <p:spPr/>
+        <p:txBody>
+          <a:bodyPr/>
+          <a:lstStyle/>
+          <a:p>
+            <a:fld id="{C1FF6DA9-008F-8B48-92A6-B652298478BF}" type="slidenum">
+              <a:rPr lang="en-US" smtClean="0"/>
+              <a:t>‹#›</a:t>
+            </a:fld>
+            <a:endParaRPr lang="en-US"/>
+          </a:p>
+        </p:txBody>
+      </p:sp>
     </p:spTree>
   </p:cSld>
 </p:sld>
@@ -6280,6 +7705,51 @@
           </a:p>
         </p:txBody>
       </p:sp>
+      <p:sp>
+        <p:nvSpPr>
+          <p:cNvPr id="5" name="Footer Placeholder 4"/>
+          <p:cNvSpPr>
+            <a:spLocks noGrp="1"/>
+          </p:cNvSpPr>
+          <p:nvPr>
+            <p:ph idx="11" sz="quarter" type="ftr"/>
+          </p:nvPr>
+        </p:nvSpPr>
+        <p:spPr/>
+        <p:txBody>
+          <a:bodyPr/>
+          <a:lstStyle/>
+          <a:p>
+            <a:r>
+              <a:rPr lang="en-US"/>
+              <a:t>Or Peretz</a:t>
+            </a:r>
+          </a:p>
+        </p:txBody>
+      </p:sp>
+      <p:sp>
+        <p:nvSpPr>
+          <p:cNvPr id="6" name="Slide Number Placeholder 5"/>
+          <p:cNvSpPr>
+            <a:spLocks noGrp="1"/>
+          </p:cNvSpPr>
+          <p:nvPr>
+            <p:ph idx="12" sz="quarter" type="sldNum"/>
+          </p:nvPr>
+        </p:nvSpPr>
+        <p:spPr/>
+        <p:txBody>
+          <a:bodyPr/>
+          <a:lstStyle/>
+          <a:p>
+            <a:fld id="{C1FF6DA9-008F-8B48-92A6-B652298478BF}" type="slidenum">
+              <a:rPr lang="en-US" smtClean="0"/>
+              <a:t>‹#›</a:t>
+            </a:fld>
+            <a:endParaRPr lang="en-US"/>
+          </a:p>
+        </p:txBody>
+      </p:sp>
     </p:spTree>
   </p:cSld>
 </p:sld>
@@ -6322,7 +7792,7 @@
             </a:pPr>
             <a:r>
               <a:rPr/>
-              <a:t>In-Lecture Exercise 1: Solution (1/2)</a:t>
+              <a:t>In-Lecture Exercise 1: Solution- Posts raw: 500M × 2.1 KB ≈ 1,050 GB</a:t>
             </a:r>
           </a:p>
         </p:txBody>
@@ -6345,13 +7815,6 @@
             <a:pPr lvl="0"/>
             <a:r>
               <a:rPr/>
-              <a:t>Posts raw: 500M × 2.1 KB ≈ 1,050 GB</a:t>
-            </a:r>
-          </a:p>
-          <a:p>
-            <a:pPr lvl="0"/>
-            <a:r>
-              <a:rPr/>
               <a:t>Interactions raw: 10B × 33 B ≈ 330 GB</a:t>
             </a:r>
           </a:p>
@@ -6368,6 +7831,51 @@
               <a:rPr/>
               <a:t>Total raw ≈ 1,500 GB (1.5 TB)</a:t>
             </a:r>
+          </a:p>
+        </p:txBody>
+      </p:sp>
+      <p:sp>
+        <p:nvSpPr>
+          <p:cNvPr id="5" name="Footer Placeholder 4"/>
+          <p:cNvSpPr>
+            <a:spLocks noGrp="1"/>
+          </p:cNvSpPr>
+          <p:nvPr>
+            <p:ph idx="11" sz="quarter" type="ftr"/>
+          </p:nvPr>
+        </p:nvSpPr>
+        <p:spPr/>
+        <p:txBody>
+          <a:bodyPr/>
+          <a:lstStyle/>
+          <a:p>
+            <a:r>
+              <a:rPr lang="en-US"/>
+              <a:t>Or Peretz</a:t>
+            </a:r>
+          </a:p>
+        </p:txBody>
+      </p:sp>
+      <p:sp>
+        <p:nvSpPr>
+          <p:cNvPr id="6" name="Slide Number Placeholder 5"/>
+          <p:cNvSpPr>
+            <a:spLocks noGrp="1"/>
+          </p:cNvSpPr>
+          <p:nvPr>
+            <p:ph idx="12" sz="quarter" type="sldNum"/>
+          </p:nvPr>
+        </p:nvSpPr>
+        <p:spPr/>
+        <p:txBody>
+          <a:bodyPr/>
+          <a:lstStyle/>
+          <a:p>
+            <a:fld id="{C1FF6DA9-008F-8B48-92A6-B652298478BF}" type="slidenum">
+              <a:rPr lang="en-US" smtClean="0"/>
+              <a:t>‹#›</a:t>
+            </a:fld>
+            <a:endParaRPr lang="en-US"/>
           </a:p>
         </p:txBody>
       </p:sp>
@@ -6413,7 +7921,7 @@
             </a:pPr>
             <a:r>
               <a:rPr/>
-              <a:t>In-Lecture Exercise 1: Solution (2/2)</a:t>
+              <a:t>In-Lecture Exercise 1: Solution- Parquet 5×: 1,500 GB / 5 ≈ 300 GB</a:t>
             </a:r>
           </a:p>
         </p:txBody>
@@ -6436,13 +7944,6 @@
             <a:pPr lvl="0"/>
             <a:r>
               <a:rPr/>
-              <a:t>Parquet 5×: 1,500 GB / 5 ≈ 300 GB</a:t>
-            </a:r>
-          </a:p>
-          <a:p>
-            <a:pPr lvl="0"/>
-            <a:r>
-              <a:rPr/>
               <a:t>90-day raw: 27.6 GB/day × 90 ≈ 2.5 TB</a:t>
             </a:r>
           </a:p>
@@ -6459,6 +7960,51 @@
               <a:rPr/>
               <a:t>Total with replicas ≈ 8.4 TB</a:t>
             </a:r>
+          </a:p>
+        </p:txBody>
+      </p:sp>
+      <p:sp>
+        <p:nvSpPr>
+          <p:cNvPr id="5" name="Footer Placeholder 4"/>
+          <p:cNvSpPr>
+            <a:spLocks noGrp="1"/>
+          </p:cNvSpPr>
+          <p:nvPr>
+            <p:ph idx="11" sz="quarter" type="ftr"/>
+          </p:nvPr>
+        </p:nvSpPr>
+        <p:spPr/>
+        <p:txBody>
+          <a:bodyPr/>
+          <a:lstStyle/>
+          <a:p>
+            <a:r>
+              <a:rPr lang="en-US"/>
+              <a:t>Or Peretz</a:t>
+            </a:r>
+          </a:p>
+        </p:txBody>
+      </p:sp>
+      <p:sp>
+        <p:nvSpPr>
+          <p:cNvPr id="6" name="Slide Number Placeholder 5"/>
+          <p:cNvSpPr>
+            <a:spLocks noGrp="1"/>
+          </p:cNvSpPr>
+          <p:nvPr>
+            <p:ph idx="12" sz="quarter" type="sldNum"/>
+          </p:nvPr>
+        </p:nvSpPr>
+        <p:spPr/>
+        <p:txBody>
+          <a:bodyPr/>
+          <a:lstStyle/>
+          <a:p>
+            <a:fld id="{C1FF6DA9-008F-8B48-92A6-B652298478BF}" type="slidenum">
+              <a:rPr lang="en-US" smtClean="0"/>
+              <a:t>‹#›</a:t>
+            </a:fld>
+            <a:endParaRPr lang="en-US"/>
           </a:p>
         </p:txBody>
       </p:sp>
@@ -6546,6 +8092,51 @@
           </a:p>
         </p:txBody>
       </p:sp>
+      <p:sp>
+        <p:nvSpPr>
+          <p:cNvPr id="5" name="Footer Placeholder 4"/>
+          <p:cNvSpPr>
+            <a:spLocks noGrp="1"/>
+          </p:cNvSpPr>
+          <p:nvPr>
+            <p:ph idx="11" sz="quarter" type="ftr"/>
+          </p:nvPr>
+        </p:nvSpPr>
+        <p:spPr/>
+        <p:txBody>
+          <a:bodyPr/>
+          <a:lstStyle/>
+          <a:p>
+            <a:r>
+              <a:rPr lang="en-US"/>
+              <a:t>Or Peretz</a:t>
+            </a:r>
+          </a:p>
+        </p:txBody>
+      </p:sp>
+      <p:sp>
+        <p:nvSpPr>
+          <p:cNvPr id="6" name="Slide Number Placeholder 5"/>
+          <p:cNvSpPr>
+            <a:spLocks noGrp="1"/>
+          </p:cNvSpPr>
+          <p:nvPr>
+            <p:ph idx="12" sz="quarter" type="sldNum"/>
+          </p:nvPr>
+        </p:nvSpPr>
+        <p:spPr/>
+        <p:txBody>
+          <a:bodyPr/>
+          <a:lstStyle/>
+          <a:p>
+            <a:fld id="{C1FF6DA9-008F-8B48-92A6-B652298478BF}" type="slidenum">
+              <a:rPr lang="en-US" smtClean="0"/>
+              <a:t>‹#›</a:t>
+            </a:fld>
+            <a:endParaRPr lang="en-US"/>
+          </a:p>
+        </p:txBody>
+      </p:sp>
     </p:spTree>
   </p:cSld>
 </p:sld>
@@ -6637,6 +8228,51 @@
           </a:p>
         </p:txBody>
       </p:sp>
+      <p:sp>
+        <p:nvSpPr>
+          <p:cNvPr id="5" name="Footer Placeholder 4"/>
+          <p:cNvSpPr>
+            <a:spLocks noGrp="1"/>
+          </p:cNvSpPr>
+          <p:nvPr>
+            <p:ph idx="11" sz="quarter" type="ftr"/>
+          </p:nvPr>
+        </p:nvSpPr>
+        <p:spPr/>
+        <p:txBody>
+          <a:bodyPr/>
+          <a:lstStyle/>
+          <a:p>
+            <a:r>
+              <a:rPr lang="en-US"/>
+              <a:t>Or Peretz</a:t>
+            </a:r>
+          </a:p>
+        </p:txBody>
+      </p:sp>
+      <p:sp>
+        <p:nvSpPr>
+          <p:cNvPr id="6" name="Slide Number Placeholder 5"/>
+          <p:cNvSpPr>
+            <a:spLocks noGrp="1"/>
+          </p:cNvSpPr>
+          <p:nvPr>
+            <p:ph idx="12" sz="quarter" type="sldNum"/>
+          </p:nvPr>
+        </p:nvSpPr>
+        <p:spPr/>
+        <p:txBody>
+          <a:bodyPr/>
+          <a:lstStyle/>
+          <a:p>
+            <a:fld id="{C1FF6DA9-008F-8B48-92A6-B652298478BF}" type="slidenum">
+              <a:rPr lang="en-US" smtClean="0"/>
+              <a:t>‹#›</a:t>
+            </a:fld>
+            <a:endParaRPr lang="en-US"/>
+          </a:p>
+        </p:txBody>
+      </p:sp>
     </p:spTree>
   </p:cSld>
 </p:sld>
@@ -6700,8 +8336,8 @@
         </p:blipFill>
         <p:spPr bwMode="auto">
           <a:xfrm>
-            <a:off x="4559300" y="1600200"/>
-            <a:ext cx="3086100" cy="4521200"/>
+            <a:off x="609600" y="2971800"/>
+            <a:ext cx="10972800" cy="1778000"/>
           </a:xfrm>
           <a:prstGeom prst="rect">
             <a:avLst/>
@@ -6714,6 +8350,51 @@
           </a:ln>
         </p:spPr>
       </p:pic>
+      <p:sp>
+        <p:nvSpPr>
+          <p:cNvPr id="5" name="Footer Placeholder 4"/>
+          <p:cNvSpPr>
+            <a:spLocks noGrp="1"/>
+          </p:cNvSpPr>
+          <p:nvPr>
+            <p:ph idx="11" sz="quarter" type="ftr"/>
+          </p:nvPr>
+        </p:nvSpPr>
+        <p:spPr/>
+        <p:txBody>
+          <a:bodyPr/>
+          <a:lstStyle/>
+          <a:p>
+            <a:r>
+              <a:rPr lang="en-US"/>
+              <a:t>Or Peretz</a:t>
+            </a:r>
+          </a:p>
+        </p:txBody>
+      </p:sp>
+      <p:sp>
+        <p:nvSpPr>
+          <p:cNvPr id="6" name="Slide Number Placeholder 5"/>
+          <p:cNvSpPr>
+            <a:spLocks noGrp="1"/>
+          </p:cNvSpPr>
+          <p:nvPr>
+            <p:ph idx="12" sz="quarter" type="sldNum"/>
+          </p:nvPr>
+        </p:nvSpPr>
+        <p:spPr/>
+        <p:txBody>
+          <a:bodyPr/>
+          <a:lstStyle/>
+          <a:p>
+            <a:fld id="{C1FF6DA9-008F-8B48-92A6-B652298478BF}" type="slidenum">
+              <a:rPr lang="en-US" smtClean="0"/>
+              <a:t>‹#›</a:t>
+            </a:fld>
+            <a:endParaRPr lang="en-US"/>
+          </a:p>
+        </p:txBody>
+      </p:sp>
     </p:spTree>
   </p:cSld>
 </p:sld>
@@ -6805,6 +8486,51 @@
           </a:p>
         </p:txBody>
       </p:sp>
+      <p:sp>
+        <p:nvSpPr>
+          <p:cNvPr id="5" name="Footer Placeholder 4"/>
+          <p:cNvSpPr>
+            <a:spLocks noGrp="1"/>
+          </p:cNvSpPr>
+          <p:nvPr>
+            <p:ph idx="11" sz="quarter" type="ftr"/>
+          </p:nvPr>
+        </p:nvSpPr>
+        <p:spPr/>
+        <p:txBody>
+          <a:bodyPr/>
+          <a:lstStyle/>
+          <a:p>
+            <a:r>
+              <a:rPr lang="en-US"/>
+              <a:t>Or Peretz</a:t>
+            </a:r>
+          </a:p>
+        </p:txBody>
+      </p:sp>
+      <p:sp>
+        <p:nvSpPr>
+          <p:cNvPr id="6" name="Slide Number Placeholder 5"/>
+          <p:cNvSpPr>
+            <a:spLocks noGrp="1"/>
+          </p:cNvSpPr>
+          <p:nvPr>
+            <p:ph idx="12" sz="quarter" type="sldNum"/>
+          </p:nvPr>
+        </p:nvSpPr>
+        <p:spPr/>
+        <p:txBody>
+          <a:bodyPr/>
+          <a:lstStyle/>
+          <a:p>
+            <a:fld id="{C1FF6DA9-008F-8B48-92A6-B652298478BF}" type="slidenum">
+              <a:rPr lang="en-US" smtClean="0"/>
+              <a:t>‹#›</a:t>
+            </a:fld>
+            <a:endParaRPr lang="en-US"/>
+          </a:p>
+        </p:txBody>
+      </p:sp>
     </p:spTree>
   </p:cSld>
 </p:sld>
@@ -6868,8 +8594,8 @@
         </p:blipFill>
         <p:spPr bwMode="auto">
           <a:xfrm>
-            <a:off x="4114800" y="1600200"/>
-            <a:ext cx="3949700" cy="4521200"/>
+            <a:off x="3835400" y="1600200"/>
+            <a:ext cx="4508500" cy="4521200"/>
           </a:xfrm>
           <a:prstGeom prst="rect">
             <a:avLst/>
@@ -6882,6 +8608,51 @@
           </a:ln>
         </p:spPr>
       </p:pic>
+      <p:sp>
+        <p:nvSpPr>
+          <p:cNvPr id="5" name="Footer Placeholder 4"/>
+          <p:cNvSpPr>
+            <a:spLocks noGrp="1"/>
+          </p:cNvSpPr>
+          <p:nvPr>
+            <p:ph idx="11" sz="quarter" type="ftr"/>
+          </p:nvPr>
+        </p:nvSpPr>
+        <p:spPr/>
+        <p:txBody>
+          <a:bodyPr/>
+          <a:lstStyle/>
+          <a:p>
+            <a:r>
+              <a:rPr lang="en-US"/>
+              <a:t>Or Peretz</a:t>
+            </a:r>
+          </a:p>
+        </p:txBody>
+      </p:sp>
+      <p:sp>
+        <p:nvSpPr>
+          <p:cNvPr id="6" name="Slide Number Placeholder 5"/>
+          <p:cNvSpPr>
+            <a:spLocks noGrp="1"/>
+          </p:cNvSpPr>
+          <p:nvPr>
+            <p:ph idx="12" sz="quarter" type="sldNum"/>
+          </p:nvPr>
+        </p:nvSpPr>
+        <p:spPr/>
+        <p:txBody>
+          <a:bodyPr/>
+          <a:lstStyle/>
+          <a:p>
+            <a:fld id="{C1FF6DA9-008F-8B48-92A6-B652298478BF}" type="slidenum">
+              <a:rPr lang="en-US" smtClean="0"/>
+              <a:t>‹#›</a:t>
+            </a:fld>
+            <a:endParaRPr lang="en-US"/>
+          </a:p>
+        </p:txBody>
+      </p:sp>
     </p:spTree>
   </p:cSld>
 </p:sld>
@@ -6924,7 +8695,7 @@
             </a:pPr>
             <a:r>
               <a:rPr/>
-              <a:t>Core Concepts (1/3)</a:t>
+              <a:t>Core Concepts</a:t>
             </a:r>
           </a:p>
         </p:txBody>
@@ -6945,8 +8716,8 @@
         </p:blipFill>
         <p:spPr bwMode="auto">
           <a:xfrm>
-            <a:off x="825500" y="1600200"/>
-            <a:ext cx="10541000" cy="4521200"/>
+            <a:off x="609600" y="2260600"/>
+            <a:ext cx="10972800" cy="3187700"/>
           </a:xfrm>
           <a:prstGeom prst="rect">
             <a:avLst/>
@@ -6959,6 +8730,51 @@
           </a:ln>
         </p:spPr>
       </p:pic>
+      <p:sp>
+        <p:nvSpPr>
+          <p:cNvPr id="5" name="Footer Placeholder 4"/>
+          <p:cNvSpPr>
+            <a:spLocks noGrp="1"/>
+          </p:cNvSpPr>
+          <p:nvPr>
+            <p:ph idx="11" sz="quarter" type="ftr"/>
+          </p:nvPr>
+        </p:nvSpPr>
+        <p:spPr/>
+        <p:txBody>
+          <a:bodyPr/>
+          <a:lstStyle/>
+          <a:p>
+            <a:r>
+              <a:rPr lang="en-US"/>
+              <a:t>Or Peretz</a:t>
+            </a:r>
+          </a:p>
+        </p:txBody>
+      </p:sp>
+      <p:sp>
+        <p:nvSpPr>
+          <p:cNvPr id="6" name="Slide Number Placeholder 5"/>
+          <p:cNvSpPr>
+            <a:spLocks noGrp="1"/>
+          </p:cNvSpPr>
+          <p:nvPr>
+            <p:ph idx="12" sz="quarter" type="sldNum"/>
+          </p:nvPr>
+        </p:nvSpPr>
+        <p:spPr/>
+        <p:txBody>
+          <a:bodyPr/>
+          <a:lstStyle/>
+          <a:p>
+            <a:fld id="{C1FF6DA9-008F-8B48-92A6-B652298478BF}" type="slidenum">
+              <a:rPr lang="en-US" smtClean="0"/>
+              <a:t>‹#›</a:t>
+            </a:fld>
+            <a:endParaRPr lang="en-US"/>
+          </a:p>
+        </p:txBody>
+      </p:sp>
     </p:spTree>
   </p:cSld>
 </p:sld>
@@ -7054,6 +8870,51 @@
           </a:p>
         </p:txBody>
       </p:sp>
+      <p:sp>
+        <p:nvSpPr>
+          <p:cNvPr id="5" name="Footer Placeholder 4"/>
+          <p:cNvSpPr>
+            <a:spLocks noGrp="1"/>
+          </p:cNvSpPr>
+          <p:nvPr>
+            <p:ph idx="11" sz="quarter" type="ftr"/>
+          </p:nvPr>
+        </p:nvSpPr>
+        <p:spPr/>
+        <p:txBody>
+          <a:bodyPr/>
+          <a:lstStyle/>
+          <a:p>
+            <a:r>
+              <a:rPr lang="en-US"/>
+              <a:t>Or Peretz</a:t>
+            </a:r>
+          </a:p>
+        </p:txBody>
+      </p:sp>
+      <p:sp>
+        <p:nvSpPr>
+          <p:cNvPr id="6" name="Slide Number Placeholder 5"/>
+          <p:cNvSpPr>
+            <a:spLocks noGrp="1"/>
+          </p:cNvSpPr>
+          <p:nvPr>
+            <p:ph idx="12" sz="quarter" type="sldNum"/>
+          </p:nvPr>
+        </p:nvSpPr>
+        <p:spPr/>
+        <p:txBody>
+          <a:bodyPr/>
+          <a:lstStyle/>
+          <a:p>
+            <a:fld id="{C1FF6DA9-008F-8B48-92A6-B652298478BF}" type="slidenum">
+              <a:rPr lang="en-US" smtClean="0"/>
+              <a:t>‹#›</a:t>
+            </a:fld>
+            <a:endParaRPr lang="en-US"/>
+          </a:p>
+        </p:txBody>
+      </p:sp>
     </p:spTree>
   </p:cSld>
 </p:sld>
@@ -7096,27 +8957,8 @@
             </a:pPr>
             <a:r>
               <a:rPr/>
-              <a:t>ETL vs ELT (1/2)</a:t>
-            </a:r>
-          </a:p>
-        </p:txBody>
-      </p:sp>
-      <p:sp>
-        <p:nvSpPr>
-          <p:cNvPr id="3" name="Content Placeholder 2"/>
-          <p:cNvSpPr>
-            <a:spLocks noGrp="1"/>
-          </p:cNvSpPr>
-          <p:nvPr>
-            <p:ph hasCustomPrompt="1" idx="1"/>
-          </p:nvPr>
-        </p:nvSpPr>
-        <p:spPr/>
-        <p:txBody>
-          <a:bodyPr/>
-          <a:lstStyle/>
-          <a:p>
-            <a:pPr lvl="0"/>
+              <a:t>ETL vs ELT- </a:t>
+            </a:r>
             <a:r>
               <a:rPr b="1"/>
               <a:t>ETL:</a:t>
@@ -7126,6 +8968,22 @@
               <a:t> Extract → Transform → Load</a:t>
             </a:r>
           </a:p>
+        </p:txBody>
+      </p:sp>
+      <p:sp>
+        <p:nvSpPr>
+          <p:cNvPr id="3" name="Content Placeholder 2"/>
+          <p:cNvSpPr>
+            <a:spLocks noGrp="1"/>
+          </p:cNvSpPr>
+          <p:nvPr>
+            <p:ph hasCustomPrompt="1" idx="1"/>
+          </p:nvPr>
+        </p:nvSpPr>
+        <p:spPr/>
+        <p:txBody>
+          <a:bodyPr/>
+          <a:lstStyle/>
           <a:p>
             <a:pPr lvl="0"/>
             <a:r>
@@ -7150,6 +9008,51 @@
               <a:rPr/>
               <a:t>Load raw first; preserve raw data, flexible analytics later</a:t>
             </a:r>
+          </a:p>
+        </p:txBody>
+      </p:sp>
+      <p:sp>
+        <p:nvSpPr>
+          <p:cNvPr id="5" name="Footer Placeholder 4"/>
+          <p:cNvSpPr>
+            <a:spLocks noGrp="1"/>
+          </p:cNvSpPr>
+          <p:nvPr>
+            <p:ph idx="11" sz="quarter" type="ftr"/>
+          </p:nvPr>
+        </p:nvSpPr>
+        <p:spPr/>
+        <p:txBody>
+          <a:bodyPr/>
+          <a:lstStyle/>
+          <a:p>
+            <a:r>
+              <a:rPr lang="en-US"/>
+              <a:t>Or Peretz</a:t>
+            </a:r>
+          </a:p>
+        </p:txBody>
+      </p:sp>
+      <p:sp>
+        <p:nvSpPr>
+          <p:cNvPr id="6" name="Slide Number Placeholder 5"/>
+          <p:cNvSpPr>
+            <a:spLocks noGrp="1"/>
+          </p:cNvSpPr>
+          <p:nvPr>
+            <p:ph idx="12" sz="quarter" type="sldNum"/>
+          </p:nvPr>
+        </p:nvSpPr>
+        <p:spPr/>
+        <p:txBody>
+          <a:bodyPr/>
+          <a:lstStyle/>
+          <a:p>
+            <a:fld id="{C1FF6DA9-008F-8B48-92A6-B652298478BF}" type="slidenum">
+              <a:rPr lang="en-US" smtClean="0"/>
+              <a:t>‹#›</a:t>
+            </a:fld>
+            <a:endParaRPr lang="en-US"/>
           </a:p>
         </p:txBody>
       </p:sp>
@@ -7195,27 +9098,8 @@
             </a:pPr>
             <a:r>
               <a:rPr/>
-              <a:t>ETL vs ELT (2/2)</a:t>
-            </a:r>
-          </a:p>
-        </p:txBody>
-      </p:sp>
-      <p:sp>
-        <p:nvSpPr>
-          <p:cNvPr id="3" name="Content Placeholder 2"/>
-          <p:cNvSpPr>
-            <a:spLocks noGrp="1"/>
-          </p:cNvSpPr>
-          <p:nvPr>
-            <p:ph hasCustomPrompt="1" idx="1"/>
-          </p:nvPr>
-        </p:nvSpPr>
-        <p:spPr/>
-        <p:txBody>
-          <a:bodyPr/>
-          <a:lstStyle/>
-          <a:p>
-            <a:pPr lvl="0"/>
+              <a:t>ETL vs ELT- </a:t>
+            </a:r>
             <a:r>
               <a:rPr b="1"/>
               <a:t>ETL cost:</a:t>
@@ -7225,6 +9109,22 @@
               <a:t> compute up front + less storage</a:t>
             </a:r>
           </a:p>
+        </p:txBody>
+      </p:sp>
+      <p:sp>
+        <p:nvSpPr>
+          <p:cNvPr id="3" name="Content Placeholder 2"/>
+          <p:cNvSpPr>
+            <a:spLocks noGrp="1"/>
+          </p:cNvSpPr>
+          <p:nvPr>
+            <p:ph hasCustomPrompt="1" idx="1"/>
+          </p:nvPr>
+        </p:nvSpPr>
+        <p:spPr/>
+        <p:txBody>
+          <a:bodyPr/>
+          <a:lstStyle/>
           <a:p>
             <a:pPr lvl="0"/>
             <a:r>
@@ -7260,6 +9160,51 @@
               <a:rPr/>
               <a:t> keep raw immutable; prefer ELT-style raw layer</a:t>
             </a:r>
+          </a:p>
+        </p:txBody>
+      </p:sp>
+      <p:sp>
+        <p:nvSpPr>
+          <p:cNvPr id="5" name="Footer Placeholder 4"/>
+          <p:cNvSpPr>
+            <a:spLocks noGrp="1"/>
+          </p:cNvSpPr>
+          <p:nvPr>
+            <p:ph idx="11" sz="quarter" type="ftr"/>
+          </p:nvPr>
+        </p:nvSpPr>
+        <p:spPr/>
+        <p:txBody>
+          <a:bodyPr/>
+          <a:lstStyle/>
+          <a:p>
+            <a:r>
+              <a:rPr lang="en-US"/>
+              <a:t>Or Peretz</a:t>
+            </a:r>
+          </a:p>
+        </p:txBody>
+      </p:sp>
+      <p:sp>
+        <p:nvSpPr>
+          <p:cNvPr id="6" name="Slide Number Placeholder 5"/>
+          <p:cNvSpPr>
+            <a:spLocks noGrp="1"/>
+          </p:cNvSpPr>
+          <p:nvPr>
+            <p:ph idx="12" sz="quarter" type="sldNum"/>
+          </p:nvPr>
+        </p:nvSpPr>
+        <p:spPr/>
+        <p:txBody>
+          <a:bodyPr/>
+          <a:lstStyle/>
+          <a:p>
+            <a:fld id="{C1FF6DA9-008F-8B48-92A6-B652298478BF}" type="slidenum">
+              <a:rPr lang="en-US" smtClean="0"/>
+              <a:t>‹#›</a:t>
+            </a:fld>
+            <a:endParaRPr lang="en-US"/>
           </a:p>
         </p:txBody>
       </p:sp>
@@ -7305,7 +9250,7 @@
             </a:pPr>
             <a:r>
               <a:rPr/>
-              <a:t>Core Concepts (2/3)</a:t>
+              <a:t>Core Concepts</a:t>
             </a:r>
           </a:p>
         </p:txBody>
@@ -7326,8 +9271,8 @@
         </p:blipFill>
         <p:spPr bwMode="auto">
           <a:xfrm>
-            <a:off x="3606800" y="1600200"/>
-            <a:ext cx="4978400" cy="4521200"/>
+            <a:off x="4025900" y="1600200"/>
+            <a:ext cx="4127500" cy="4521200"/>
           </a:xfrm>
           <a:prstGeom prst="rect">
             <a:avLst/>
@@ -7340,6 +9285,51 @@
           </a:ln>
         </p:spPr>
       </p:pic>
+      <p:sp>
+        <p:nvSpPr>
+          <p:cNvPr id="5" name="Footer Placeholder 4"/>
+          <p:cNvSpPr>
+            <a:spLocks noGrp="1"/>
+          </p:cNvSpPr>
+          <p:nvPr>
+            <p:ph idx="11" sz="quarter" type="ftr"/>
+          </p:nvPr>
+        </p:nvSpPr>
+        <p:spPr/>
+        <p:txBody>
+          <a:bodyPr/>
+          <a:lstStyle/>
+          <a:p>
+            <a:r>
+              <a:rPr lang="en-US"/>
+              <a:t>Or Peretz</a:t>
+            </a:r>
+          </a:p>
+        </p:txBody>
+      </p:sp>
+      <p:sp>
+        <p:nvSpPr>
+          <p:cNvPr id="6" name="Slide Number Placeholder 5"/>
+          <p:cNvSpPr>
+            <a:spLocks noGrp="1"/>
+          </p:cNvSpPr>
+          <p:nvPr>
+            <p:ph idx="12" sz="quarter" type="sldNum"/>
+          </p:nvPr>
+        </p:nvSpPr>
+        <p:spPr/>
+        <p:txBody>
+          <a:bodyPr/>
+          <a:lstStyle/>
+          <a:p>
+            <a:fld id="{C1FF6DA9-008F-8B48-92A6-B652298478BF}" type="slidenum">
+              <a:rPr lang="en-US" smtClean="0"/>
+              <a:t>‹#›</a:t>
+            </a:fld>
+            <a:endParaRPr lang="en-US"/>
+          </a:p>
+        </p:txBody>
+      </p:sp>
     </p:spTree>
   </p:cSld>
 </p:sld>
@@ -7466,6 +9456,51 @@
           </a:p>
         </p:txBody>
       </p:sp>
+      <p:sp>
+        <p:nvSpPr>
+          <p:cNvPr id="5" name="Footer Placeholder 4"/>
+          <p:cNvSpPr>
+            <a:spLocks noGrp="1"/>
+          </p:cNvSpPr>
+          <p:nvPr>
+            <p:ph idx="11" sz="quarter" type="ftr"/>
+          </p:nvPr>
+        </p:nvSpPr>
+        <p:spPr/>
+        <p:txBody>
+          <a:bodyPr/>
+          <a:lstStyle/>
+          <a:p>
+            <a:r>
+              <a:rPr lang="en-US"/>
+              <a:t>Or Peretz</a:t>
+            </a:r>
+          </a:p>
+        </p:txBody>
+      </p:sp>
+      <p:sp>
+        <p:nvSpPr>
+          <p:cNvPr id="6" name="Slide Number Placeholder 5"/>
+          <p:cNvSpPr>
+            <a:spLocks noGrp="1"/>
+          </p:cNvSpPr>
+          <p:nvPr>
+            <p:ph idx="12" sz="quarter" type="sldNum"/>
+          </p:nvPr>
+        </p:nvSpPr>
+        <p:spPr/>
+        <p:txBody>
+          <a:bodyPr/>
+          <a:lstStyle/>
+          <a:p>
+            <a:fld id="{C1FF6DA9-008F-8B48-92A6-B652298478BF}" type="slidenum">
+              <a:rPr lang="en-US" smtClean="0"/>
+              <a:t>‹#›</a:t>
+            </a:fld>
+            <a:endParaRPr lang="en-US"/>
+          </a:p>
+        </p:txBody>
+      </p:sp>
     </p:spTree>
   </p:cSld>
 </p:sld>
@@ -7564,6 +9599,51 @@
           </a:p>
         </p:txBody>
       </p:sp>
+      <p:sp>
+        <p:nvSpPr>
+          <p:cNvPr id="5" name="Footer Placeholder 4"/>
+          <p:cNvSpPr>
+            <a:spLocks noGrp="1"/>
+          </p:cNvSpPr>
+          <p:nvPr>
+            <p:ph idx="11" sz="quarter" type="ftr"/>
+          </p:nvPr>
+        </p:nvSpPr>
+        <p:spPr/>
+        <p:txBody>
+          <a:bodyPr/>
+          <a:lstStyle/>
+          <a:p>
+            <a:r>
+              <a:rPr lang="en-US"/>
+              <a:t>Or Peretz</a:t>
+            </a:r>
+          </a:p>
+        </p:txBody>
+      </p:sp>
+      <p:sp>
+        <p:nvSpPr>
+          <p:cNvPr id="6" name="Slide Number Placeholder 5"/>
+          <p:cNvSpPr>
+            <a:spLocks noGrp="1"/>
+          </p:cNvSpPr>
+          <p:nvPr>
+            <p:ph idx="12" sz="quarter" type="sldNum"/>
+          </p:nvPr>
+        </p:nvSpPr>
+        <p:spPr/>
+        <p:txBody>
+          <a:bodyPr/>
+          <a:lstStyle/>
+          <a:p>
+            <a:fld id="{C1FF6DA9-008F-8B48-92A6-B652298478BF}" type="slidenum">
+              <a:rPr lang="en-US" smtClean="0"/>
+              <a:t>‹#›</a:t>
+            </a:fld>
+            <a:endParaRPr lang="en-US"/>
+          </a:p>
+        </p:txBody>
+      </p:sp>
     </p:spTree>
   </p:cSld>
 </p:sld>
@@ -7606,7 +9686,7 @@
             </a:pPr>
             <a:r>
               <a:rPr/>
-              <a:t>In-Lecture Exercise 2: Solution (1/2)</a:t>
+              <a:t>In-Lecture Exercise 2: Solution- Batch daily cost: 288 runs × $0.10 = $28.80</a:t>
             </a:r>
           </a:p>
         </p:txBody>
@@ -7629,13 +9709,6 @@
             <a:pPr lvl="0"/>
             <a:r>
               <a:rPr/>
-              <a:t>Batch daily cost: 288 runs × $0.10 = $28.80</a:t>
-            </a:r>
-          </a:p>
-          <a:p>
-            <a:pPr lvl="0"/>
-            <a:r>
-              <a:rPr/>
               <a:t>Streaming daily cost: 24 hours × $2.00 = $48.00</a:t>
             </a:r>
           </a:p>
@@ -7645,6 +9718,51 @@
               <a:rPr/>
               <a:t>Streaming costs $19.20 more per day</a:t>
             </a:r>
+          </a:p>
+        </p:txBody>
+      </p:sp>
+      <p:sp>
+        <p:nvSpPr>
+          <p:cNvPr id="5" name="Footer Placeholder 4"/>
+          <p:cNvSpPr>
+            <a:spLocks noGrp="1"/>
+          </p:cNvSpPr>
+          <p:nvPr>
+            <p:ph idx="11" sz="quarter" type="ftr"/>
+          </p:nvPr>
+        </p:nvSpPr>
+        <p:spPr/>
+        <p:txBody>
+          <a:bodyPr/>
+          <a:lstStyle/>
+          <a:p>
+            <a:r>
+              <a:rPr lang="en-US"/>
+              <a:t>Or Peretz</a:t>
+            </a:r>
+          </a:p>
+        </p:txBody>
+      </p:sp>
+      <p:sp>
+        <p:nvSpPr>
+          <p:cNvPr id="6" name="Slide Number Placeholder 5"/>
+          <p:cNvSpPr>
+            <a:spLocks noGrp="1"/>
+          </p:cNvSpPr>
+          <p:nvPr>
+            <p:ph idx="12" sz="quarter" type="sldNum"/>
+          </p:nvPr>
+        </p:nvSpPr>
+        <p:spPr/>
+        <p:txBody>
+          <a:bodyPr/>
+          <a:lstStyle/>
+          <a:p>
+            <a:fld id="{C1FF6DA9-008F-8B48-92A6-B652298478BF}" type="slidenum">
+              <a:rPr lang="en-US" smtClean="0"/>
+              <a:t>‹#›</a:t>
+            </a:fld>
+            <a:endParaRPr lang="en-US"/>
           </a:p>
         </p:txBody>
       </p:sp>
@@ -7766,6 +9884,51 @@
           </a:p>
         </p:txBody>
       </p:sp>
+      <p:sp>
+        <p:nvSpPr>
+          <p:cNvPr id="5" name="Footer Placeholder 4"/>
+          <p:cNvSpPr>
+            <a:spLocks noGrp="1"/>
+          </p:cNvSpPr>
+          <p:nvPr>
+            <p:ph idx="11" sz="quarter" type="ftr"/>
+          </p:nvPr>
+        </p:nvSpPr>
+        <p:spPr/>
+        <p:txBody>
+          <a:bodyPr/>
+          <a:lstStyle/>
+          <a:p>
+            <a:r>
+              <a:rPr lang="en-US"/>
+              <a:t>Or Peretz</a:t>
+            </a:r>
+          </a:p>
+        </p:txBody>
+      </p:sp>
+      <p:sp>
+        <p:nvSpPr>
+          <p:cNvPr id="6" name="Slide Number Placeholder 5"/>
+          <p:cNvSpPr>
+            <a:spLocks noGrp="1"/>
+          </p:cNvSpPr>
+          <p:nvPr>
+            <p:ph idx="12" sz="quarter" type="sldNum"/>
+          </p:nvPr>
+        </p:nvSpPr>
+        <p:spPr/>
+        <p:txBody>
+          <a:bodyPr/>
+          <a:lstStyle/>
+          <a:p>
+            <a:fld id="{C1FF6DA9-008F-8B48-92A6-B652298478BF}" type="slidenum">
+              <a:rPr lang="en-US" smtClean="0"/>
+              <a:t>‹#›</a:t>
+            </a:fld>
+            <a:endParaRPr lang="en-US"/>
+          </a:p>
+        </p:txBody>
+      </p:sp>
     </p:spTree>
   </p:cSld>
 </p:sld>
@@ -7808,7 +9971,7 @@
             </a:pPr>
             <a:r>
               <a:rPr/>
-              <a:t>In-Lecture Exercise 2: Solution (2/2)</a:t>
+              <a:t>In-Lecture Exercise 2: Solution- Latency &lt; 1 minute: batch fails; streaming required</a:t>
             </a:r>
           </a:p>
         </p:txBody>
@@ -7831,13 +9994,6 @@
             <a:pPr lvl="0"/>
             <a:r>
               <a:rPr/>
-              <a:t>Latency &lt; 1 minute: batch fails; streaming required</a:t>
-            </a:r>
-          </a:p>
-          <a:p>
-            <a:pPr lvl="0"/>
-            <a:r>
-              <a:rPr/>
               <a:t>If cost dominates: batch is cheaper</a:t>
             </a:r>
           </a:p>
@@ -7847,6 +10003,51 @@
               <a:rPr/>
               <a:t>Hybrid: stream recent, batch history for lower cost</a:t>
             </a:r>
+          </a:p>
+        </p:txBody>
+      </p:sp>
+      <p:sp>
+        <p:nvSpPr>
+          <p:cNvPr id="5" name="Footer Placeholder 4"/>
+          <p:cNvSpPr>
+            <a:spLocks noGrp="1"/>
+          </p:cNvSpPr>
+          <p:nvPr>
+            <p:ph idx="11" sz="quarter" type="ftr"/>
+          </p:nvPr>
+        </p:nvSpPr>
+        <p:spPr/>
+        <p:txBody>
+          <a:bodyPr/>
+          <a:lstStyle/>
+          <a:p>
+            <a:r>
+              <a:rPr lang="en-US"/>
+              <a:t>Or Peretz</a:t>
+            </a:r>
+          </a:p>
+        </p:txBody>
+      </p:sp>
+      <p:sp>
+        <p:nvSpPr>
+          <p:cNvPr id="6" name="Slide Number Placeholder 5"/>
+          <p:cNvSpPr>
+            <a:spLocks noGrp="1"/>
+          </p:cNvSpPr>
+          <p:nvPr>
+            <p:ph idx="12" sz="quarter" type="sldNum"/>
+          </p:nvPr>
+        </p:nvSpPr>
+        <p:spPr/>
+        <p:txBody>
+          <a:bodyPr/>
+          <a:lstStyle/>
+          <a:p>
+            <a:fld id="{C1FF6DA9-008F-8B48-92A6-B652298478BF}" type="slidenum">
+              <a:rPr lang="en-US" smtClean="0"/>
+              <a:t>‹#›</a:t>
+            </a:fld>
+            <a:endParaRPr lang="en-US"/>
           </a:p>
         </p:txBody>
       </p:sp>
@@ -7934,6 +10135,51 @@
           </a:p>
         </p:txBody>
       </p:sp>
+      <p:sp>
+        <p:nvSpPr>
+          <p:cNvPr id="5" name="Footer Placeholder 4"/>
+          <p:cNvSpPr>
+            <a:spLocks noGrp="1"/>
+          </p:cNvSpPr>
+          <p:nvPr>
+            <p:ph idx="11" sz="quarter" type="ftr"/>
+          </p:nvPr>
+        </p:nvSpPr>
+        <p:spPr/>
+        <p:txBody>
+          <a:bodyPr/>
+          <a:lstStyle/>
+          <a:p>
+            <a:r>
+              <a:rPr lang="en-US"/>
+              <a:t>Or Peretz</a:t>
+            </a:r>
+          </a:p>
+        </p:txBody>
+      </p:sp>
+      <p:sp>
+        <p:nvSpPr>
+          <p:cNvPr id="6" name="Slide Number Placeholder 5"/>
+          <p:cNvSpPr>
+            <a:spLocks noGrp="1"/>
+          </p:cNvSpPr>
+          <p:nvPr>
+            <p:ph idx="12" sz="quarter" type="sldNum"/>
+          </p:nvPr>
+        </p:nvSpPr>
+        <p:spPr/>
+        <p:txBody>
+          <a:bodyPr/>
+          <a:lstStyle/>
+          <a:p>
+            <a:fld id="{C1FF6DA9-008F-8B48-92A6-B652298478BF}" type="slidenum">
+              <a:rPr lang="en-US" smtClean="0"/>
+              <a:t>‹#›</a:t>
+            </a:fld>
+            <a:endParaRPr lang="en-US"/>
+          </a:p>
+        </p:txBody>
+      </p:sp>
     </p:spTree>
   </p:cSld>
 </p:sld>
@@ -8044,6 +10290,51 @@
           </a:p>
         </p:txBody>
       </p:sp>
+      <p:sp>
+        <p:nvSpPr>
+          <p:cNvPr id="5" name="Footer Placeholder 4"/>
+          <p:cNvSpPr>
+            <a:spLocks noGrp="1"/>
+          </p:cNvSpPr>
+          <p:nvPr>
+            <p:ph idx="11" sz="quarter" type="ftr"/>
+          </p:nvPr>
+        </p:nvSpPr>
+        <p:spPr/>
+        <p:txBody>
+          <a:bodyPr/>
+          <a:lstStyle/>
+          <a:p>
+            <a:r>
+              <a:rPr lang="en-US"/>
+              <a:t>Or Peretz</a:t>
+            </a:r>
+          </a:p>
+        </p:txBody>
+      </p:sp>
+      <p:sp>
+        <p:nvSpPr>
+          <p:cNvPr id="6" name="Slide Number Placeholder 5"/>
+          <p:cNvSpPr>
+            <a:spLocks noGrp="1"/>
+          </p:cNvSpPr>
+          <p:nvPr>
+            <p:ph idx="12" sz="quarter" type="sldNum"/>
+          </p:nvPr>
+        </p:nvSpPr>
+        <p:spPr/>
+        <p:txBody>
+          <a:bodyPr/>
+          <a:lstStyle/>
+          <a:p>
+            <a:fld id="{C1FF6DA9-008F-8B48-92A6-B652298478BF}" type="slidenum">
+              <a:rPr lang="en-US" smtClean="0"/>
+              <a:t>‹#›</a:t>
+            </a:fld>
+            <a:endParaRPr lang="en-US"/>
+          </a:p>
+        </p:txBody>
+      </p:sp>
     </p:spTree>
   </p:cSld>
 </p:sld>
@@ -8086,27 +10377,8 @@
             </a:pPr>
             <a:r>
               <a:rPr/>
-              <a:t>Core Concepts (3/3)</a:t>
-            </a:r>
-          </a:p>
-        </p:txBody>
-      </p:sp>
-      <p:sp>
-        <p:nvSpPr>
-          <p:cNvPr id="3" name="Content Placeholder 2"/>
-          <p:cNvSpPr>
-            <a:spLocks noGrp="1"/>
-          </p:cNvSpPr>
-          <p:nvPr>
-            <p:ph hasCustomPrompt="1" idx="1"/>
-          </p:nvPr>
-        </p:nvSpPr>
-        <p:spPr/>
-        <p:txBody>
-          <a:bodyPr/>
-          <a:lstStyle/>
-          <a:p>
-            <a:pPr lvl="0"/>
+              <a:t>Core Concepts- </a:t>
+            </a:r>
             <a:r>
               <a:rPr b="1"/>
               <a:t>One clear choice per pipeline:</a:t>
@@ -8116,6 +10388,22 @@
               <a:t> ETL or ELT</a:t>
             </a:r>
           </a:p>
+        </p:txBody>
+      </p:sp>
+      <p:sp>
+        <p:nvSpPr>
+          <p:cNvPr id="3" name="Content Placeholder 2"/>
+          <p:cNvSpPr>
+            <a:spLocks noGrp="1"/>
+          </p:cNvSpPr>
+          <p:nvPr>
+            <p:ph hasCustomPrompt="1" idx="1"/>
+          </p:nvPr>
+        </p:nvSpPr>
+        <p:spPr/>
+        <p:txBody>
+          <a:bodyPr/>
+          <a:lstStyle/>
           <a:p>
             <a:pPr lvl="0"/>
             <a:r>
@@ -8136,6 +10424,51 @@
               <a:rPr/>
               <a:t>Results in unmaintainable pipelines</a:t>
             </a:r>
+          </a:p>
+        </p:txBody>
+      </p:sp>
+      <p:sp>
+        <p:nvSpPr>
+          <p:cNvPr id="5" name="Footer Placeholder 4"/>
+          <p:cNvSpPr>
+            <a:spLocks noGrp="1"/>
+          </p:cNvSpPr>
+          <p:nvPr>
+            <p:ph idx="11" sz="quarter" type="ftr"/>
+          </p:nvPr>
+        </p:nvSpPr>
+        <p:spPr/>
+        <p:txBody>
+          <a:bodyPr/>
+          <a:lstStyle/>
+          <a:p>
+            <a:r>
+              <a:rPr lang="en-US"/>
+              <a:t>Or Peretz</a:t>
+            </a:r>
+          </a:p>
+        </p:txBody>
+      </p:sp>
+      <p:sp>
+        <p:nvSpPr>
+          <p:cNvPr id="6" name="Slide Number Placeholder 5"/>
+          <p:cNvSpPr>
+            <a:spLocks noGrp="1"/>
+          </p:cNvSpPr>
+          <p:nvPr>
+            <p:ph idx="12" sz="quarter" type="sldNum"/>
+          </p:nvPr>
+        </p:nvSpPr>
+        <p:spPr/>
+        <p:txBody>
+          <a:bodyPr/>
+          <a:lstStyle/>
+          <a:p>
+            <a:fld id="{C1FF6DA9-008F-8B48-92A6-B652298478BF}" type="slidenum">
+              <a:rPr lang="en-US" smtClean="0"/>
+              <a:t>‹#›</a:t>
+            </a:fld>
+            <a:endParaRPr lang="en-US"/>
           </a:p>
         </p:txBody>
       </p:sp>
@@ -8181,27 +10514,8 @@
             </a:pPr>
             <a:r>
               <a:rPr/>
-              <a:t>Cost of Naïve Design — What Goes Wrong Without Discipline (1/2)</a:t>
-            </a:r>
-          </a:p>
-        </p:txBody>
-      </p:sp>
-      <p:sp>
-        <p:nvSpPr>
-          <p:cNvPr id="3" name="Content Placeholder 2"/>
-          <p:cNvSpPr>
-            <a:spLocks noGrp="1"/>
-          </p:cNvSpPr>
-          <p:nvPr>
-            <p:ph hasCustomPrompt="1" idx="1"/>
-          </p:nvPr>
-        </p:nvSpPr>
-        <p:spPr/>
-        <p:txBody>
-          <a:bodyPr/>
-          <a:lstStyle/>
-          <a:p>
-            <a:pPr lvl="0"/>
+              <a:t>Cost of Naïve Design — What Goes Wrong Without Discipline- </a:t>
+            </a:r>
             <a:r>
               <a:rPr b="1"/>
               <a:t>Naïve:</a:t>
@@ -8211,6 +10525,22 @@
               <a:t> “one script, one DB, run nightly”</a:t>
             </a:r>
           </a:p>
+        </p:txBody>
+      </p:sp>
+      <p:sp>
+        <p:nvSpPr>
+          <p:cNvPr id="3" name="Content Placeholder 2"/>
+          <p:cNvSpPr>
+            <a:spLocks noGrp="1"/>
+          </p:cNvSpPr>
+          <p:nvPr>
+            <p:ph hasCustomPrompt="1" idx="1"/>
+          </p:nvPr>
+        </p:nvSpPr>
+        <p:spPr/>
+        <p:txBody>
+          <a:bodyPr/>
+          <a:lstStyle/>
           <a:p>
             <a:pPr lvl="0"/>
             <a:r>
@@ -8224,6 +10554,51 @@
               <a:rPr/>
               <a:t>Timeouts, no observability</a:t>
             </a:r>
+          </a:p>
+        </p:txBody>
+      </p:sp>
+      <p:sp>
+        <p:nvSpPr>
+          <p:cNvPr id="5" name="Footer Placeholder 4"/>
+          <p:cNvSpPr>
+            <a:spLocks noGrp="1"/>
+          </p:cNvSpPr>
+          <p:nvPr>
+            <p:ph idx="11" sz="quarter" type="ftr"/>
+          </p:nvPr>
+        </p:nvSpPr>
+        <p:spPr/>
+        <p:txBody>
+          <a:bodyPr/>
+          <a:lstStyle/>
+          <a:p>
+            <a:r>
+              <a:rPr lang="en-US"/>
+              <a:t>Or Peretz</a:t>
+            </a:r>
+          </a:p>
+        </p:txBody>
+      </p:sp>
+      <p:sp>
+        <p:nvSpPr>
+          <p:cNvPr id="6" name="Slide Number Placeholder 5"/>
+          <p:cNvSpPr>
+            <a:spLocks noGrp="1"/>
+          </p:cNvSpPr>
+          <p:nvPr>
+            <p:ph idx="12" sz="quarter" type="sldNum"/>
+          </p:nvPr>
+        </p:nvSpPr>
+        <p:spPr/>
+        <p:txBody>
+          <a:bodyPr/>
+          <a:lstStyle/>
+          <a:p>
+            <a:fld id="{C1FF6DA9-008F-8B48-92A6-B652298478BF}" type="slidenum">
+              <a:rPr lang="en-US" smtClean="0"/>
+              <a:t>‹#›</a:t>
+            </a:fld>
+            <a:endParaRPr lang="en-US"/>
           </a:p>
         </p:txBody>
       </p:sp>
@@ -8269,27 +10644,8 @@
             </a:pPr>
             <a:r>
               <a:rPr/>
-              <a:t>What Goes Wrong Without Discipline (2/2)</a:t>
-            </a:r>
-          </a:p>
-        </p:txBody>
-      </p:sp>
-      <p:sp>
-        <p:nvSpPr>
-          <p:cNvPr id="3" name="Content Placeholder 2"/>
-          <p:cNvSpPr>
-            <a:spLocks noGrp="1"/>
-          </p:cNvSpPr>
-          <p:nvPr>
-            <p:ph hasCustomPrompt="1" idx="1"/>
-          </p:nvPr>
-        </p:nvSpPr>
-        <p:spPr/>
-        <p:txBody>
-          <a:bodyPr/>
-          <a:lstStyle/>
-          <a:p>
-            <a:pPr lvl="0"/>
+              <a:t>What Goes Wrong Without Discipline- </a:t>
+            </a:r>
             <a:r>
               <a:rPr b="1"/>
               <a:t>Naïve:</a:t>
@@ -8299,6 +10655,22 @@
               <a:t> no raw layer — cannot reprocess on schema change</a:t>
             </a:r>
           </a:p>
+        </p:txBody>
+      </p:sp>
+      <p:sp>
+        <p:nvSpPr>
+          <p:cNvPr id="3" name="Content Placeholder 2"/>
+          <p:cNvSpPr>
+            <a:spLocks noGrp="1"/>
+          </p:cNvSpPr>
+          <p:nvPr>
+            <p:ph hasCustomPrompt="1" idx="1"/>
+          </p:nvPr>
+        </p:nvSpPr>
+        <p:spPr/>
+        <p:txBody>
+          <a:bodyPr/>
+          <a:lstStyle/>
           <a:p>
             <a:pPr lvl="0"/>
             <a:r>
@@ -8331,6 +10703,51 @@
               <a:rPr/>
               <a:t> constraints force pipeline design</a:t>
             </a:r>
+          </a:p>
+        </p:txBody>
+      </p:sp>
+      <p:sp>
+        <p:nvSpPr>
+          <p:cNvPr id="5" name="Footer Placeholder 4"/>
+          <p:cNvSpPr>
+            <a:spLocks noGrp="1"/>
+          </p:cNvSpPr>
+          <p:nvPr>
+            <p:ph idx="11" sz="quarter" type="ftr"/>
+          </p:nvPr>
+        </p:nvSpPr>
+        <p:spPr/>
+        <p:txBody>
+          <a:bodyPr/>
+          <a:lstStyle/>
+          <a:p>
+            <a:r>
+              <a:rPr lang="en-US"/>
+              <a:t>Or Peretz</a:t>
+            </a:r>
+          </a:p>
+        </p:txBody>
+      </p:sp>
+      <p:sp>
+        <p:nvSpPr>
+          <p:cNvPr id="6" name="Slide Number Placeholder 5"/>
+          <p:cNvSpPr>
+            <a:spLocks noGrp="1"/>
+          </p:cNvSpPr>
+          <p:nvPr>
+            <p:ph idx="12" sz="quarter" type="sldNum"/>
+          </p:nvPr>
+        </p:nvSpPr>
+        <p:spPr/>
+        <p:txBody>
+          <a:bodyPr/>
+          <a:lstStyle/>
+          <a:p>
+            <a:fld id="{C1FF6DA9-008F-8B48-92A6-B652298478BF}" type="slidenum">
+              <a:rPr lang="en-US" smtClean="0"/>
+              <a:t>‹#›</a:t>
+            </a:fld>
+            <a:endParaRPr lang="en-US"/>
           </a:p>
         </p:txBody>
       </p:sp>
@@ -8425,6 +10842,51 @@
           </a:p>
         </p:txBody>
       </p:sp>
+      <p:sp>
+        <p:nvSpPr>
+          <p:cNvPr id="5" name="Footer Placeholder 4"/>
+          <p:cNvSpPr>
+            <a:spLocks noGrp="1"/>
+          </p:cNvSpPr>
+          <p:nvPr>
+            <p:ph idx="11" sz="quarter" type="ftr"/>
+          </p:nvPr>
+        </p:nvSpPr>
+        <p:spPr/>
+        <p:txBody>
+          <a:bodyPr/>
+          <a:lstStyle/>
+          <a:p>
+            <a:r>
+              <a:rPr lang="en-US"/>
+              <a:t>Or Peretz</a:t>
+            </a:r>
+          </a:p>
+        </p:txBody>
+      </p:sp>
+      <p:sp>
+        <p:nvSpPr>
+          <p:cNvPr id="6" name="Slide Number Placeholder 5"/>
+          <p:cNvSpPr>
+            <a:spLocks noGrp="1"/>
+          </p:cNvSpPr>
+          <p:nvPr>
+            <p:ph idx="12" sz="quarter" type="sldNum"/>
+          </p:nvPr>
+        </p:nvSpPr>
+        <p:spPr/>
+        <p:txBody>
+          <a:bodyPr/>
+          <a:lstStyle/>
+          <a:p>
+            <a:fld id="{C1FF6DA9-008F-8B48-92A6-B652298478BF}" type="slidenum">
+              <a:rPr lang="en-US" smtClean="0"/>
+              <a:t>‹#›</a:t>
+            </a:fld>
+            <a:endParaRPr lang="en-US"/>
+          </a:p>
+        </p:txBody>
+      </p:sp>
     </p:spTree>
   </p:cSld>
 </p:sld>
@@ -8516,6 +10978,51 @@
           </a:p>
         </p:txBody>
       </p:sp>
+      <p:sp>
+        <p:nvSpPr>
+          <p:cNvPr id="5" name="Footer Placeholder 4"/>
+          <p:cNvSpPr>
+            <a:spLocks noGrp="1"/>
+          </p:cNvSpPr>
+          <p:nvPr>
+            <p:ph idx="11" sz="quarter" type="ftr"/>
+          </p:nvPr>
+        </p:nvSpPr>
+        <p:spPr/>
+        <p:txBody>
+          <a:bodyPr/>
+          <a:lstStyle/>
+          <a:p>
+            <a:r>
+              <a:rPr lang="en-US"/>
+              <a:t>Or Peretz</a:t>
+            </a:r>
+          </a:p>
+        </p:txBody>
+      </p:sp>
+      <p:sp>
+        <p:nvSpPr>
+          <p:cNvPr id="6" name="Slide Number Placeholder 5"/>
+          <p:cNvSpPr>
+            <a:spLocks noGrp="1"/>
+          </p:cNvSpPr>
+          <p:nvPr>
+            <p:ph idx="12" sz="quarter" type="sldNum"/>
+          </p:nvPr>
+        </p:nvSpPr>
+        <p:spPr/>
+        <p:txBody>
+          <a:bodyPr/>
+          <a:lstStyle/>
+          <a:p>
+            <a:fld id="{C1FF6DA9-008F-8B48-92A6-B652298478BF}" type="slidenum">
+              <a:rPr lang="en-US" smtClean="0"/>
+              <a:t>‹#›</a:t>
+            </a:fld>
+            <a:endParaRPr lang="en-US"/>
+          </a:p>
+        </p:txBody>
+      </p:sp>
     </p:spTree>
   </p:cSld>
 </p:sld>
@@ -8607,6 +11114,51 @@
           </a:p>
         </p:txBody>
       </p:sp>
+      <p:sp>
+        <p:nvSpPr>
+          <p:cNvPr id="5" name="Footer Placeholder 4"/>
+          <p:cNvSpPr>
+            <a:spLocks noGrp="1"/>
+          </p:cNvSpPr>
+          <p:nvPr>
+            <p:ph idx="11" sz="quarter" type="ftr"/>
+          </p:nvPr>
+        </p:nvSpPr>
+        <p:spPr/>
+        <p:txBody>
+          <a:bodyPr/>
+          <a:lstStyle/>
+          <a:p>
+            <a:r>
+              <a:rPr lang="en-US"/>
+              <a:t>Or Peretz</a:t>
+            </a:r>
+          </a:p>
+        </p:txBody>
+      </p:sp>
+      <p:sp>
+        <p:nvSpPr>
+          <p:cNvPr id="6" name="Slide Number Placeholder 5"/>
+          <p:cNvSpPr>
+            <a:spLocks noGrp="1"/>
+          </p:cNvSpPr>
+          <p:nvPr>
+            <p:ph idx="12" sz="quarter" type="sldNum"/>
+          </p:nvPr>
+        </p:nvSpPr>
+        <p:spPr/>
+        <p:txBody>
+          <a:bodyPr/>
+          <a:lstStyle/>
+          <a:p>
+            <a:fld id="{C1FF6DA9-008F-8B48-92A6-B652298478BF}" type="slidenum">
+              <a:rPr lang="en-US" smtClean="0"/>
+              <a:t>‹#›</a:t>
+            </a:fld>
+            <a:endParaRPr lang="en-US"/>
+          </a:p>
+        </p:txBody>
+      </p:sp>
     </p:spTree>
   </p:cSld>
 </p:sld>
@@ -8649,7 +11201,7 @@
             </a:pPr>
             <a:r>
               <a:rPr/>
-              <a:t>Running Example — Step-by-Step (1/4): Ingestion</a:t>
+              <a:t>Running Example — Step-by-Step: Ingestion</a:t>
             </a:r>
           </a:p>
         </p:txBody>
@@ -8702,6 +11254,51 @@
               <a:rPr/>
               <a:t>Output: 10M events, 5 GB</a:t>
             </a:r>
+          </a:p>
+        </p:txBody>
+      </p:sp>
+      <p:sp>
+        <p:nvSpPr>
+          <p:cNvPr id="5" name="Footer Placeholder 4"/>
+          <p:cNvSpPr>
+            <a:spLocks noGrp="1"/>
+          </p:cNvSpPr>
+          <p:nvPr>
+            <p:ph idx="11" sz="quarter" type="ftr"/>
+          </p:nvPr>
+        </p:nvSpPr>
+        <p:spPr/>
+        <p:txBody>
+          <a:bodyPr/>
+          <a:lstStyle/>
+          <a:p>
+            <a:r>
+              <a:rPr lang="en-US"/>
+              <a:t>Or Peretz</a:t>
+            </a:r>
+          </a:p>
+        </p:txBody>
+      </p:sp>
+      <p:sp>
+        <p:nvSpPr>
+          <p:cNvPr id="6" name="Slide Number Placeholder 5"/>
+          <p:cNvSpPr>
+            <a:spLocks noGrp="1"/>
+          </p:cNvSpPr>
+          <p:nvPr>
+            <p:ph idx="12" sz="quarter" type="sldNum"/>
+          </p:nvPr>
+        </p:nvSpPr>
+        <p:spPr/>
+        <p:txBody>
+          <a:bodyPr/>
+          <a:lstStyle/>
+          <a:p>
+            <a:fld id="{C1FF6DA9-008F-8B48-92A6-B652298478BF}" type="slidenum">
+              <a:rPr lang="en-US" smtClean="0"/>
+              <a:t>‹#›</a:t>
+            </a:fld>
+            <a:endParaRPr lang="en-US"/>
           </a:p>
         </p:txBody>
       </p:sp>
@@ -8815,6 +11412,51 @@
           </a:p>
         </p:txBody>
       </p:sp>
+      <p:sp>
+        <p:nvSpPr>
+          <p:cNvPr id="5" name="Footer Placeholder 4"/>
+          <p:cNvSpPr>
+            <a:spLocks noGrp="1"/>
+          </p:cNvSpPr>
+          <p:nvPr>
+            <p:ph idx="11" sz="quarter" type="ftr"/>
+          </p:nvPr>
+        </p:nvSpPr>
+        <p:spPr/>
+        <p:txBody>
+          <a:bodyPr/>
+          <a:lstStyle/>
+          <a:p>
+            <a:r>
+              <a:rPr lang="en-US"/>
+              <a:t>Or Peretz</a:t>
+            </a:r>
+          </a:p>
+        </p:txBody>
+      </p:sp>
+      <p:sp>
+        <p:nvSpPr>
+          <p:cNvPr id="6" name="Slide Number Placeholder 5"/>
+          <p:cNvSpPr>
+            <a:spLocks noGrp="1"/>
+          </p:cNvSpPr>
+          <p:nvPr>
+            <p:ph idx="12" sz="quarter" type="sldNum"/>
+          </p:nvPr>
+        </p:nvSpPr>
+        <p:spPr/>
+        <p:txBody>
+          <a:bodyPr/>
+          <a:lstStyle/>
+          <a:p>
+            <a:fld id="{C1FF6DA9-008F-8B48-92A6-B652298478BF}" type="slidenum">
+              <a:rPr lang="en-US" smtClean="0"/>
+              <a:t>‹#›</a:t>
+            </a:fld>
+            <a:endParaRPr lang="en-US"/>
+          </a:p>
+        </p:txBody>
+      </p:sp>
     </p:spTree>
   </p:cSld>
 </p:sld>
@@ -8878,8 +11520,8 @@
         </p:blipFill>
         <p:spPr bwMode="auto">
           <a:xfrm>
-            <a:off x="609600" y="3175000"/>
-            <a:ext cx="10972800" cy="1384300"/>
+            <a:off x="2565400" y="1600200"/>
+            <a:ext cx="7061200" cy="4521200"/>
           </a:xfrm>
           <a:prstGeom prst="rect">
             <a:avLst/>
@@ -8892,6 +11534,51 @@
           </a:ln>
         </p:spPr>
       </p:pic>
+      <p:sp>
+        <p:nvSpPr>
+          <p:cNvPr id="5" name="Footer Placeholder 4"/>
+          <p:cNvSpPr>
+            <a:spLocks noGrp="1"/>
+          </p:cNvSpPr>
+          <p:nvPr>
+            <p:ph idx="11" sz="quarter" type="ftr"/>
+          </p:nvPr>
+        </p:nvSpPr>
+        <p:spPr/>
+        <p:txBody>
+          <a:bodyPr/>
+          <a:lstStyle/>
+          <a:p>
+            <a:r>
+              <a:rPr lang="en-US"/>
+              <a:t>Or Peretz</a:t>
+            </a:r>
+          </a:p>
+        </p:txBody>
+      </p:sp>
+      <p:sp>
+        <p:nvSpPr>
+          <p:cNvPr id="6" name="Slide Number Placeholder 5"/>
+          <p:cNvSpPr>
+            <a:spLocks noGrp="1"/>
+          </p:cNvSpPr>
+          <p:nvPr>
+            <p:ph idx="12" sz="quarter" type="sldNum"/>
+          </p:nvPr>
+        </p:nvSpPr>
+        <p:spPr/>
+        <p:txBody>
+          <a:bodyPr/>
+          <a:lstStyle/>
+          <a:p>
+            <a:fld id="{C1FF6DA9-008F-8B48-92A6-B652298478BF}" type="slidenum">
+              <a:rPr lang="en-US" smtClean="0"/>
+              <a:t>‹#›</a:t>
+            </a:fld>
+            <a:endParaRPr lang="en-US"/>
+          </a:p>
+        </p:txBody>
+      </p:sp>
     </p:spTree>
   </p:cSld>
 </p:sld>
@@ -8934,7 +11621,7 @@
             </a:pPr>
             <a:r>
               <a:rPr/>
-              <a:t>Running Example — Step-by-Step (2/4): Transformation</a:t>
+              <a:t>Running Example — Step-by-Step: Transformation</a:t>
             </a:r>
           </a:p>
         </p:txBody>
@@ -8987,6 +11674,51 @@
               <a:rPr/>
               <a:t>Count: events per group</a:t>
             </a:r>
+          </a:p>
+        </p:txBody>
+      </p:sp>
+      <p:sp>
+        <p:nvSpPr>
+          <p:cNvPr id="5" name="Footer Placeholder 4"/>
+          <p:cNvSpPr>
+            <a:spLocks noGrp="1"/>
+          </p:cNvSpPr>
+          <p:nvPr>
+            <p:ph idx="11" sz="quarter" type="ftr"/>
+          </p:nvPr>
+        </p:nvSpPr>
+        <p:spPr/>
+        <p:txBody>
+          <a:bodyPr/>
+          <a:lstStyle/>
+          <a:p>
+            <a:r>
+              <a:rPr lang="en-US"/>
+              <a:t>Or Peretz</a:t>
+            </a:r>
+          </a:p>
+        </p:txBody>
+      </p:sp>
+      <p:sp>
+        <p:nvSpPr>
+          <p:cNvPr id="6" name="Slide Number Placeholder 5"/>
+          <p:cNvSpPr>
+            <a:spLocks noGrp="1"/>
+          </p:cNvSpPr>
+          <p:nvPr>
+            <p:ph idx="12" sz="quarter" type="sldNum"/>
+          </p:nvPr>
+        </p:nvSpPr>
+        <p:spPr/>
+        <p:txBody>
+          <a:bodyPr/>
+          <a:lstStyle/>
+          <a:p>
+            <a:fld id="{C1FF6DA9-008F-8B48-92A6-B652298478BF}" type="slidenum">
+              <a:rPr lang="en-US" smtClean="0"/>
+              <a:t>‹#›</a:t>
+            </a:fld>
+            <a:endParaRPr lang="en-US"/>
           </a:p>
         </p:txBody>
       </p:sp>
@@ -9068,6 +11800,51 @@
           </a:p>
         </p:txBody>
       </p:sp>
+      <p:sp>
+        <p:nvSpPr>
+          <p:cNvPr id="5" name="Footer Placeholder 4"/>
+          <p:cNvSpPr>
+            <a:spLocks noGrp="1"/>
+          </p:cNvSpPr>
+          <p:nvPr>
+            <p:ph idx="11" sz="quarter" type="ftr"/>
+          </p:nvPr>
+        </p:nvSpPr>
+        <p:spPr/>
+        <p:txBody>
+          <a:bodyPr/>
+          <a:lstStyle/>
+          <a:p>
+            <a:r>
+              <a:rPr lang="en-US"/>
+              <a:t>Or Peretz</a:t>
+            </a:r>
+          </a:p>
+        </p:txBody>
+      </p:sp>
+      <p:sp>
+        <p:nvSpPr>
+          <p:cNvPr id="6" name="Slide Number Placeholder 5"/>
+          <p:cNvSpPr>
+            <a:spLocks noGrp="1"/>
+          </p:cNvSpPr>
+          <p:nvPr>
+            <p:ph idx="12" sz="quarter" type="sldNum"/>
+          </p:nvPr>
+        </p:nvSpPr>
+        <p:spPr/>
+        <p:txBody>
+          <a:bodyPr/>
+          <a:lstStyle/>
+          <a:p>
+            <a:fld id="{C1FF6DA9-008F-8B48-92A6-B652298478BF}" type="slidenum">
+              <a:rPr lang="en-US" smtClean="0"/>
+              <a:t>‹#›</a:t>
+            </a:fld>
+            <a:endParaRPr lang="en-US"/>
+          </a:p>
+        </p:txBody>
+      </p:sp>
     </p:spTree>
   </p:cSld>
 </p:sld>
@@ -9110,7 +11887,7 @@
             </a:pPr>
             <a:r>
               <a:rPr/>
-              <a:t>Running Example — Step-by-Step (3/4): Aggregation</a:t>
+              <a:t>Running Example — Step-by-Step: Aggregation</a:t>
             </a:r>
           </a:p>
         </p:txBody>
@@ -9156,6 +11933,51 @@
               <a:rPr/>
               <a:t>Output: 50K products × 1 day = 50K rows</a:t>
             </a:r>
+          </a:p>
+        </p:txBody>
+      </p:sp>
+      <p:sp>
+        <p:nvSpPr>
+          <p:cNvPr id="5" name="Footer Placeholder 4"/>
+          <p:cNvSpPr>
+            <a:spLocks noGrp="1"/>
+          </p:cNvSpPr>
+          <p:nvPr>
+            <p:ph idx="11" sz="quarter" type="ftr"/>
+          </p:nvPr>
+        </p:nvSpPr>
+        <p:spPr/>
+        <p:txBody>
+          <a:bodyPr/>
+          <a:lstStyle/>
+          <a:p>
+            <a:r>
+              <a:rPr lang="en-US"/>
+              <a:t>Or Peretz</a:t>
+            </a:r>
+          </a:p>
+        </p:txBody>
+      </p:sp>
+      <p:sp>
+        <p:nvSpPr>
+          <p:cNvPr id="6" name="Slide Number Placeholder 5"/>
+          <p:cNvSpPr>
+            <a:spLocks noGrp="1"/>
+          </p:cNvSpPr>
+          <p:nvPr>
+            <p:ph idx="12" sz="quarter" type="sldNum"/>
+          </p:nvPr>
+        </p:nvSpPr>
+        <p:spPr/>
+        <p:txBody>
+          <a:bodyPr/>
+          <a:lstStyle/>
+          <a:p>
+            <a:fld id="{C1FF6DA9-008F-8B48-92A6-B652298478BF}" type="slidenum">
+              <a:rPr lang="en-US" smtClean="0"/>
+              <a:t>‹#›</a:t>
+            </a:fld>
+            <a:endParaRPr lang="en-US"/>
           </a:p>
         </p:txBody>
       </p:sp>
@@ -9236,6 +12058,51 @@
           </a:p>
         </p:txBody>
       </p:sp>
+      <p:sp>
+        <p:nvSpPr>
+          <p:cNvPr id="5" name="Footer Placeholder 4"/>
+          <p:cNvSpPr>
+            <a:spLocks noGrp="1"/>
+          </p:cNvSpPr>
+          <p:nvPr>
+            <p:ph idx="11" sz="quarter" type="ftr"/>
+          </p:nvPr>
+        </p:nvSpPr>
+        <p:spPr/>
+        <p:txBody>
+          <a:bodyPr/>
+          <a:lstStyle/>
+          <a:p>
+            <a:r>
+              <a:rPr lang="en-US"/>
+              <a:t>Or Peretz</a:t>
+            </a:r>
+          </a:p>
+        </p:txBody>
+      </p:sp>
+      <p:sp>
+        <p:nvSpPr>
+          <p:cNvPr id="6" name="Slide Number Placeholder 5"/>
+          <p:cNvSpPr>
+            <a:spLocks noGrp="1"/>
+          </p:cNvSpPr>
+          <p:nvPr>
+            <p:ph idx="12" sz="quarter" type="sldNum"/>
+          </p:nvPr>
+        </p:nvSpPr>
+        <p:spPr/>
+        <p:txBody>
+          <a:bodyPr/>
+          <a:lstStyle/>
+          <a:p>
+            <a:fld id="{C1FF6DA9-008F-8B48-92A6-B652298478BF}" type="slidenum">
+              <a:rPr lang="en-US" smtClean="0"/>
+              <a:t>‹#›</a:t>
+            </a:fld>
+            <a:endParaRPr lang="en-US"/>
+          </a:p>
+        </p:txBody>
+      </p:sp>
     </p:spTree>
   </p:cSld>
 </p:sld>
@@ -9278,7 +12145,7 @@
             </a:pPr>
             <a:r>
               <a:rPr/>
-              <a:t>Running Example — Step-by-Step (4/4): Load to Analytics</a:t>
+              <a:t>Running Example — Step-by-Step: Load to Analytics</a:t>
             </a:r>
           </a:p>
         </p:txBody>
@@ -9324,6 +12191,51 @@
               <a:rPr/>
               <a:t>Size: 50K rows × 100 bytes = 5 MB</a:t>
             </a:r>
+          </a:p>
+        </p:txBody>
+      </p:sp>
+      <p:sp>
+        <p:nvSpPr>
+          <p:cNvPr id="5" name="Footer Placeholder 4"/>
+          <p:cNvSpPr>
+            <a:spLocks noGrp="1"/>
+          </p:cNvSpPr>
+          <p:nvPr>
+            <p:ph idx="11" sz="quarter" type="ftr"/>
+          </p:nvPr>
+        </p:nvSpPr>
+        <p:spPr/>
+        <p:txBody>
+          <a:bodyPr/>
+          <a:lstStyle/>
+          <a:p>
+            <a:r>
+              <a:rPr lang="en-US"/>
+              <a:t>Or Peretz</a:t>
+            </a:r>
+          </a:p>
+        </p:txBody>
+      </p:sp>
+      <p:sp>
+        <p:nvSpPr>
+          <p:cNvPr id="6" name="Slide Number Placeholder 5"/>
+          <p:cNvSpPr>
+            <a:spLocks noGrp="1"/>
+          </p:cNvSpPr>
+          <p:nvPr>
+            <p:ph idx="12" sz="quarter" type="sldNum"/>
+          </p:nvPr>
+        </p:nvSpPr>
+        <p:spPr/>
+        <p:txBody>
+          <a:bodyPr/>
+          <a:lstStyle/>
+          <a:p>
+            <a:fld id="{C1FF6DA9-008F-8B48-92A6-B652298478BF}" type="slidenum">
+              <a:rPr lang="en-US" smtClean="0"/>
+              <a:t>‹#›</a:t>
+            </a:fld>
+            <a:endParaRPr lang="en-US"/>
           </a:p>
         </p:txBody>
       </p:sp>
@@ -9425,6 +12337,51 @@
           </a:p>
         </p:txBody>
       </p:sp>
+      <p:sp>
+        <p:nvSpPr>
+          <p:cNvPr id="5" name="Footer Placeholder 4"/>
+          <p:cNvSpPr>
+            <a:spLocks noGrp="1"/>
+          </p:cNvSpPr>
+          <p:nvPr>
+            <p:ph idx="11" sz="quarter" type="ftr"/>
+          </p:nvPr>
+        </p:nvSpPr>
+        <p:spPr/>
+        <p:txBody>
+          <a:bodyPr/>
+          <a:lstStyle/>
+          <a:p>
+            <a:r>
+              <a:rPr lang="en-US"/>
+              <a:t>Or Peretz</a:t>
+            </a:r>
+          </a:p>
+        </p:txBody>
+      </p:sp>
+      <p:sp>
+        <p:nvSpPr>
+          <p:cNvPr id="6" name="Slide Number Placeholder 5"/>
+          <p:cNvSpPr>
+            <a:spLocks noGrp="1"/>
+          </p:cNvSpPr>
+          <p:nvPr>
+            <p:ph idx="12" sz="quarter" type="sldNum"/>
+          </p:nvPr>
+        </p:nvSpPr>
+        <p:spPr/>
+        <p:txBody>
+          <a:bodyPr/>
+          <a:lstStyle/>
+          <a:p>
+            <a:fld id="{C1FF6DA9-008F-8B48-92A6-B652298478BF}" type="slidenum">
+              <a:rPr lang="en-US" smtClean="0"/>
+              <a:t>‹#›</a:t>
+            </a:fld>
+            <a:endParaRPr lang="en-US"/>
+          </a:p>
+        </p:txBody>
+      </p:sp>
     </p:spTree>
   </p:cSld>
 </p:sld>
@@ -9467,7 +12424,7 @@
             </a:pPr>
             <a:r>
               <a:rPr/>
-              <a:t>Cost &amp; Scaling Analysis (1/3): Time Model</a:t>
+              <a:t>Cost &amp; Scaling Analysis: Time Model</a:t>
             </a:r>
           </a:p>
         </p:txBody>
@@ -9520,6 +12477,51 @@
               <a:rPr/>
               <a:t>Total: 45 minutes</a:t>
             </a:r>
+          </a:p>
+        </p:txBody>
+      </p:sp>
+      <p:sp>
+        <p:nvSpPr>
+          <p:cNvPr id="5" name="Footer Placeholder 4"/>
+          <p:cNvSpPr>
+            <a:spLocks noGrp="1"/>
+          </p:cNvSpPr>
+          <p:nvPr>
+            <p:ph idx="11" sz="quarter" type="ftr"/>
+          </p:nvPr>
+        </p:nvSpPr>
+        <p:spPr/>
+        <p:txBody>
+          <a:bodyPr/>
+          <a:lstStyle/>
+          <a:p>
+            <a:r>
+              <a:rPr lang="en-US"/>
+              <a:t>Or Peretz</a:t>
+            </a:r>
+          </a:p>
+        </p:txBody>
+      </p:sp>
+      <p:sp>
+        <p:nvSpPr>
+          <p:cNvPr id="6" name="Slide Number Placeholder 5"/>
+          <p:cNvSpPr>
+            <a:spLocks noGrp="1"/>
+          </p:cNvSpPr>
+          <p:nvPr>
+            <p:ph idx="12" sz="quarter" type="sldNum"/>
+          </p:nvPr>
+        </p:nvSpPr>
+        <p:spPr/>
+        <p:txBody>
+          <a:bodyPr/>
+          <a:lstStyle/>
+          <a:p>
+            <a:fld id="{C1FF6DA9-008F-8B48-92A6-B652298478BF}" type="slidenum">
+              <a:rPr lang="en-US" smtClean="0"/>
+              <a:t>‹#›</a:t>
+            </a:fld>
+            <a:endParaRPr lang="en-US"/>
           </a:p>
         </p:txBody>
       </p:sp>
@@ -9614,6 +12616,51 @@
           </a:p>
         </p:txBody>
       </p:sp>
+      <p:sp>
+        <p:nvSpPr>
+          <p:cNvPr id="5" name="Footer Placeholder 4"/>
+          <p:cNvSpPr>
+            <a:spLocks noGrp="1"/>
+          </p:cNvSpPr>
+          <p:nvPr>
+            <p:ph idx="11" sz="quarter" type="ftr"/>
+          </p:nvPr>
+        </p:nvSpPr>
+        <p:spPr/>
+        <p:txBody>
+          <a:bodyPr/>
+          <a:lstStyle/>
+          <a:p>
+            <a:r>
+              <a:rPr lang="en-US"/>
+              <a:t>Or Peretz</a:t>
+            </a:r>
+          </a:p>
+        </p:txBody>
+      </p:sp>
+      <p:sp>
+        <p:nvSpPr>
+          <p:cNvPr id="6" name="Slide Number Placeholder 5"/>
+          <p:cNvSpPr>
+            <a:spLocks noGrp="1"/>
+          </p:cNvSpPr>
+          <p:nvPr>
+            <p:ph idx="12" sz="quarter" type="sldNum"/>
+          </p:nvPr>
+        </p:nvSpPr>
+        <p:spPr/>
+        <p:txBody>
+          <a:bodyPr/>
+          <a:lstStyle/>
+          <a:p>
+            <a:fld id="{C1FF6DA9-008F-8B48-92A6-B652298478BF}" type="slidenum">
+              <a:rPr lang="en-US" smtClean="0"/>
+              <a:t>‹#›</a:t>
+            </a:fld>
+            <a:endParaRPr lang="en-US"/>
+          </a:p>
+        </p:txBody>
+      </p:sp>
     </p:spTree>
   </p:cSld>
 </p:sld>
@@ -9687,6 +12734,51 @@
 T_parallel = T_sequential / N_workers
 Bottleneck: max(T_ingest, T_transform, T_aggregate, T_load)</a:t>
             </a:r>
+          </a:p>
+        </p:txBody>
+      </p:sp>
+      <p:sp>
+        <p:nvSpPr>
+          <p:cNvPr id="5" name="Footer Placeholder 4"/>
+          <p:cNvSpPr>
+            <a:spLocks noGrp="1"/>
+          </p:cNvSpPr>
+          <p:nvPr>
+            <p:ph idx="11" sz="quarter" type="ftr"/>
+          </p:nvPr>
+        </p:nvSpPr>
+        <p:spPr/>
+        <p:txBody>
+          <a:bodyPr/>
+          <a:lstStyle/>
+          <a:p>
+            <a:r>
+              <a:rPr lang="en-US"/>
+              <a:t>Or Peretz</a:t>
+            </a:r>
+          </a:p>
+        </p:txBody>
+      </p:sp>
+      <p:sp>
+        <p:nvSpPr>
+          <p:cNvPr id="6" name="Slide Number Placeholder 5"/>
+          <p:cNvSpPr>
+            <a:spLocks noGrp="1"/>
+          </p:cNvSpPr>
+          <p:nvPr>
+            <p:ph idx="12" sz="quarter" type="sldNum"/>
+          </p:nvPr>
+        </p:nvSpPr>
+        <p:spPr/>
+        <p:txBody>
+          <a:bodyPr/>
+          <a:lstStyle/>
+          <a:p>
+            <a:fld id="{C1FF6DA9-008F-8B48-92A6-B652298478BF}" type="slidenum">
+              <a:rPr lang="en-US" smtClean="0"/>
+              <a:t>‹#›</a:t>
+            </a:fld>
+            <a:endParaRPr lang="en-US"/>
           </a:p>
         </p:txBody>
       </p:sp>
@@ -9848,6 +12940,51 @@
           </p:sp>
         </mc:Choice>
       </mc:AlternateContent>
+      <p:sp>
+        <p:nvSpPr>
+          <p:cNvPr id="5" name="Footer Placeholder 4"/>
+          <p:cNvSpPr>
+            <a:spLocks noGrp="1"/>
+          </p:cNvSpPr>
+          <p:nvPr>
+            <p:ph idx="11" sz="quarter" type="ftr"/>
+          </p:nvPr>
+        </p:nvSpPr>
+        <p:spPr/>
+        <p:txBody>
+          <a:bodyPr/>
+          <a:lstStyle/>
+          <a:p>
+            <a:r>
+              <a:rPr lang="en-US"/>
+              <a:t>Or Peretz</a:t>
+            </a:r>
+          </a:p>
+        </p:txBody>
+      </p:sp>
+      <p:sp>
+        <p:nvSpPr>
+          <p:cNvPr id="6" name="Slide Number Placeholder 5"/>
+          <p:cNvSpPr>
+            <a:spLocks noGrp="1"/>
+          </p:cNvSpPr>
+          <p:nvPr>
+            <p:ph idx="12" sz="quarter" type="sldNum"/>
+          </p:nvPr>
+        </p:nvSpPr>
+        <p:spPr/>
+        <p:txBody>
+          <a:bodyPr/>
+          <a:lstStyle/>
+          <a:p>
+            <a:fld id="{C1FF6DA9-008F-8B48-92A6-B652298478BF}" type="slidenum">
+              <a:rPr lang="en-US" smtClean="0"/>
+              <a:t>‹#›</a:t>
+            </a:fld>
+            <a:endParaRPr lang="en-US"/>
+          </a:p>
+        </p:txBody>
+      </p:sp>
     </p:spTree>
   </p:cSld>
 </p:sld>
@@ -9890,7 +13027,7 @@
             </a:pPr>
             <a:r>
               <a:rPr/>
-              <a:t>Cost &amp; Scaling Analysis (2/3): Memory Model</a:t>
+              <a:t>Cost &amp; Scaling Analysis: Memory Model</a:t>
             </a:r>
           </a:p>
         </p:txBody>
@@ -9936,6 +13073,51 @@
               <a:rPr/>
               <a:t>Peak memory: 5 GB (during ingestion)</a:t>
             </a:r>
+          </a:p>
+        </p:txBody>
+      </p:sp>
+      <p:sp>
+        <p:nvSpPr>
+          <p:cNvPr id="5" name="Footer Placeholder 4"/>
+          <p:cNvSpPr>
+            <a:spLocks noGrp="1"/>
+          </p:cNvSpPr>
+          <p:nvPr>
+            <p:ph idx="11" sz="quarter" type="ftr"/>
+          </p:nvPr>
+        </p:nvSpPr>
+        <p:spPr/>
+        <p:txBody>
+          <a:bodyPr/>
+          <a:lstStyle/>
+          <a:p>
+            <a:r>
+              <a:rPr lang="en-US"/>
+              <a:t>Or Peretz</a:t>
+            </a:r>
+          </a:p>
+        </p:txBody>
+      </p:sp>
+      <p:sp>
+        <p:nvSpPr>
+          <p:cNvPr id="6" name="Slide Number Placeholder 5"/>
+          <p:cNvSpPr>
+            <a:spLocks noGrp="1"/>
+          </p:cNvSpPr>
+          <p:nvPr>
+            <p:ph idx="12" sz="quarter" type="sldNum"/>
+          </p:nvPr>
+        </p:nvSpPr>
+        <p:spPr/>
+        <p:txBody>
+          <a:bodyPr/>
+          <a:lstStyle/>
+          <a:p>
+            <a:fld id="{C1FF6DA9-008F-8B48-92A6-B652298478BF}" type="slidenum">
+              <a:rPr lang="en-US" smtClean="0"/>
+              <a:t>‹#›</a:t>
+            </a:fld>
+            <a:endParaRPr lang="en-US"/>
           </a:p>
         </p:txBody>
       </p:sp>
@@ -10030,6 +13212,51 @@
           </a:p>
         </p:txBody>
       </p:sp>
+      <p:sp>
+        <p:nvSpPr>
+          <p:cNvPr id="5" name="Footer Placeholder 4"/>
+          <p:cNvSpPr>
+            <a:spLocks noGrp="1"/>
+          </p:cNvSpPr>
+          <p:nvPr>
+            <p:ph idx="11" sz="quarter" type="ftr"/>
+          </p:nvPr>
+        </p:nvSpPr>
+        <p:spPr/>
+        <p:txBody>
+          <a:bodyPr/>
+          <a:lstStyle/>
+          <a:p>
+            <a:r>
+              <a:rPr lang="en-US"/>
+              <a:t>Or Peretz</a:t>
+            </a:r>
+          </a:p>
+        </p:txBody>
+      </p:sp>
+      <p:sp>
+        <p:nvSpPr>
+          <p:cNvPr id="6" name="Slide Number Placeholder 5"/>
+          <p:cNvSpPr>
+            <a:spLocks noGrp="1"/>
+          </p:cNvSpPr>
+          <p:nvPr>
+            <p:ph idx="12" sz="quarter" type="sldNum"/>
+          </p:nvPr>
+        </p:nvSpPr>
+        <p:spPr/>
+        <p:txBody>
+          <a:bodyPr/>
+          <a:lstStyle/>
+          <a:p>
+            <a:fld id="{C1FF6DA9-008F-8B48-92A6-B652298478BF}" type="slidenum">
+              <a:rPr lang="en-US" smtClean="0"/>
+              <a:t>‹#›</a:t>
+            </a:fld>
+            <a:endParaRPr lang="en-US"/>
+          </a:p>
+        </p:txBody>
+      </p:sp>
     </p:spTree>
   </p:cSld>
 </p:sld>
@@ -10121,6 +13348,51 @@
           </a:p>
         </p:txBody>
       </p:sp>
+      <p:sp>
+        <p:nvSpPr>
+          <p:cNvPr id="5" name="Footer Placeholder 4"/>
+          <p:cNvSpPr>
+            <a:spLocks noGrp="1"/>
+          </p:cNvSpPr>
+          <p:nvPr>
+            <p:ph idx="11" sz="quarter" type="ftr"/>
+          </p:nvPr>
+        </p:nvSpPr>
+        <p:spPr/>
+        <p:txBody>
+          <a:bodyPr/>
+          <a:lstStyle/>
+          <a:p>
+            <a:r>
+              <a:rPr lang="en-US"/>
+              <a:t>Or Peretz</a:t>
+            </a:r>
+          </a:p>
+        </p:txBody>
+      </p:sp>
+      <p:sp>
+        <p:nvSpPr>
+          <p:cNvPr id="6" name="Slide Number Placeholder 5"/>
+          <p:cNvSpPr>
+            <a:spLocks noGrp="1"/>
+          </p:cNvSpPr>
+          <p:nvPr>
+            <p:ph idx="12" sz="quarter" type="sldNum"/>
+          </p:nvPr>
+        </p:nvSpPr>
+        <p:spPr/>
+        <p:txBody>
+          <a:bodyPr/>
+          <a:lstStyle/>
+          <a:p>
+            <a:fld id="{C1FF6DA9-008F-8B48-92A6-B652298478BF}" type="slidenum">
+              <a:rPr lang="en-US" smtClean="0"/>
+              <a:t>‹#›</a:t>
+            </a:fld>
+            <a:endParaRPr lang="en-US"/>
+          </a:p>
+        </p:txBody>
+      </p:sp>
     </p:spTree>
   </p:cSld>
 </p:sld>
@@ -10163,7 +13435,7 @@
             </a:pPr>
             <a:r>
               <a:rPr/>
-              <a:t>Cost &amp; Scaling Analysis (3/3): Network Model</a:t>
+              <a:t>Cost &amp; Scaling Analysis: Network Model</a:t>
             </a:r>
           </a:p>
         </p:txBody>
@@ -10209,6 +13481,51 @@
               <a:rPr/>
               <a:t>Total: 5.005 GB transferred</a:t>
             </a:r>
+          </a:p>
+        </p:txBody>
+      </p:sp>
+      <p:sp>
+        <p:nvSpPr>
+          <p:cNvPr id="5" name="Footer Placeholder 4"/>
+          <p:cNvSpPr>
+            <a:spLocks noGrp="1"/>
+          </p:cNvSpPr>
+          <p:nvPr>
+            <p:ph idx="11" sz="quarter" type="ftr"/>
+          </p:nvPr>
+        </p:nvSpPr>
+        <p:spPr/>
+        <p:txBody>
+          <a:bodyPr/>
+          <a:lstStyle/>
+          <a:p>
+            <a:r>
+              <a:rPr lang="en-US"/>
+              <a:t>Or Peretz</a:t>
+            </a:r>
+          </a:p>
+        </p:txBody>
+      </p:sp>
+      <p:sp>
+        <p:nvSpPr>
+          <p:cNvPr id="6" name="Slide Number Placeholder 5"/>
+          <p:cNvSpPr>
+            <a:spLocks noGrp="1"/>
+          </p:cNvSpPr>
+          <p:nvPr>
+            <p:ph idx="12" sz="quarter" type="sldNum"/>
+          </p:nvPr>
+        </p:nvSpPr>
+        <p:spPr/>
+        <p:txBody>
+          <a:bodyPr/>
+          <a:lstStyle/>
+          <a:p>
+            <a:fld id="{C1FF6DA9-008F-8B48-92A6-B652298478BF}" type="slidenum">
+              <a:rPr lang="en-US" smtClean="0"/>
+              <a:t>‹#›</a:t>
+            </a:fld>
+            <a:endParaRPr lang="en-US"/>
           </a:p>
         </p:txBody>
       </p:sp>
@@ -10303,6 +13620,51 @@
           </a:p>
         </p:txBody>
       </p:sp>
+      <p:sp>
+        <p:nvSpPr>
+          <p:cNvPr id="5" name="Footer Placeholder 4"/>
+          <p:cNvSpPr>
+            <a:spLocks noGrp="1"/>
+          </p:cNvSpPr>
+          <p:nvPr>
+            <p:ph idx="11" sz="quarter" type="ftr"/>
+          </p:nvPr>
+        </p:nvSpPr>
+        <p:spPr/>
+        <p:txBody>
+          <a:bodyPr/>
+          <a:lstStyle/>
+          <a:p>
+            <a:r>
+              <a:rPr lang="en-US"/>
+              <a:t>Or Peretz</a:t>
+            </a:r>
+          </a:p>
+        </p:txBody>
+      </p:sp>
+      <p:sp>
+        <p:nvSpPr>
+          <p:cNvPr id="6" name="Slide Number Placeholder 5"/>
+          <p:cNvSpPr>
+            <a:spLocks noGrp="1"/>
+          </p:cNvSpPr>
+          <p:nvPr>
+            <p:ph idx="12" sz="quarter" type="sldNum"/>
+          </p:nvPr>
+        </p:nvSpPr>
+        <p:spPr/>
+        <p:txBody>
+          <a:bodyPr/>
+          <a:lstStyle/>
+          <a:p>
+            <a:fld id="{C1FF6DA9-008F-8B48-92A6-B652298478BF}" type="slidenum">
+              <a:rPr lang="en-US" smtClean="0"/>
+              <a:t>‹#›</a:t>
+            </a:fld>
+            <a:endParaRPr lang="en-US"/>
+          </a:p>
+        </p:txBody>
+      </p:sp>
     </p:spTree>
   </p:cSld>
 </p:sld>
@@ -10394,6 +13756,51 @@
           </a:p>
         </p:txBody>
       </p:sp>
+      <p:sp>
+        <p:nvSpPr>
+          <p:cNvPr id="5" name="Footer Placeholder 4"/>
+          <p:cNvSpPr>
+            <a:spLocks noGrp="1"/>
+          </p:cNvSpPr>
+          <p:nvPr>
+            <p:ph idx="11" sz="quarter" type="ftr"/>
+          </p:nvPr>
+        </p:nvSpPr>
+        <p:spPr/>
+        <p:txBody>
+          <a:bodyPr/>
+          <a:lstStyle/>
+          <a:p>
+            <a:r>
+              <a:rPr lang="en-US"/>
+              <a:t>Or Peretz</a:t>
+            </a:r>
+          </a:p>
+        </p:txBody>
+      </p:sp>
+      <p:sp>
+        <p:nvSpPr>
+          <p:cNvPr id="6" name="Slide Number Placeholder 5"/>
+          <p:cNvSpPr>
+            <a:spLocks noGrp="1"/>
+          </p:cNvSpPr>
+          <p:nvPr>
+            <p:ph idx="12" sz="quarter" type="sldNum"/>
+          </p:nvPr>
+        </p:nvSpPr>
+        <p:spPr/>
+        <p:txBody>
+          <a:bodyPr/>
+          <a:lstStyle/>
+          <a:p>
+            <a:fld id="{C1FF6DA9-008F-8B48-92A6-B652298478BF}" type="slidenum">
+              <a:rPr lang="en-US" smtClean="0"/>
+              <a:t>‹#›</a:t>
+            </a:fld>
+            <a:endParaRPr lang="en-US"/>
+          </a:p>
+        </p:txBody>
+      </p:sp>
     </p:spTree>
   </p:cSld>
 </p:sld>
@@ -10436,7 +13843,7 @@
             </a:pPr>
             <a:r>
               <a:rPr/>
-              <a:t>Pitfalls &amp; Failure Modes (1/3): Missing Data</a:t>
+              <a:t>Pitfalls &amp; Failure Modes: Missing Data</a:t>
             </a:r>
           </a:p>
         </p:txBody>
@@ -10482,6 +13889,51 @@
               <a:rPr/>
               <a:t>Mitigation: use session_id as fallback</a:t>
             </a:r>
+          </a:p>
+        </p:txBody>
+      </p:sp>
+      <p:sp>
+        <p:nvSpPr>
+          <p:cNvPr id="5" name="Footer Placeholder 4"/>
+          <p:cNvSpPr>
+            <a:spLocks noGrp="1"/>
+          </p:cNvSpPr>
+          <p:nvPr>
+            <p:ph idx="11" sz="quarter" type="ftr"/>
+          </p:nvPr>
+        </p:nvSpPr>
+        <p:spPr/>
+        <p:txBody>
+          <a:bodyPr/>
+          <a:lstStyle/>
+          <a:p>
+            <a:r>
+              <a:rPr lang="en-US"/>
+              <a:t>Or Peretz</a:t>
+            </a:r>
+          </a:p>
+        </p:txBody>
+      </p:sp>
+      <p:sp>
+        <p:nvSpPr>
+          <p:cNvPr id="6" name="Slide Number Placeholder 5"/>
+          <p:cNvSpPr>
+            <a:spLocks noGrp="1"/>
+          </p:cNvSpPr>
+          <p:nvPr>
+            <p:ph idx="12" sz="quarter" type="sldNum"/>
+          </p:nvPr>
+        </p:nvSpPr>
+        <p:spPr/>
+        <p:txBody>
+          <a:bodyPr/>
+          <a:lstStyle/>
+          <a:p>
+            <a:fld id="{C1FF6DA9-008F-8B48-92A6-B652298478BF}" type="slidenum">
+              <a:rPr lang="en-US" smtClean="0"/>
+              <a:t>‹#›</a:t>
+            </a:fld>
+            <a:endParaRPr lang="en-US"/>
           </a:p>
         </p:txBody>
       </p:sp>
@@ -10576,6 +14028,51 @@
           </a:p>
         </p:txBody>
       </p:sp>
+      <p:sp>
+        <p:nvSpPr>
+          <p:cNvPr id="5" name="Footer Placeholder 4"/>
+          <p:cNvSpPr>
+            <a:spLocks noGrp="1"/>
+          </p:cNvSpPr>
+          <p:nvPr>
+            <p:ph idx="11" sz="quarter" type="ftr"/>
+          </p:nvPr>
+        </p:nvSpPr>
+        <p:spPr/>
+        <p:txBody>
+          <a:bodyPr/>
+          <a:lstStyle/>
+          <a:p>
+            <a:r>
+              <a:rPr lang="en-US"/>
+              <a:t>Or Peretz</a:t>
+            </a:r>
+          </a:p>
+        </p:txBody>
+      </p:sp>
+      <p:sp>
+        <p:nvSpPr>
+          <p:cNvPr id="6" name="Slide Number Placeholder 5"/>
+          <p:cNvSpPr>
+            <a:spLocks noGrp="1"/>
+          </p:cNvSpPr>
+          <p:nvPr>
+            <p:ph idx="12" sz="quarter" type="sldNum"/>
+          </p:nvPr>
+        </p:nvSpPr>
+        <p:spPr/>
+        <p:txBody>
+          <a:bodyPr/>
+          <a:lstStyle/>
+          <a:p>
+            <a:fld id="{C1FF6DA9-008F-8B48-92A6-B652298478BF}" type="slidenum">
+              <a:rPr lang="en-US" smtClean="0"/>
+              <a:t>‹#›</a:t>
+            </a:fld>
+            <a:endParaRPr lang="en-US"/>
+          </a:p>
+        </p:txBody>
+      </p:sp>
     </p:spTree>
   </p:cSld>
 </p:sld>
@@ -10667,6 +14164,51 @@
           </a:p>
         </p:txBody>
       </p:sp>
+      <p:sp>
+        <p:nvSpPr>
+          <p:cNvPr id="5" name="Footer Placeholder 4"/>
+          <p:cNvSpPr>
+            <a:spLocks noGrp="1"/>
+          </p:cNvSpPr>
+          <p:nvPr>
+            <p:ph idx="11" sz="quarter" type="ftr"/>
+          </p:nvPr>
+        </p:nvSpPr>
+        <p:spPr/>
+        <p:txBody>
+          <a:bodyPr/>
+          <a:lstStyle/>
+          <a:p>
+            <a:r>
+              <a:rPr lang="en-US"/>
+              <a:t>Or Peretz</a:t>
+            </a:r>
+          </a:p>
+        </p:txBody>
+      </p:sp>
+      <p:sp>
+        <p:nvSpPr>
+          <p:cNvPr id="6" name="Slide Number Placeholder 5"/>
+          <p:cNvSpPr>
+            <a:spLocks noGrp="1"/>
+          </p:cNvSpPr>
+          <p:nvPr>
+            <p:ph idx="12" sz="quarter" type="sldNum"/>
+          </p:nvPr>
+        </p:nvSpPr>
+        <p:spPr/>
+        <p:txBody>
+          <a:bodyPr/>
+          <a:lstStyle/>
+          <a:p>
+            <a:fld id="{C1FF6DA9-008F-8B48-92A6-B652298478BF}" type="slidenum">
+              <a:rPr lang="en-US" smtClean="0"/>
+              <a:t>‹#›</a:t>
+            </a:fld>
+            <a:endParaRPr lang="en-US"/>
+          </a:p>
+        </p:txBody>
+      </p:sp>
     </p:spTree>
   </p:cSld>
 </p:sld>
@@ -10709,7 +14251,7 @@
             </a:pPr>
             <a:r>
               <a:rPr/>
-              <a:t>Pitfalls &amp; Failure Modes (2/3): Pipeline Failure Scenario</a:t>
+              <a:t>Pitfalls &amp; Failure Modes: Pipeline Failure Scenario</a:t>
             </a:r>
           </a:p>
         </p:txBody>
@@ -10762,6 +14304,51 @@
               <a:rPr/>
               <a:t>Result: partial data, inconsistent state</a:t>
             </a:r>
+          </a:p>
+        </p:txBody>
+      </p:sp>
+      <p:sp>
+        <p:nvSpPr>
+          <p:cNvPr id="5" name="Footer Placeholder 4"/>
+          <p:cNvSpPr>
+            <a:spLocks noGrp="1"/>
+          </p:cNvSpPr>
+          <p:nvPr>
+            <p:ph idx="11" sz="quarter" type="ftr"/>
+          </p:nvPr>
+        </p:nvSpPr>
+        <p:spPr/>
+        <p:txBody>
+          <a:bodyPr/>
+          <a:lstStyle/>
+          <a:p>
+            <a:r>
+              <a:rPr lang="en-US"/>
+              <a:t>Or Peretz</a:t>
+            </a:r>
+          </a:p>
+        </p:txBody>
+      </p:sp>
+      <p:sp>
+        <p:nvSpPr>
+          <p:cNvPr id="6" name="Slide Number Placeholder 5"/>
+          <p:cNvSpPr>
+            <a:spLocks noGrp="1"/>
+          </p:cNvSpPr>
+          <p:nvPr>
+            <p:ph idx="12" sz="quarter" type="sldNum"/>
+          </p:nvPr>
+        </p:nvSpPr>
+        <p:spPr/>
+        <p:txBody>
+          <a:bodyPr/>
+          <a:lstStyle/>
+          <a:p>
+            <a:fld id="{C1FF6DA9-008F-8B48-92A6-B652298478BF}" type="slidenum">
+              <a:rPr lang="en-US" smtClean="0"/>
+              <a:t>‹#›</a:t>
+            </a:fld>
+            <a:endParaRPr lang="en-US"/>
           </a:p>
         </p:txBody>
       </p:sp>
@@ -10828,8 +14415,8 @@
         </p:blipFill>
         <p:spPr bwMode="auto">
           <a:xfrm>
-            <a:off x="3340100" y="1600200"/>
-            <a:ext cx="5511800" cy="4521200"/>
+            <a:off x="609600" y="3086100"/>
+            <a:ext cx="10972800" cy="1536700"/>
           </a:xfrm>
           <a:prstGeom prst="rect">
             <a:avLst/>
@@ -10842,6 +14429,51 @@
           </a:ln>
         </p:spPr>
       </p:pic>
+      <p:sp>
+        <p:nvSpPr>
+          <p:cNvPr id="5" name="Footer Placeholder 4"/>
+          <p:cNvSpPr>
+            <a:spLocks noGrp="1"/>
+          </p:cNvSpPr>
+          <p:nvPr>
+            <p:ph idx="11" sz="quarter" type="ftr"/>
+          </p:nvPr>
+        </p:nvSpPr>
+        <p:spPr/>
+        <p:txBody>
+          <a:bodyPr/>
+          <a:lstStyle/>
+          <a:p>
+            <a:r>
+              <a:rPr lang="en-US"/>
+              <a:t>Or Peretz</a:t>
+            </a:r>
+          </a:p>
+        </p:txBody>
+      </p:sp>
+      <p:sp>
+        <p:nvSpPr>
+          <p:cNvPr id="6" name="Slide Number Placeholder 5"/>
+          <p:cNvSpPr>
+            <a:spLocks noGrp="1"/>
+          </p:cNvSpPr>
+          <p:nvPr>
+            <p:ph idx="12" sz="quarter" type="sldNum"/>
+          </p:nvPr>
+        </p:nvSpPr>
+        <p:spPr/>
+        <p:txBody>
+          <a:bodyPr/>
+          <a:lstStyle/>
+          <a:p>
+            <a:fld id="{C1FF6DA9-008F-8B48-92A6-B652298478BF}" type="slidenum">
+              <a:rPr lang="en-US" smtClean="0"/>
+              <a:t>‹#›</a:t>
+            </a:fld>
+            <a:endParaRPr lang="en-US"/>
+          </a:p>
+        </p:txBody>
+      </p:sp>
     </p:spTree>
   </p:cSld>
 </p:sld>
@@ -10933,6 +14565,51 @@
           </a:p>
         </p:txBody>
       </p:sp>
+      <p:sp>
+        <p:nvSpPr>
+          <p:cNvPr id="5" name="Footer Placeholder 4"/>
+          <p:cNvSpPr>
+            <a:spLocks noGrp="1"/>
+          </p:cNvSpPr>
+          <p:nvPr>
+            <p:ph idx="11" sz="quarter" type="ftr"/>
+          </p:nvPr>
+        </p:nvSpPr>
+        <p:spPr/>
+        <p:txBody>
+          <a:bodyPr/>
+          <a:lstStyle/>
+          <a:p>
+            <a:r>
+              <a:rPr lang="en-US"/>
+              <a:t>Or Peretz</a:t>
+            </a:r>
+          </a:p>
+        </p:txBody>
+      </p:sp>
+      <p:sp>
+        <p:nvSpPr>
+          <p:cNvPr id="6" name="Slide Number Placeholder 5"/>
+          <p:cNvSpPr>
+            <a:spLocks noGrp="1"/>
+          </p:cNvSpPr>
+          <p:nvPr>
+            <p:ph idx="12" sz="quarter" type="sldNum"/>
+          </p:nvPr>
+        </p:nvSpPr>
+        <p:spPr/>
+        <p:txBody>
+          <a:bodyPr/>
+          <a:lstStyle/>
+          <a:p>
+            <a:fld id="{C1FF6DA9-008F-8B48-92A6-B652298478BF}" type="slidenum">
+              <a:rPr lang="en-US" smtClean="0"/>
+              <a:t>‹#›</a:t>
+            </a:fld>
+            <a:endParaRPr lang="en-US"/>
+          </a:p>
+        </p:txBody>
+      </p:sp>
     </p:spTree>
   </p:cSld>
 </p:sld>
@@ -10975,7 +14652,7 @@
             </a:pPr>
             <a:r>
               <a:rPr/>
-              <a:t>In-Lecture Exercise 3: Solution (1/2)</a:t>
+              <a:t>In-Lecture Exercise 3: Solution- Data loss: 5,000 posts and 50,000 interactions</a:t>
             </a:r>
           </a:p>
         </p:txBody>
@@ -10998,13 +14675,6 @@
             <a:pPr lvl="0"/>
             <a:r>
               <a:rPr/>
-              <a:t>Data loss: 5,000 posts and 50,000 interactions</a:t>
-            </a:r>
-          </a:p>
-          <a:p>
-            <a:pPr lvl="0"/>
-            <a:r>
-              <a:rPr/>
               <a:t>Recovery time: 30 min + 120 min + 60 min = 210 min</a:t>
             </a:r>
           </a:p>
@@ -11014,6 +14684,51 @@
               <a:rPr/>
               <a:t>Hourly cadence delays about 3–4 runs</a:t>
             </a:r>
+          </a:p>
+        </p:txBody>
+      </p:sp>
+      <p:sp>
+        <p:nvSpPr>
+          <p:cNvPr id="5" name="Footer Placeholder 4"/>
+          <p:cNvSpPr>
+            <a:spLocks noGrp="1"/>
+          </p:cNvSpPr>
+          <p:nvPr>
+            <p:ph idx="11" sz="quarter" type="ftr"/>
+          </p:nvPr>
+        </p:nvSpPr>
+        <p:spPr/>
+        <p:txBody>
+          <a:bodyPr/>
+          <a:lstStyle/>
+          <a:p>
+            <a:r>
+              <a:rPr lang="en-US"/>
+              <a:t>Or Peretz</a:t>
+            </a:r>
+          </a:p>
+        </p:txBody>
+      </p:sp>
+      <p:sp>
+        <p:nvSpPr>
+          <p:cNvPr id="6" name="Slide Number Placeholder 5"/>
+          <p:cNvSpPr>
+            <a:spLocks noGrp="1"/>
+          </p:cNvSpPr>
+          <p:nvPr>
+            <p:ph idx="12" sz="quarter" type="sldNum"/>
+          </p:nvPr>
+        </p:nvSpPr>
+        <p:spPr/>
+        <p:txBody>
+          <a:bodyPr/>
+          <a:lstStyle/>
+          <a:p>
+            <a:fld id="{C1FF6DA9-008F-8B48-92A6-B652298478BF}" type="slidenum">
+              <a:rPr lang="en-US" smtClean="0"/>
+              <a:t>‹#›</a:t>
+            </a:fld>
+            <a:endParaRPr lang="en-US"/>
           </a:p>
         </p:txBody>
       </p:sp>
@@ -11059,7 +14774,7 @@
             </a:pPr>
             <a:r>
               <a:rPr/>
-              <a:t>In-Lecture Exercise 3: Solution (2/2)</a:t>
+              <a:t>In-Lecture Exercise 3: Solution- Checkpoint at 20 min: 10 minutes of data lost</a:t>
             </a:r>
           </a:p>
         </p:txBody>
@@ -11082,13 +14797,6 @@
             <a:pPr lvl="0"/>
             <a:r>
               <a:rPr/>
-              <a:t>Checkpoint at 20 min: 10 minutes of data lost</a:t>
-            </a:r>
-          </a:p>
-          <a:p>
-            <a:pPr lvl="0"/>
-            <a:r>
-              <a:rPr/>
               <a:t>Loss with checkpoints: 1,667 posts; 16,667 interactions</a:t>
             </a:r>
           </a:p>
@@ -11098,6 +14806,51 @@
               <a:rPr/>
               <a:t>Recovery time: resume 40 minutes, no investigation</a:t>
             </a:r>
+          </a:p>
+        </p:txBody>
+      </p:sp>
+      <p:sp>
+        <p:nvSpPr>
+          <p:cNvPr id="5" name="Footer Placeholder 4"/>
+          <p:cNvSpPr>
+            <a:spLocks noGrp="1"/>
+          </p:cNvSpPr>
+          <p:nvPr>
+            <p:ph idx="11" sz="quarter" type="ftr"/>
+          </p:nvPr>
+        </p:nvSpPr>
+        <p:spPr/>
+        <p:txBody>
+          <a:bodyPr/>
+          <a:lstStyle/>
+          <a:p>
+            <a:r>
+              <a:rPr lang="en-US"/>
+              <a:t>Or Peretz</a:t>
+            </a:r>
+          </a:p>
+        </p:txBody>
+      </p:sp>
+      <p:sp>
+        <p:nvSpPr>
+          <p:cNvPr id="6" name="Slide Number Placeholder 5"/>
+          <p:cNvSpPr>
+            <a:spLocks noGrp="1"/>
+          </p:cNvSpPr>
+          <p:nvPr>
+            <p:ph idx="12" sz="quarter" type="sldNum"/>
+          </p:nvPr>
+        </p:nvSpPr>
+        <p:spPr/>
+        <p:txBody>
+          <a:bodyPr/>
+          <a:lstStyle/>
+          <a:p>
+            <a:fld id="{C1FF6DA9-008F-8B48-92A6-B652298478BF}" type="slidenum">
+              <a:rPr lang="en-US" smtClean="0"/>
+              <a:t>‹#›</a:t>
+            </a:fld>
+            <a:endParaRPr lang="en-US"/>
           </a:p>
         </p:txBody>
       </p:sp>
@@ -11185,6 +14938,51 @@
           </a:p>
         </p:txBody>
       </p:sp>
+      <p:sp>
+        <p:nvSpPr>
+          <p:cNvPr id="5" name="Footer Placeholder 4"/>
+          <p:cNvSpPr>
+            <a:spLocks noGrp="1"/>
+          </p:cNvSpPr>
+          <p:nvPr>
+            <p:ph idx="11" sz="quarter" type="ftr"/>
+          </p:nvPr>
+        </p:nvSpPr>
+        <p:spPr/>
+        <p:txBody>
+          <a:bodyPr/>
+          <a:lstStyle/>
+          <a:p>
+            <a:r>
+              <a:rPr lang="en-US"/>
+              <a:t>Or Peretz</a:t>
+            </a:r>
+          </a:p>
+        </p:txBody>
+      </p:sp>
+      <p:sp>
+        <p:nvSpPr>
+          <p:cNvPr id="6" name="Slide Number Placeholder 5"/>
+          <p:cNvSpPr>
+            <a:spLocks noGrp="1"/>
+          </p:cNvSpPr>
+          <p:nvPr>
+            <p:ph idx="12" sz="quarter" type="sldNum"/>
+          </p:nvPr>
+        </p:nvSpPr>
+        <p:spPr/>
+        <p:txBody>
+          <a:bodyPr/>
+          <a:lstStyle/>
+          <a:p>
+            <a:fld id="{C1FF6DA9-008F-8B48-92A6-B652298478BF}" type="slidenum">
+              <a:rPr lang="en-US" smtClean="0"/>
+              <a:t>‹#›</a:t>
+            </a:fld>
+            <a:endParaRPr lang="en-US"/>
+          </a:p>
+        </p:txBody>
+      </p:sp>
     </p:spTree>
   </p:cSld>
 </p:sld>
@@ -11248,8 +15046,8 @@
         </p:blipFill>
         <p:spPr bwMode="auto">
           <a:xfrm>
-            <a:off x="5003800" y="1600200"/>
-            <a:ext cx="2184400" cy="4521200"/>
+            <a:off x="4838700" y="1600200"/>
+            <a:ext cx="2527300" cy="4521200"/>
           </a:xfrm>
           <a:prstGeom prst="rect">
             <a:avLst/>
@@ -11262,6 +15060,51 @@
           </a:ln>
         </p:spPr>
       </p:pic>
+      <p:sp>
+        <p:nvSpPr>
+          <p:cNvPr id="5" name="Footer Placeholder 4"/>
+          <p:cNvSpPr>
+            <a:spLocks noGrp="1"/>
+          </p:cNvSpPr>
+          <p:nvPr>
+            <p:ph idx="11" sz="quarter" type="ftr"/>
+          </p:nvPr>
+        </p:nvSpPr>
+        <p:spPr/>
+        <p:txBody>
+          <a:bodyPr/>
+          <a:lstStyle/>
+          <a:p>
+            <a:r>
+              <a:rPr lang="en-US"/>
+              <a:t>Or Peretz</a:t>
+            </a:r>
+          </a:p>
+        </p:txBody>
+      </p:sp>
+      <p:sp>
+        <p:nvSpPr>
+          <p:cNvPr id="6" name="Slide Number Placeholder 5"/>
+          <p:cNvSpPr>
+            <a:spLocks noGrp="1"/>
+          </p:cNvSpPr>
+          <p:nvPr>
+            <p:ph idx="12" sz="quarter" type="sldNum"/>
+          </p:nvPr>
+        </p:nvSpPr>
+        <p:spPr/>
+        <p:txBody>
+          <a:bodyPr/>
+          <a:lstStyle/>
+          <a:p>
+            <a:fld id="{C1FF6DA9-008F-8B48-92A6-B652298478BF}" type="slidenum">
+              <a:rPr lang="en-US" smtClean="0"/>
+              <a:t>‹#›</a:t>
+            </a:fld>
+            <a:endParaRPr lang="en-US"/>
+          </a:p>
+        </p:txBody>
+      </p:sp>
     </p:spTree>
   </p:cSld>
 </p:sld>
@@ -11353,6 +15196,51 @@
           </a:p>
         </p:txBody>
       </p:sp>
+      <p:sp>
+        <p:nvSpPr>
+          <p:cNvPr id="5" name="Footer Placeholder 4"/>
+          <p:cNvSpPr>
+            <a:spLocks noGrp="1"/>
+          </p:cNvSpPr>
+          <p:nvPr>
+            <p:ph idx="11" sz="quarter" type="ftr"/>
+          </p:nvPr>
+        </p:nvSpPr>
+        <p:spPr/>
+        <p:txBody>
+          <a:bodyPr/>
+          <a:lstStyle/>
+          <a:p>
+            <a:r>
+              <a:rPr lang="en-US"/>
+              <a:t>Or Peretz</a:t>
+            </a:r>
+          </a:p>
+        </p:txBody>
+      </p:sp>
+      <p:sp>
+        <p:nvSpPr>
+          <p:cNvPr id="6" name="Slide Number Placeholder 5"/>
+          <p:cNvSpPr>
+            <a:spLocks noGrp="1"/>
+          </p:cNvSpPr>
+          <p:nvPr>
+            <p:ph idx="12" sz="quarter" type="sldNum"/>
+          </p:nvPr>
+        </p:nvSpPr>
+        <p:spPr/>
+        <p:txBody>
+          <a:bodyPr/>
+          <a:lstStyle/>
+          <a:p>
+            <a:fld id="{C1FF6DA9-008F-8B48-92A6-B652298478BF}" type="slidenum">
+              <a:rPr lang="en-US" smtClean="0"/>
+              <a:t>‹#›</a:t>
+            </a:fld>
+            <a:endParaRPr lang="en-US"/>
+          </a:p>
+        </p:txBody>
+      </p:sp>
     </p:spTree>
   </p:cSld>
 </p:sld>
@@ -11395,7 +15283,7 @@
             </a:pPr>
             <a:r>
               <a:rPr/>
-              <a:t>Pitfalls &amp; Failure Modes (3/3): Late Data</a:t>
+              <a:t>Pitfalls &amp; Failure Modes: Late Data</a:t>
             </a:r>
           </a:p>
         </p:txBody>
@@ -11441,6 +15329,51 @@
               <a:rPr/>
               <a:t>Mitigation: reprocess window, alert</a:t>
             </a:r>
+          </a:p>
+        </p:txBody>
+      </p:sp>
+      <p:sp>
+        <p:nvSpPr>
+          <p:cNvPr id="5" name="Footer Placeholder 4"/>
+          <p:cNvSpPr>
+            <a:spLocks noGrp="1"/>
+          </p:cNvSpPr>
+          <p:nvPr>
+            <p:ph idx="11" sz="quarter" type="ftr"/>
+          </p:nvPr>
+        </p:nvSpPr>
+        <p:spPr/>
+        <p:txBody>
+          <a:bodyPr/>
+          <a:lstStyle/>
+          <a:p>
+            <a:r>
+              <a:rPr lang="en-US"/>
+              <a:t>Or Peretz</a:t>
+            </a:r>
+          </a:p>
+        </p:txBody>
+      </p:sp>
+      <p:sp>
+        <p:nvSpPr>
+          <p:cNvPr id="6" name="Slide Number Placeholder 5"/>
+          <p:cNvSpPr>
+            <a:spLocks noGrp="1"/>
+          </p:cNvSpPr>
+          <p:nvPr>
+            <p:ph idx="12" sz="quarter" type="sldNum"/>
+          </p:nvPr>
+        </p:nvSpPr>
+        <p:spPr/>
+        <p:txBody>
+          <a:bodyPr/>
+          <a:lstStyle/>
+          <a:p>
+            <a:fld id="{C1FF6DA9-008F-8B48-92A6-B652298478BF}" type="slidenum">
+              <a:rPr lang="en-US" smtClean="0"/>
+              <a:t>‹#›</a:t>
+            </a:fld>
+            <a:endParaRPr lang="en-US"/>
           </a:p>
         </p:txBody>
       </p:sp>
@@ -11535,6 +15468,51 @@
           </a:p>
         </p:txBody>
       </p:sp>
+      <p:sp>
+        <p:nvSpPr>
+          <p:cNvPr id="5" name="Footer Placeholder 4"/>
+          <p:cNvSpPr>
+            <a:spLocks noGrp="1"/>
+          </p:cNvSpPr>
+          <p:nvPr>
+            <p:ph idx="11" sz="quarter" type="ftr"/>
+          </p:nvPr>
+        </p:nvSpPr>
+        <p:spPr/>
+        <p:txBody>
+          <a:bodyPr/>
+          <a:lstStyle/>
+          <a:p>
+            <a:r>
+              <a:rPr lang="en-US"/>
+              <a:t>Or Peretz</a:t>
+            </a:r>
+          </a:p>
+        </p:txBody>
+      </p:sp>
+      <p:sp>
+        <p:nvSpPr>
+          <p:cNvPr id="6" name="Slide Number Placeholder 5"/>
+          <p:cNvSpPr>
+            <a:spLocks noGrp="1"/>
+          </p:cNvSpPr>
+          <p:nvPr>
+            <p:ph idx="12" sz="quarter" type="sldNum"/>
+          </p:nvPr>
+        </p:nvSpPr>
+        <p:spPr/>
+        <p:txBody>
+          <a:bodyPr/>
+          <a:lstStyle/>
+          <a:p>
+            <a:fld id="{C1FF6DA9-008F-8B48-92A6-B652298478BF}" type="slidenum">
+              <a:rPr lang="en-US" smtClean="0"/>
+              <a:t>‹#›</a:t>
+            </a:fld>
+            <a:endParaRPr lang="en-US"/>
+          </a:p>
+        </p:txBody>
+      </p:sp>
     </p:spTree>
   </p:cSld>
 </p:sld>
@@ -11626,6 +15604,51 @@
           </a:p>
         </p:txBody>
       </p:sp>
+      <p:sp>
+        <p:nvSpPr>
+          <p:cNvPr id="5" name="Footer Placeholder 4"/>
+          <p:cNvSpPr>
+            <a:spLocks noGrp="1"/>
+          </p:cNvSpPr>
+          <p:nvPr>
+            <p:ph idx="11" sz="quarter" type="ftr"/>
+          </p:nvPr>
+        </p:nvSpPr>
+        <p:spPr/>
+        <p:txBody>
+          <a:bodyPr/>
+          <a:lstStyle/>
+          <a:p>
+            <a:r>
+              <a:rPr lang="en-US"/>
+              <a:t>Or Peretz</a:t>
+            </a:r>
+          </a:p>
+        </p:txBody>
+      </p:sp>
+      <p:sp>
+        <p:nvSpPr>
+          <p:cNvPr id="6" name="Slide Number Placeholder 5"/>
+          <p:cNvSpPr>
+            <a:spLocks noGrp="1"/>
+          </p:cNvSpPr>
+          <p:nvPr>
+            <p:ph idx="12" sz="quarter" type="sldNum"/>
+          </p:nvPr>
+        </p:nvSpPr>
+        <p:spPr/>
+        <p:txBody>
+          <a:bodyPr/>
+          <a:lstStyle/>
+          <a:p>
+            <a:fld id="{C1FF6DA9-008F-8B48-92A6-B652298478BF}" type="slidenum">
+              <a:rPr lang="en-US" smtClean="0"/>
+              <a:t>‹#›</a:t>
+            </a:fld>
+            <a:endParaRPr lang="en-US"/>
+          </a:p>
+        </p:txBody>
+      </p:sp>
     </p:spTree>
   </p:cSld>
 </p:sld>
@@ -11668,7 +15691,7 @@
             </a:pPr>
             <a:r>
               <a:rPr/>
-              <a:t>Best Practices (1/2): Start with Business Questions</a:t>
+              <a:t>Best Practices: Start with Business Questions</a:t>
             </a:r>
           </a:p>
         </p:txBody>
@@ -11707,6 +15730,51 @@
               <a:rPr b="1"/>
               <a:t>Don’t build pipelines without purpose</a:t>
             </a:r>
+          </a:p>
+        </p:txBody>
+      </p:sp>
+      <p:sp>
+        <p:nvSpPr>
+          <p:cNvPr id="5" name="Footer Placeholder 4"/>
+          <p:cNvSpPr>
+            <a:spLocks noGrp="1"/>
+          </p:cNvSpPr>
+          <p:nvPr>
+            <p:ph idx="11" sz="quarter" type="ftr"/>
+          </p:nvPr>
+        </p:nvSpPr>
+        <p:spPr/>
+        <p:txBody>
+          <a:bodyPr/>
+          <a:lstStyle/>
+          <a:p>
+            <a:r>
+              <a:rPr lang="en-US"/>
+              <a:t>Or Peretz</a:t>
+            </a:r>
+          </a:p>
+        </p:txBody>
+      </p:sp>
+      <p:sp>
+        <p:nvSpPr>
+          <p:cNvPr id="6" name="Slide Number Placeholder 5"/>
+          <p:cNvSpPr>
+            <a:spLocks noGrp="1"/>
+          </p:cNvSpPr>
+          <p:nvPr>
+            <p:ph idx="12" sz="quarter" type="sldNum"/>
+          </p:nvPr>
+        </p:nvSpPr>
+        <p:spPr/>
+        <p:txBody>
+          <a:bodyPr/>
+          <a:lstStyle/>
+          <a:p>
+            <a:fld id="{C1FF6DA9-008F-8B48-92A6-B652298478BF}" type="slidenum">
+              <a:rPr lang="en-US" smtClean="0"/>
+              <a:t>‹#›</a:t>
+            </a:fld>
+            <a:endParaRPr lang="en-US"/>
           </a:p>
         </p:txBody>
       </p:sp>
@@ -11752,27 +15820,8 @@
             </a:pPr>
             <a:r>
               <a:rPr/>
-              <a:t>What is Business Intelligence? (1/2)</a:t>
-            </a:r>
-          </a:p>
-        </p:txBody>
-      </p:sp>
-      <p:sp>
-        <p:nvSpPr>
-          <p:cNvPr id="3" name="Content Placeholder 2"/>
-          <p:cNvSpPr>
-            <a:spLocks noGrp="1"/>
-          </p:cNvSpPr>
-          <p:nvPr>
-            <p:ph hasCustomPrompt="1" idx="1"/>
-          </p:nvPr>
-        </p:nvSpPr>
-        <p:spPr/>
-        <p:txBody>
-          <a:bodyPr/>
-          <a:lstStyle/>
-          <a:p>
-            <a:pPr lvl="0"/>
+              <a:t>What is Business Intelligence?- </a:t>
+            </a:r>
             <a:r>
               <a:rPr b="1"/>
               <a:t>Definition:</a:t>
@@ -11782,6 +15831,22 @@
               <a:t> methodologies and technologies transforming raw data</a:t>
             </a:r>
           </a:p>
+        </p:txBody>
+      </p:sp>
+      <p:sp>
+        <p:nvSpPr>
+          <p:cNvPr id="3" name="Content Placeholder 2"/>
+          <p:cNvSpPr>
+            <a:spLocks noGrp="1"/>
+          </p:cNvSpPr>
+          <p:nvPr>
+            <p:ph hasCustomPrompt="1" idx="1"/>
+          </p:nvPr>
+        </p:nvSpPr>
+        <p:spPr/>
+        <p:txBody>
+          <a:bodyPr/>
+          <a:lstStyle/>
           <a:p>
             <a:pPr lvl="0"/>
             <a:r>
@@ -11802,6 +15867,51 @@
               <a:rPr/>
               <a:t>Use technology as a tool for business purpose</a:t>
             </a:r>
+          </a:p>
+        </p:txBody>
+      </p:sp>
+      <p:sp>
+        <p:nvSpPr>
+          <p:cNvPr id="5" name="Footer Placeholder 4"/>
+          <p:cNvSpPr>
+            <a:spLocks noGrp="1"/>
+          </p:cNvSpPr>
+          <p:nvPr>
+            <p:ph idx="11" sz="quarter" type="ftr"/>
+          </p:nvPr>
+        </p:nvSpPr>
+        <p:spPr/>
+        <p:txBody>
+          <a:bodyPr/>
+          <a:lstStyle/>
+          <a:p>
+            <a:r>
+              <a:rPr lang="en-US"/>
+              <a:t>Or Peretz</a:t>
+            </a:r>
+          </a:p>
+        </p:txBody>
+      </p:sp>
+      <p:sp>
+        <p:nvSpPr>
+          <p:cNvPr id="6" name="Slide Number Placeholder 5"/>
+          <p:cNvSpPr>
+            <a:spLocks noGrp="1"/>
+          </p:cNvSpPr>
+          <p:nvPr>
+            <p:ph idx="12" sz="quarter" type="sldNum"/>
+          </p:nvPr>
+        </p:nvSpPr>
+        <p:spPr/>
+        <p:txBody>
+          <a:bodyPr/>
+          <a:lstStyle/>
+          <a:p>
+            <a:fld id="{C1FF6DA9-008F-8B48-92A6-B652298478BF}" type="slidenum">
+              <a:rPr lang="en-US" smtClean="0"/>
+              <a:t>‹#›</a:t>
+            </a:fld>
+            <a:endParaRPr lang="en-US"/>
           </a:p>
         </p:txBody>
       </p:sp>
@@ -11904,6 +16014,51 @@
           </a:p>
         </p:txBody>
       </p:sp>
+      <p:sp>
+        <p:nvSpPr>
+          <p:cNvPr id="5" name="Footer Placeholder 4"/>
+          <p:cNvSpPr>
+            <a:spLocks noGrp="1"/>
+          </p:cNvSpPr>
+          <p:nvPr>
+            <p:ph idx="11" sz="quarter" type="ftr"/>
+          </p:nvPr>
+        </p:nvSpPr>
+        <p:spPr/>
+        <p:txBody>
+          <a:bodyPr/>
+          <a:lstStyle/>
+          <a:p>
+            <a:r>
+              <a:rPr lang="en-US"/>
+              <a:t>Or Peretz</a:t>
+            </a:r>
+          </a:p>
+        </p:txBody>
+      </p:sp>
+      <p:sp>
+        <p:nvSpPr>
+          <p:cNvPr id="6" name="Slide Number Placeholder 5"/>
+          <p:cNvSpPr>
+            <a:spLocks noGrp="1"/>
+          </p:cNvSpPr>
+          <p:nvPr>
+            <p:ph idx="12" sz="quarter" type="sldNum"/>
+          </p:nvPr>
+        </p:nvSpPr>
+        <p:spPr/>
+        <p:txBody>
+          <a:bodyPr/>
+          <a:lstStyle/>
+          <a:p>
+            <a:fld id="{C1FF6DA9-008F-8B48-92A6-B652298478BF}" type="slidenum">
+              <a:rPr lang="en-US" smtClean="0"/>
+              <a:t>‹#›</a:t>
+            </a:fld>
+            <a:endParaRPr lang="en-US"/>
+          </a:p>
+        </p:txBody>
+      </p:sp>
     </p:spTree>
   </p:cSld>
 </p:sld>
@@ -11996,6 +16151,51 @@
           </a:p>
         </p:txBody>
       </p:sp>
+      <p:sp>
+        <p:nvSpPr>
+          <p:cNvPr id="5" name="Footer Placeholder 4"/>
+          <p:cNvSpPr>
+            <a:spLocks noGrp="1"/>
+          </p:cNvSpPr>
+          <p:nvPr>
+            <p:ph idx="11" sz="quarter" type="ftr"/>
+          </p:nvPr>
+        </p:nvSpPr>
+        <p:spPr/>
+        <p:txBody>
+          <a:bodyPr/>
+          <a:lstStyle/>
+          <a:p>
+            <a:r>
+              <a:rPr lang="en-US"/>
+              <a:t>Or Peretz</a:t>
+            </a:r>
+          </a:p>
+        </p:txBody>
+      </p:sp>
+      <p:sp>
+        <p:nvSpPr>
+          <p:cNvPr id="6" name="Slide Number Placeholder 5"/>
+          <p:cNvSpPr>
+            <a:spLocks noGrp="1"/>
+          </p:cNvSpPr>
+          <p:nvPr>
+            <p:ph idx="12" sz="quarter" type="sldNum"/>
+          </p:nvPr>
+        </p:nvSpPr>
+        <p:spPr/>
+        <p:txBody>
+          <a:bodyPr/>
+          <a:lstStyle/>
+          <a:p>
+            <a:fld id="{C1FF6DA9-008F-8B48-92A6-B652298478BF}" type="slidenum">
+              <a:rPr lang="en-US" smtClean="0"/>
+              <a:t>‹#›</a:t>
+            </a:fld>
+            <a:endParaRPr lang="en-US"/>
+          </a:p>
+        </p:txBody>
+      </p:sp>
     </p:spTree>
   </p:cSld>
 </p:sld>
@@ -12038,32 +16238,29 @@
             </a:pPr>
             <a:r>
               <a:rPr/>
-              <a:t>Best Practices (2/2): CRISP-DM Methodology (1/2)</a:t>
-            </a:r>
-          </a:p>
-        </p:txBody>
-      </p:sp>
-      <p:sp>
-        <p:nvSpPr>
-          <p:cNvPr id="3" name="Content Placeholder 2"/>
-          <p:cNvSpPr>
-            <a:spLocks noGrp="1"/>
-          </p:cNvSpPr>
-          <p:nvPr>
-            <p:ph hasCustomPrompt="1" idx="1"/>
-          </p:nvPr>
-        </p:nvSpPr>
-        <p:spPr/>
-        <p:txBody>
-          <a:bodyPr/>
-          <a:lstStyle/>
-          <a:p>
-            <a:pPr lvl="0"/>
+              <a:t>Best Practices: CRISP-DM Methodology- </a:t>
+            </a:r>
             <a:r>
               <a:rPr b="1"/>
               <a:t>Cross-Industry Standard Process for Data Mining</a:t>
             </a:r>
           </a:p>
+        </p:txBody>
+      </p:sp>
+      <p:sp>
+        <p:nvSpPr>
+          <p:cNvPr id="3" name="Content Placeholder 2"/>
+          <p:cNvSpPr>
+            <a:spLocks noGrp="1"/>
+          </p:cNvSpPr>
+          <p:nvPr>
+            <p:ph hasCustomPrompt="1" idx="1"/>
+          </p:nvPr>
+        </p:nvSpPr>
+        <p:spPr/>
+        <p:txBody>
+          <a:bodyPr/>
+          <a:lstStyle/>
           <a:p>
             <a:pPr lvl="0"/>
             <a:r>
@@ -12088,6 +16285,51 @@
               <a:rPr/>
               <a:t>Continues: Modeling → Evaluation → Deployment</a:t>
             </a:r>
+          </a:p>
+        </p:txBody>
+      </p:sp>
+      <p:sp>
+        <p:nvSpPr>
+          <p:cNvPr id="5" name="Footer Placeholder 4"/>
+          <p:cNvSpPr>
+            <a:spLocks noGrp="1"/>
+          </p:cNvSpPr>
+          <p:nvPr>
+            <p:ph idx="11" sz="quarter" type="ftr"/>
+          </p:nvPr>
+        </p:nvSpPr>
+        <p:spPr/>
+        <p:txBody>
+          <a:bodyPr/>
+          <a:lstStyle/>
+          <a:p>
+            <a:r>
+              <a:rPr lang="en-US"/>
+              <a:t>Or Peretz</a:t>
+            </a:r>
+          </a:p>
+        </p:txBody>
+      </p:sp>
+      <p:sp>
+        <p:nvSpPr>
+          <p:cNvPr id="6" name="Slide Number Placeholder 5"/>
+          <p:cNvSpPr>
+            <a:spLocks noGrp="1"/>
+          </p:cNvSpPr>
+          <p:nvPr>
+            <p:ph idx="12" sz="quarter" type="sldNum"/>
+          </p:nvPr>
+        </p:nvSpPr>
+        <p:spPr/>
+        <p:txBody>
+          <a:bodyPr/>
+          <a:lstStyle/>
+          <a:p>
+            <a:fld id="{C1FF6DA9-008F-8B48-92A6-B652298478BF}" type="slidenum">
+              <a:rPr lang="en-US" smtClean="0"/>
+              <a:t>‹#›</a:t>
+            </a:fld>
+            <a:endParaRPr lang="en-US"/>
           </a:p>
         </p:txBody>
       </p:sp>
@@ -12133,7 +16375,7 @@
             </a:pPr>
             <a:r>
               <a:rPr/>
-              <a:t>CRISP-DM Methodology (2/2)</a:t>
+              <a:t>CRISP-DM Methodology- Data preparation is often 60-80% of work</a:t>
             </a:r>
           </a:p>
         </p:txBody>
@@ -12152,13 +16394,6 @@
         <p:txBody>
           <a:bodyPr/>
           <a:lstStyle/>
-          <a:p>
-            <a:pPr lvl="0"/>
-            <a:r>
-              <a:rPr/>
-              <a:t>Data preparation is often 60-80% of work</a:t>
-            </a:r>
-          </a:p>
           <a:p>
             <a:pPr lvl="0"/>
             <a:r>
@@ -12183,6 +16418,51 @@
               <a:rPr/>
               <a:t>Pipelines must support reprocessing and iteration</a:t>
             </a:r>
+          </a:p>
+        </p:txBody>
+      </p:sp>
+      <p:sp>
+        <p:nvSpPr>
+          <p:cNvPr id="5" name="Footer Placeholder 4"/>
+          <p:cNvSpPr>
+            <a:spLocks noGrp="1"/>
+          </p:cNvSpPr>
+          <p:nvPr>
+            <p:ph idx="11" sz="quarter" type="ftr"/>
+          </p:nvPr>
+        </p:nvSpPr>
+        <p:spPr/>
+        <p:txBody>
+          <a:bodyPr/>
+          <a:lstStyle/>
+          <a:p>
+            <a:r>
+              <a:rPr lang="en-US"/>
+              <a:t>Or Peretz</a:t>
+            </a:r>
+          </a:p>
+        </p:txBody>
+      </p:sp>
+      <p:sp>
+        <p:nvSpPr>
+          <p:cNvPr id="6" name="Slide Number Placeholder 5"/>
+          <p:cNvSpPr>
+            <a:spLocks noGrp="1"/>
+          </p:cNvSpPr>
+          <p:nvPr>
+            <p:ph idx="12" sz="quarter" type="sldNum"/>
+          </p:nvPr>
+        </p:nvSpPr>
+        <p:spPr/>
+        <p:txBody>
+          <a:bodyPr/>
+          <a:lstStyle/>
+          <a:p>
+            <a:fld id="{C1FF6DA9-008F-8B48-92A6-B652298478BF}" type="slidenum">
+              <a:rPr lang="en-US" smtClean="0"/>
+              <a:t>‹#›</a:t>
+            </a:fld>
+            <a:endParaRPr lang="en-US"/>
           </a:p>
         </p:txBody>
       </p:sp>
@@ -12281,6 +16561,51 @@
           </a:p>
         </p:txBody>
       </p:sp>
+      <p:sp>
+        <p:nvSpPr>
+          <p:cNvPr id="5" name="Footer Placeholder 4"/>
+          <p:cNvSpPr>
+            <a:spLocks noGrp="1"/>
+          </p:cNvSpPr>
+          <p:nvPr>
+            <p:ph idx="11" sz="quarter" type="ftr"/>
+          </p:nvPr>
+        </p:nvSpPr>
+        <p:spPr/>
+        <p:txBody>
+          <a:bodyPr/>
+          <a:lstStyle/>
+          <a:p>
+            <a:r>
+              <a:rPr lang="en-US"/>
+              <a:t>Or Peretz</a:t>
+            </a:r>
+          </a:p>
+        </p:txBody>
+      </p:sp>
+      <p:sp>
+        <p:nvSpPr>
+          <p:cNvPr id="6" name="Slide Number Placeholder 5"/>
+          <p:cNvSpPr>
+            <a:spLocks noGrp="1"/>
+          </p:cNvSpPr>
+          <p:nvPr>
+            <p:ph idx="12" sz="quarter" type="sldNum"/>
+          </p:nvPr>
+        </p:nvSpPr>
+        <p:spPr/>
+        <p:txBody>
+          <a:bodyPr/>
+          <a:lstStyle/>
+          <a:p>
+            <a:fld id="{C1FF6DA9-008F-8B48-92A6-B652298478BF}" type="slidenum">
+              <a:rPr lang="en-US" smtClean="0"/>
+              <a:t>‹#›</a:t>
+            </a:fld>
+            <a:endParaRPr lang="en-US"/>
+          </a:p>
+        </p:txBody>
+      </p:sp>
     </p:spTree>
   </p:cSld>
 </p:sld>
@@ -12379,6 +16704,51 @@
           </a:p>
         </p:txBody>
       </p:sp>
+      <p:sp>
+        <p:nvSpPr>
+          <p:cNvPr id="5" name="Footer Placeholder 4"/>
+          <p:cNvSpPr>
+            <a:spLocks noGrp="1"/>
+          </p:cNvSpPr>
+          <p:nvPr>
+            <p:ph idx="11" sz="quarter" type="ftr"/>
+          </p:nvPr>
+        </p:nvSpPr>
+        <p:spPr/>
+        <p:txBody>
+          <a:bodyPr/>
+          <a:lstStyle/>
+          <a:p>
+            <a:r>
+              <a:rPr lang="en-US"/>
+              <a:t>Or Peretz</a:t>
+            </a:r>
+          </a:p>
+        </p:txBody>
+      </p:sp>
+      <p:sp>
+        <p:nvSpPr>
+          <p:cNvPr id="6" name="Slide Number Placeholder 5"/>
+          <p:cNvSpPr>
+            <a:spLocks noGrp="1"/>
+          </p:cNvSpPr>
+          <p:nvPr>
+            <p:ph idx="12" sz="quarter" type="sldNum"/>
+          </p:nvPr>
+        </p:nvSpPr>
+        <p:spPr/>
+        <p:txBody>
+          <a:bodyPr/>
+          <a:lstStyle/>
+          <a:p>
+            <a:fld id="{C1FF6DA9-008F-8B48-92A6-B652298478BF}" type="slidenum">
+              <a:rPr lang="en-US" smtClean="0"/>
+              <a:t>‹#›</a:t>
+            </a:fld>
+            <a:endParaRPr lang="en-US"/>
+          </a:p>
+        </p:txBody>
+      </p:sp>
     </p:spTree>
   </p:cSld>
 </p:sld>
@@ -12478,6 +16848,51 @@
           </a:p>
         </p:txBody>
       </p:sp>
+      <p:sp>
+        <p:nvSpPr>
+          <p:cNvPr id="5" name="Footer Placeholder 4"/>
+          <p:cNvSpPr>
+            <a:spLocks noGrp="1"/>
+          </p:cNvSpPr>
+          <p:nvPr>
+            <p:ph idx="11" sz="quarter" type="ftr"/>
+          </p:nvPr>
+        </p:nvSpPr>
+        <p:spPr/>
+        <p:txBody>
+          <a:bodyPr/>
+          <a:lstStyle/>
+          <a:p>
+            <a:r>
+              <a:rPr lang="en-US"/>
+              <a:t>Or Peretz</a:t>
+            </a:r>
+          </a:p>
+        </p:txBody>
+      </p:sp>
+      <p:sp>
+        <p:nvSpPr>
+          <p:cNvPr id="6" name="Slide Number Placeholder 5"/>
+          <p:cNvSpPr>
+            <a:spLocks noGrp="1"/>
+          </p:cNvSpPr>
+          <p:nvPr>
+            <p:ph idx="12" sz="quarter" type="sldNum"/>
+          </p:nvPr>
+        </p:nvSpPr>
+        <p:spPr/>
+        <p:txBody>
+          <a:bodyPr/>
+          <a:lstStyle/>
+          <a:p>
+            <a:fld id="{C1FF6DA9-008F-8B48-92A6-B652298478BF}" type="slidenum">
+              <a:rPr lang="en-US" smtClean="0"/>
+              <a:t>‹#›</a:t>
+            </a:fld>
+            <a:endParaRPr lang="en-US"/>
+          </a:p>
+        </p:txBody>
+      </p:sp>
     </p:spTree>
   </p:cSld>
 </p:sld>
@@ -12577,6 +16992,51 @@
           </a:p>
         </p:txBody>
       </p:sp>
+      <p:sp>
+        <p:nvSpPr>
+          <p:cNvPr id="5" name="Footer Placeholder 4"/>
+          <p:cNvSpPr>
+            <a:spLocks noGrp="1"/>
+          </p:cNvSpPr>
+          <p:nvPr>
+            <p:ph idx="11" sz="quarter" type="ftr"/>
+          </p:nvPr>
+        </p:nvSpPr>
+        <p:spPr/>
+        <p:txBody>
+          <a:bodyPr/>
+          <a:lstStyle/>
+          <a:p>
+            <a:r>
+              <a:rPr lang="en-US"/>
+              <a:t>Or Peretz</a:t>
+            </a:r>
+          </a:p>
+        </p:txBody>
+      </p:sp>
+      <p:sp>
+        <p:nvSpPr>
+          <p:cNvPr id="6" name="Slide Number Placeholder 5"/>
+          <p:cNvSpPr>
+            <a:spLocks noGrp="1"/>
+          </p:cNvSpPr>
+          <p:nvPr>
+            <p:ph idx="12" sz="quarter" type="sldNum"/>
+          </p:nvPr>
+        </p:nvSpPr>
+        <p:spPr/>
+        <p:txBody>
+          <a:bodyPr/>
+          <a:lstStyle/>
+          <a:p>
+            <a:fld id="{C1FF6DA9-008F-8B48-92A6-B652298478BF}" type="slidenum">
+              <a:rPr lang="en-US" smtClean="0"/>
+              <a:t>‹#›</a:t>
+            </a:fld>
+            <a:endParaRPr lang="en-US"/>
+          </a:p>
+        </p:txBody>
+      </p:sp>
     </p:spTree>
   </p:cSld>
 </p:sld>
@@ -12680,6 +17140,51 @@
           </a:p>
         </p:txBody>
       </p:sp>
+      <p:sp>
+        <p:nvSpPr>
+          <p:cNvPr id="5" name="Footer Placeholder 4"/>
+          <p:cNvSpPr>
+            <a:spLocks noGrp="1"/>
+          </p:cNvSpPr>
+          <p:nvPr>
+            <p:ph idx="11" sz="quarter" type="ftr"/>
+          </p:nvPr>
+        </p:nvSpPr>
+        <p:spPr/>
+        <p:txBody>
+          <a:bodyPr/>
+          <a:lstStyle/>
+          <a:p>
+            <a:r>
+              <a:rPr lang="en-US"/>
+              <a:t>Or Peretz</a:t>
+            </a:r>
+          </a:p>
+        </p:txBody>
+      </p:sp>
+      <p:sp>
+        <p:nvSpPr>
+          <p:cNvPr id="6" name="Slide Number Placeholder 5"/>
+          <p:cNvSpPr>
+            <a:spLocks noGrp="1"/>
+          </p:cNvSpPr>
+          <p:nvPr>
+            <p:ph idx="12" sz="quarter" type="sldNum"/>
+          </p:nvPr>
+        </p:nvSpPr>
+        <p:spPr/>
+        <p:txBody>
+          <a:bodyPr/>
+          <a:lstStyle/>
+          <a:p>
+            <a:fld id="{C1FF6DA9-008F-8B48-92A6-B652298478BF}" type="slidenum">
+              <a:rPr lang="en-US" smtClean="0"/>
+              <a:t>‹#›</a:t>
+            </a:fld>
+            <a:endParaRPr lang="en-US"/>
+          </a:p>
+        </p:txBody>
+      </p:sp>
     </p:spTree>
   </p:cSld>
 </p:sld>
@@ -12780,6 +17285,51 @@
               <a:rPr b="1"/>
               <a:t>Start simple, optimize later</a:t>
             </a:r>
+          </a:p>
+        </p:txBody>
+      </p:sp>
+      <p:sp>
+        <p:nvSpPr>
+          <p:cNvPr id="5" name="Footer Placeholder 4"/>
+          <p:cNvSpPr>
+            <a:spLocks noGrp="1"/>
+          </p:cNvSpPr>
+          <p:nvPr>
+            <p:ph idx="11" sz="quarter" type="ftr"/>
+          </p:nvPr>
+        </p:nvSpPr>
+        <p:spPr/>
+        <p:txBody>
+          <a:bodyPr/>
+          <a:lstStyle/>
+          <a:p>
+            <a:r>
+              <a:rPr lang="en-US"/>
+              <a:t>Or Peretz</a:t>
+            </a:r>
+          </a:p>
+        </p:txBody>
+      </p:sp>
+      <p:sp>
+        <p:nvSpPr>
+          <p:cNvPr id="6" name="Slide Number Placeholder 5"/>
+          <p:cNvSpPr>
+            <a:spLocks noGrp="1"/>
+          </p:cNvSpPr>
+          <p:nvPr>
+            <p:ph idx="12" sz="quarter" type="sldNum"/>
+          </p:nvPr>
+        </p:nvSpPr>
+        <p:spPr/>
+        <p:txBody>
+          <a:bodyPr/>
+          <a:lstStyle/>
+          <a:p>
+            <a:fld id="{C1FF6DA9-008F-8B48-92A6-B652298478BF}" type="slidenum">
+              <a:rPr lang="en-US" smtClean="0"/>
+              <a:t>‹#›</a:t>
+            </a:fld>
+            <a:endParaRPr lang="en-US"/>
           </a:p>
         </p:txBody>
       </p:sp>
@@ -13421,4 +17971,319 @@
     </a:ext>
   </a:extLst>
 </a:theme>
+</file>
+
+<file path=ppt/theme/theme3.xml><?xml version="1.0" encoding="utf-8"?>
+<a:theme xmlns:a="http://schemas.openxmlformats.org/drawingml/2006/main" name="ערכת נושא Office">
+  <a:themeElements>
+    <a:clrScheme name="Office">
+      <a:dk1>
+        <a:sysClr val="windowText" lastClr="000000"/>
+      </a:dk1>
+      <a:lt1>
+        <a:sysClr val="window" lastClr="FFFFFF"/>
+      </a:lt1>
+      <a:dk2>
+        <a:srgbClr val="0E2841"/>
+      </a:dk2>
+      <a:lt2>
+        <a:srgbClr val="E8E8E8"/>
+      </a:lt2>
+      <a:accent1>
+        <a:srgbClr val="156082"/>
+      </a:accent1>
+      <a:accent2>
+        <a:srgbClr val="E97132"/>
+      </a:accent2>
+      <a:accent3>
+        <a:srgbClr val="196B24"/>
+      </a:accent3>
+      <a:accent4>
+        <a:srgbClr val="0F9ED5"/>
+      </a:accent4>
+      <a:accent5>
+        <a:srgbClr val="A02B93"/>
+      </a:accent5>
+      <a:accent6>
+        <a:srgbClr val="4EA72E"/>
+      </a:accent6>
+      <a:hlink>
+        <a:srgbClr val="467886"/>
+      </a:hlink>
+      <a:folHlink>
+        <a:srgbClr val="96607D"/>
+      </a:folHlink>
+    </a:clrScheme>
+    <a:fontScheme name="Office">
+      <a:majorFont>
+        <a:latin typeface="Aptos Display" panose="02110004020202020204"/>
+        <a:ea typeface=""/>
+        <a:cs typeface=""/>
+        <a:font script="Jpan" typeface="游ゴシック Light"/>
+        <a:font script="Hang" typeface="맑은 고딕"/>
+        <a:font script="Hans" typeface="等线 Light"/>
+        <a:font script="Hant" typeface="新細明體"/>
+        <a:font script="Arab" typeface="Times New Roman"/>
+        <a:font script="Hebr" typeface="Times New Roman"/>
+        <a:font script="Thai" typeface="Angsana New"/>
+        <a:font script="Ethi" typeface="Nyala"/>
+        <a:font script="Beng" typeface="Vrinda"/>
+        <a:font script="Gujr" typeface="Shruti"/>
+        <a:font script="Khmr" typeface="MoolBoran"/>
+        <a:font script="Knda" typeface="Tunga"/>
+        <a:font script="Guru" typeface="Raavi"/>
+        <a:font script="Cans" typeface="Euphemia"/>
+        <a:font script="Cher" typeface="Plantagenet Cherokee"/>
+        <a:font script="Yiii" typeface="Microsoft Yi Baiti"/>
+        <a:font script="Tibt" typeface="Microsoft Himalaya"/>
+        <a:font script="Thaa" typeface="MV Boli"/>
+        <a:font script="Deva" typeface="Mangal"/>
+        <a:font script="Telu" typeface="Gautami"/>
+        <a:font script="Taml" typeface="Latha"/>
+        <a:font script="Syrc" typeface="Estrangelo Edessa"/>
+        <a:font script="Orya" typeface="Kalinga"/>
+        <a:font script="Mlym" typeface="Kartika"/>
+        <a:font script="Laoo" typeface="DokChampa"/>
+        <a:font script="Sinh" typeface="Iskoola Pota"/>
+        <a:font script="Mong" typeface="Mongolian Baiti"/>
+        <a:font script="Viet" typeface="Times New Roman"/>
+        <a:font script="Uigh" typeface="Microsoft Uighur"/>
+        <a:font script="Geor" typeface="Sylfaen"/>
+        <a:font script="Armn" typeface="Arial"/>
+        <a:font script="Bugi" typeface="Leelawadee UI"/>
+        <a:font script="Bopo" typeface="Microsoft JhengHei"/>
+        <a:font script="Java" typeface="Javanese Text"/>
+        <a:font script="Lisu" typeface="Segoe UI"/>
+        <a:font script="Mymr" typeface="Myanmar Text"/>
+        <a:font script="Nkoo" typeface="Ebrima"/>
+        <a:font script="Olck" typeface="Nirmala UI"/>
+        <a:font script="Osma" typeface="Ebrima"/>
+        <a:font script="Phag" typeface="Phagspa"/>
+        <a:font script="Syrn" typeface="Estrangelo Edessa"/>
+        <a:font script="Syrj" typeface="Estrangelo Edessa"/>
+        <a:font script="Syre" typeface="Estrangelo Edessa"/>
+        <a:font script="Sora" typeface="Nirmala UI"/>
+        <a:font script="Tale" typeface="Microsoft Tai Le"/>
+        <a:font script="Talu" typeface="Microsoft New Tai Lue"/>
+        <a:font script="Tfng" typeface="Ebrima"/>
+      </a:majorFont>
+      <a:minorFont>
+        <a:latin typeface="Aptos" panose="02110004020202020204"/>
+        <a:ea typeface=""/>
+        <a:cs typeface=""/>
+        <a:font script="Jpan" typeface="游ゴシック"/>
+        <a:font script="Hang" typeface="맑은 고딕"/>
+        <a:font script="Hans" typeface="等线"/>
+        <a:font script="Hant" typeface="新細明體"/>
+        <a:font script="Arab" typeface="Arial"/>
+        <a:font script="Hebr" typeface="Arial"/>
+        <a:font script="Thai" typeface="Cordia New"/>
+        <a:font script="Ethi" typeface="Nyala"/>
+        <a:font script="Beng" typeface="Vrinda"/>
+        <a:font script="Gujr" typeface="Shruti"/>
+        <a:font script="Khmr" typeface="DaunPenh"/>
+        <a:font script="Knda" typeface="Tunga"/>
+        <a:font script="Guru" typeface="Raavi"/>
+        <a:font script="Cans" typeface="Euphemia"/>
+        <a:font script="Cher" typeface="Plantagenet Cherokee"/>
+        <a:font script="Yiii" typeface="Microsoft Yi Baiti"/>
+        <a:font script="Tibt" typeface="Microsoft Himalaya"/>
+        <a:font script="Thaa" typeface="MV Boli"/>
+        <a:font script="Deva" typeface="Mangal"/>
+        <a:font script="Telu" typeface="Gautami"/>
+        <a:font script="Taml" typeface="Latha"/>
+        <a:font script="Syrc" typeface="Estrangelo Edessa"/>
+        <a:font script="Orya" typeface="Kalinga"/>
+        <a:font script="Mlym" typeface="Kartika"/>
+        <a:font script="Laoo" typeface="DokChampa"/>
+        <a:font script="Sinh" typeface="Iskoola Pota"/>
+        <a:font script="Mong" typeface="Mongolian Baiti"/>
+        <a:font script="Viet" typeface="Arial"/>
+        <a:font script="Uigh" typeface="Microsoft Uighur"/>
+        <a:font script="Geor" typeface="Sylfaen"/>
+        <a:font script="Armn" typeface="Arial"/>
+        <a:font script="Bugi" typeface="Leelawadee UI"/>
+        <a:font script="Bopo" typeface="Microsoft JhengHei"/>
+        <a:font script="Java" typeface="Javanese Text"/>
+        <a:font script="Lisu" typeface="Segoe UI"/>
+        <a:font script="Mymr" typeface="Myanmar Text"/>
+        <a:font script="Nkoo" typeface="Ebrima"/>
+        <a:font script="Olck" typeface="Nirmala UI"/>
+        <a:font script="Osma" typeface="Ebrima"/>
+        <a:font script="Phag" typeface="Phagspa"/>
+        <a:font script="Syrn" typeface="Estrangelo Edessa"/>
+        <a:font script="Syrj" typeface="Estrangelo Edessa"/>
+        <a:font script="Syre" typeface="Estrangelo Edessa"/>
+        <a:font script="Sora" typeface="Nirmala UI"/>
+        <a:font script="Tale" typeface="Microsoft Tai Le"/>
+        <a:font script="Talu" typeface="Microsoft New Tai Lue"/>
+        <a:font script="Tfng" typeface="Ebrima"/>
+      </a:minorFont>
+    </a:fontScheme>
+    <a:fmtScheme name="Office">
+      <a:fillStyleLst>
+        <a:solidFill>
+          <a:schemeClr val="phClr"/>
+        </a:solidFill>
+        <a:gradFill rotWithShape="1">
+          <a:gsLst>
+            <a:gs pos="0">
+              <a:schemeClr val="phClr">
+                <a:lumMod val="110000"/>
+                <a:satMod val="105000"/>
+                <a:tint val="67000"/>
+              </a:schemeClr>
+            </a:gs>
+            <a:gs pos="50000">
+              <a:schemeClr val="phClr">
+                <a:lumMod val="105000"/>
+                <a:satMod val="103000"/>
+                <a:tint val="73000"/>
+              </a:schemeClr>
+            </a:gs>
+            <a:gs pos="100000">
+              <a:schemeClr val="phClr">
+                <a:lumMod val="105000"/>
+                <a:satMod val="109000"/>
+                <a:tint val="81000"/>
+              </a:schemeClr>
+            </a:gs>
+          </a:gsLst>
+          <a:lin ang="5400000" scaled="0"/>
+        </a:gradFill>
+        <a:gradFill rotWithShape="1">
+          <a:gsLst>
+            <a:gs pos="0">
+              <a:schemeClr val="phClr">
+                <a:satMod val="103000"/>
+                <a:lumMod val="102000"/>
+                <a:tint val="94000"/>
+              </a:schemeClr>
+            </a:gs>
+            <a:gs pos="50000">
+              <a:schemeClr val="phClr">
+                <a:satMod val="110000"/>
+                <a:lumMod val="100000"/>
+                <a:shade val="100000"/>
+              </a:schemeClr>
+            </a:gs>
+            <a:gs pos="100000">
+              <a:schemeClr val="phClr">
+                <a:lumMod val="99000"/>
+                <a:satMod val="120000"/>
+                <a:shade val="78000"/>
+              </a:schemeClr>
+            </a:gs>
+          </a:gsLst>
+          <a:lin ang="5400000" scaled="0"/>
+        </a:gradFill>
+      </a:fillStyleLst>
+      <a:lnStyleLst>
+        <a:ln w="12700" cap="flat" cmpd="sng" algn="ctr">
+          <a:solidFill>
+            <a:schemeClr val="phClr"/>
+          </a:solidFill>
+          <a:prstDash val="solid"/>
+          <a:miter lim="800000"/>
+        </a:ln>
+        <a:ln w="19050" cap="flat" cmpd="sng" algn="ctr">
+          <a:solidFill>
+            <a:schemeClr val="phClr"/>
+          </a:solidFill>
+          <a:prstDash val="solid"/>
+          <a:miter lim="800000"/>
+        </a:ln>
+        <a:ln w="25400" cap="flat" cmpd="sng" algn="ctr">
+          <a:solidFill>
+            <a:schemeClr val="phClr"/>
+          </a:solidFill>
+          <a:prstDash val="solid"/>
+          <a:miter lim="800000"/>
+        </a:ln>
+      </a:lnStyleLst>
+      <a:effectStyleLst>
+        <a:effectStyle>
+          <a:effectLst/>
+        </a:effectStyle>
+        <a:effectStyle>
+          <a:effectLst/>
+        </a:effectStyle>
+        <a:effectStyle>
+          <a:effectLst>
+            <a:outerShdw blurRad="57150" dist="19050" dir="5400000" algn="ctr" rotWithShape="0">
+              <a:srgbClr val="000000">
+                <a:alpha val="63000"/>
+              </a:srgbClr>
+            </a:outerShdw>
+          </a:effectLst>
+        </a:effectStyle>
+      </a:effectStyleLst>
+      <a:bgFillStyleLst>
+        <a:solidFill>
+          <a:schemeClr val="phClr"/>
+        </a:solidFill>
+        <a:solidFill>
+          <a:schemeClr val="phClr">
+            <a:tint val="95000"/>
+            <a:satMod val="170000"/>
+          </a:schemeClr>
+        </a:solidFill>
+        <a:gradFill rotWithShape="1">
+          <a:gsLst>
+            <a:gs pos="0">
+              <a:schemeClr val="phClr">
+                <a:tint val="93000"/>
+                <a:satMod val="150000"/>
+                <a:shade val="98000"/>
+                <a:lumMod val="102000"/>
+              </a:schemeClr>
+            </a:gs>
+            <a:gs pos="50000">
+              <a:schemeClr val="phClr">
+                <a:tint val="98000"/>
+                <a:satMod val="130000"/>
+                <a:shade val="90000"/>
+                <a:lumMod val="103000"/>
+              </a:schemeClr>
+            </a:gs>
+            <a:gs pos="100000">
+              <a:schemeClr val="phClr">
+                <a:shade val="63000"/>
+                <a:satMod val="120000"/>
+              </a:schemeClr>
+            </a:gs>
+          </a:gsLst>
+          <a:lin ang="5400000" scaled="0"/>
+        </a:gradFill>
+      </a:bgFillStyleLst>
+    </a:fmtScheme>
+  </a:themeElements>
+  <a:objectDefaults>
+    <a:lnDef>
+      <a:spPr/>
+      <a:bodyPr/>
+      <a:lstStyle/>
+      <a:style>
+        <a:lnRef idx="2">
+          <a:schemeClr val="accent1"/>
+        </a:lnRef>
+        <a:fillRef idx="0">
+          <a:schemeClr val="accent1"/>
+        </a:fillRef>
+        <a:effectRef idx="1">
+          <a:schemeClr val="accent1"/>
+        </a:effectRef>
+        <a:fontRef idx="minor">
+          <a:schemeClr val="tx1"/>
+        </a:fontRef>
+      </a:style>
+    </a:lnDef>
+  </a:objectDefaults>
+  <a:extraClrSchemeLst/>
+  <a:extLst>
+    <a:ext uri="{05A4C25C-085E-4340-85A3-A5531E510DB2}">
+      <thm15:themeFamily xmlns:thm15="http://schemas.microsoft.com/office/thememl/2012/main" name="Office Theme" id="{2E142A2C-CD16-42D6-873A-C26D2A0506FA}" vid="{1BDDFF52-6CD6-40A5-AB3C-68EB2F1E4D0A}"/>
+    </a:ext>
+  </a:extLst>
+</a:theme>
 </file>
--- a/build/01-introduction.pptx
+++ b/build/01-introduction.pptx
@@ -3699,8 +3699,8 @@
         </p:blipFill>
         <p:spPr bwMode="auto">
           <a:xfrm>
-            <a:off x="5499100" y="1600200"/>
-            <a:ext cx="1181100" cy="4521200"/>
+            <a:off x="4572000" y="1600200"/>
+            <a:ext cx="3048000" cy="4521200"/>
           </a:xfrm>
           <a:prstGeom prst="rect">
             <a:avLst/>
